--- a/smartfarm.pptx
+++ b/smartfarm.pptx
@@ -1,18 +1,25 @@
 
 <file path=ppt/presentation.xml><?xml version="1.0" encoding="utf-8"?>
-<p:presentation xmlns:a="http://schemas.openxmlformats.org/drawingml/2006/main" xmlns:r="http://schemas.openxmlformats.org/officeDocument/2006/relationships" xmlns:p="http://schemas.openxmlformats.org/presentationml/2006/main" saveSubsetFonts="1">
+<p:presentation xmlns:r="http://schemas.openxmlformats.org/officeDocument/2006/relationships" xmlns:c="http://schemas.openxmlformats.org/drawingml/2006/chart" xmlns:a="http://schemas.openxmlformats.org/drawingml/2006/main" xmlns:dgm="http://schemas.openxmlformats.org/drawingml/2006/diagram" xmlns:dsp="http://schemas.microsoft.com/office/drawing/2008/diagram" xmlns:p="http://schemas.openxmlformats.org/presentationml/2006/main" saveSubsetFonts="1">
   <p:sldMasterIdLst>
-    <p:sldMasterId id="2147483660" r:id="rId1"/>
+    <p:sldMasterId id="2147483698" r:id="rId1"/>
   </p:sldMasterIdLst>
   <p:sldIdLst>
-    <p:sldId id="272" r:id="rId2"/>
-    <p:sldId id="265" r:id="rId3"/>
-    <p:sldId id="259" r:id="rId4"/>
-    <p:sldId id="275" r:id="rId5"/>
-    <p:sldId id="276" r:id="rId6"/>
-    <p:sldId id="277" r:id="rId7"/>
-    <p:sldId id="278" r:id="rId8"/>
-    <p:sldId id="279" r:id="rId9"/>
+    <p:sldId id="256" r:id="rId2"/>
+    <p:sldId id="257" r:id="rId3"/>
+    <p:sldId id="258" r:id="rId4"/>
+    <p:sldId id="259" r:id="rId5"/>
+    <p:sldId id="260" r:id="rId6"/>
+    <p:sldId id="261" r:id="rId7"/>
+    <p:sldId id="262" r:id="rId8"/>
+    <p:sldId id="263" r:id="rId9"/>
+    <p:sldId id="264" r:id="rId10"/>
+    <p:sldId id="265" r:id="rId11"/>
+    <p:sldId id="266" r:id="rId12"/>
+    <p:sldId id="267" r:id="rId13"/>
+    <p:sldId id="268" r:id="rId14"/>
+    <p:sldId id="269" r:id="rId15"/>
+    <p:sldId id="270" r:id="rId16"/>
   </p:sldIdLst>
   <p:sldSz cx="12192000" cy="6858000"/>
   <p:notesSz cx="6858000" cy="9144000"/>
@@ -111,11 +118,6 @@
       </a:defRPr>
     </a:lvl9pPr>
   </p:defaultTextStyle>
-  <p:extLst>
-    <p:ext uri="{EFAFB233-063F-42B5-8137-9DF3F51BA10A}">
-      <p15:sldGuideLst xmlns:p15="http://schemas.microsoft.com/office/powerpoint/2012/main"/>
-    </p:ext>
-  </p:extLst>
 </p:presentation>
 </file>
 
@@ -5102,6 +5104,1463 @@
 </p:sld>
 </file>
 
+<file path=ppt/slides/slide10.xml><?xml version="1.0" encoding="utf-8"?>
+<p:sld xmlns:r="http://schemas.openxmlformats.org/officeDocument/2006/relationships" xmlns:c="http://schemas.openxmlformats.org/drawingml/2006/chart" xmlns:a="http://schemas.openxmlformats.org/drawingml/2006/main" xmlns:dgm="http://schemas.openxmlformats.org/drawingml/2006/diagram" xmlns:dsp="http://schemas.microsoft.com/office/drawing/2008/diagram" xmlns:p="http://schemas.openxmlformats.org/presentationml/2006/main">
+  <p:cSld>
+    <p:spTree>
+      <p:nvGrpSpPr>
+        <p:cNvPr id="1" name=""/>
+        <p:cNvGrpSpPr/>
+        <p:nvPr/>
+      </p:nvGrpSpPr>
+      <p:grpSpPr>
+        <a:xfrm>
+          <a:off x="0" y="0"/>
+          <a:ext cx="0" cy="0"/>
+          <a:chOff x="0" y="0"/>
+          <a:chExt cx="0" cy="0"/>
+        </a:xfrm>
+      </p:grpSpPr>
+      <p:sp>
+        <p:nvSpPr>
+          <p:cNvPr id="9" name="직사각형 8"/>
+          <p:cNvSpPr/>
+          <p:nvPr/>
+        </p:nvSpPr>
+        <p:spPr>
+          <a:xfrm>
+            <a:off x="0" y="0"/>
+            <a:ext cx="12192000" cy="972187"/>
+          </a:xfrm>
+          <a:prstGeom prst="rect">
+            <a:avLst/>
+          </a:prstGeom>
+          <a:solidFill>
+            <a:schemeClr val="bg1"/>
+          </a:solidFill>
+          <a:ln>
+            <a:noFill/>
+          </a:ln>
+        </p:spPr>
+        <p:style>
+          <a:lnRef idx="2">
+            <a:schemeClr val="accent1">
+              <a:shade val="50000"/>
+            </a:schemeClr>
+          </a:lnRef>
+          <a:fillRef idx="1">
+            <a:schemeClr val="accent1"/>
+          </a:fillRef>
+          <a:effectRef idx="0">
+            <a:schemeClr val="accent1"/>
+          </a:effectRef>
+          <a:fontRef idx="minor">
+            <a:schemeClr val="lt1"/>
+          </a:fontRef>
+        </p:style>
+        <p:txBody>
+          <a:bodyPr anchor="ctr"/>
+          <a:lstStyle/>
+          <a:p>
+            <a:pPr algn="ctr" latinLnBrk="0">
+              <a:lnSpc>
+                <a:spcPct val="150000"/>
+              </a:lnSpc>
+              <a:defRPr/>
+            </a:pPr>
+            <a:r>
+              <a:rPr lang="ko-KR" altLang="en-US" sz="2400" b="1" i="1" kern="0">
+                <a:solidFill>
+                  <a:prstClr val="black">
+                    <a:lumMod val="75000"/>
+                    <a:lumOff val="25000"/>
+                  </a:prstClr>
+                </a:solidFill>
+              </a:rPr>
+              <a:t>임베디드 코드 소개</a:t>
+            </a:r>
+            <a:endParaRPr lang="ko-KR" altLang="en-US" sz="2400" b="1" i="1" kern="0">
+              <a:solidFill>
+                <a:prstClr val="black">
+                  <a:lumMod val="75000"/>
+                  <a:lumOff val="25000"/>
+                </a:prstClr>
+              </a:solidFill>
+            </a:endParaRPr>
+          </a:p>
+        </p:txBody>
+      </p:sp>
+      <p:cxnSp>
+        <p:nvCxnSpPr>
+          <p:cNvPr id="10" name="직선 연결선 9"/>
+          <p:cNvCxnSpPr/>
+          <p:nvPr/>
+        </p:nvCxnSpPr>
+        <p:spPr>
+          <a:xfrm flipH="1">
+            <a:off x="0" y="1116461"/>
+            <a:ext cx="12192000" cy="0"/>
+          </a:xfrm>
+          <a:prstGeom prst="line">
+            <a:avLst/>
+          </a:prstGeom>
+          <a:ln>
+            <a:solidFill>
+              <a:schemeClr val="tx2"/>
+            </a:solidFill>
+            <a:headEnd type="oval"/>
+          </a:ln>
+        </p:spPr>
+        <p:style>
+          <a:lnRef idx="1">
+            <a:schemeClr val="accent1"/>
+          </a:lnRef>
+          <a:fillRef idx="0">
+            <a:schemeClr val="accent1"/>
+          </a:fillRef>
+          <a:effectRef idx="0">
+            <a:schemeClr val="accent1"/>
+          </a:effectRef>
+          <a:fontRef idx="minor">
+            <a:schemeClr val="tx1"/>
+          </a:fontRef>
+        </p:style>
+      </p:cxnSp>
+      <p:sp>
+        <p:nvSpPr>
+          <p:cNvPr id="37" name=""/>
+          <p:cNvSpPr/>
+          <p:nvPr/>
+        </p:nvSpPr>
+        <p:spPr>
+          <a:xfrm>
+            <a:off x="0" y="3719512"/>
+            <a:ext cx="12192000" cy="95250"/>
+          </a:xfrm>
+          <a:prstGeom prst="rect">
+            <a:avLst/>
+          </a:prstGeom>
+          <a:solidFill>
+            <a:schemeClr val="dk1"/>
+          </a:solidFill>
+        </p:spPr>
+        <p:style>
+          <a:lnRef idx="2">
+            <a:schemeClr val="accent1">
+              <a:shade val="20000"/>
+            </a:schemeClr>
+          </a:lnRef>
+          <a:fillRef idx="1">
+            <a:schemeClr val="accent1"/>
+          </a:fillRef>
+          <a:effectRef idx="0">
+            <a:schemeClr val="accent1"/>
+          </a:effectRef>
+          <a:fontRef idx="minor">
+            <a:schemeClr val="lt1"/>
+          </a:fontRef>
+        </p:style>
+        <p:txBody>
+          <a:bodyPr anchor="ctr"/>
+          <a:p>
+            <a:pPr algn="ctr">
+              <a:defRPr/>
+            </a:pPr>
+            <a:endParaRPr lang="ko-KR" altLang="en-US"/>
+          </a:p>
+        </p:txBody>
+      </p:sp>
+      <p:pic>
+        <p:nvPicPr>
+          <p:cNvPr id="45" name=""/>
+          <p:cNvPicPr>
+            <a:picLocks noChangeAspect="1"/>
+          </p:cNvPicPr>
+          <p:nvPr/>
+        </p:nvPicPr>
+        <p:blipFill rotWithShape="1">
+          <a:blip r:embed="rId2"/>
+          <a:stretch>
+            <a:fillRect/>
+          </a:stretch>
+        </p:blipFill>
+        <p:spPr>
+          <a:xfrm>
+            <a:off x="0" y="1152256"/>
+            <a:ext cx="8335625" cy="2524661"/>
+          </a:xfrm>
+          <a:prstGeom prst="rect">
+            <a:avLst/>
+          </a:prstGeom>
+        </p:spPr>
+      </p:pic>
+      <p:pic>
+        <p:nvPicPr>
+          <p:cNvPr id="46" name=""/>
+          <p:cNvPicPr>
+            <a:picLocks noChangeAspect="1"/>
+          </p:cNvPicPr>
+          <p:nvPr/>
+        </p:nvPicPr>
+        <p:blipFill rotWithShape="1">
+          <a:blip r:embed="rId3"/>
+          <a:stretch>
+            <a:fillRect/>
+          </a:stretch>
+        </p:blipFill>
+        <p:spPr>
+          <a:xfrm>
+            <a:off x="6933048" y="1690638"/>
+            <a:ext cx="5258951" cy="762097"/>
+          </a:xfrm>
+          <a:prstGeom prst="rect">
+            <a:avLst/>
+          </a:prstGeom>
+        </p:spPr>
+      </p:pic>
+      <p:pic>
+        <p:nvPicPr>
+          <p:cNvPr id="47" name=""/>
+          <p:cNvPicPr>
+            <a:picLocks noChangeAspect="1"/>
+          </p:cNvPicPr>
+          <p:nvPr/>
+        </p:nvPicPr>
+        <p:blipFill rotWithShape="1">
+          <a:blip r:embed="rId4"/>
+          <a:stretch>
+            <a:fillRect/>
+          </a:stretch>
+        </p:blipFill>
+        <p:spPr>
+          <a:xfrm>
+            <a:off x="104507" y="3947939"/>
+            <a:ext cx="3848637" cy="2505424"/>
+          </a:xfrm>
+          <a:prstGeom prst="rect">
+            <a:avLst/>
+          </a:prstGeom>
+        </p:spPr>
+      </p:pic>
+      <p:pic>
+        <p:nvPicPr>
+          <p:cNvPr id="48" name=""/>
+          <p:cNvPicPr>
+            <a:picLocks noChangeAspect="1"/>
+          </p:cNvPicPr>
+          <p:nvPr/>
+        </p:nvPicPr>
+        <p:blipFill rotWithShape="1">
+          <a:blip r:embed="rId5"/>
+          <a:stretch>
+            <a:fillRect/>
+          </a:stretch>
+        </p:blipFill>
+        <p:spPr>
+          <a:xfrm>
+            <a:off x="4238366" y="3881195"/>
+            <a:ext cx="3715268" cy="2781785"/>
+          </a:xfrm>
+          <a:prstGeom prst="rect">
+            <a:avLst/>
+          </a:prstGeom>
+        </p:spPr>
+      </p:pic>
+      <p:pic>
+        <p:nvPicPr>
+          <p:cNvPr id="50" name=""/>
+          <p:cNvPicPr>
+            <a:picLocks noChangeAspect="1"/>
+          </p:cNvPicPr>
+          <p:nvPr/>
+        </p:nvPicPr>
+        <p:blipFill rotWithShape="1">
+          <a:blip r:embed="rId6"/>
+          <a:stretch>
+            <a:fillRect/>
+          </a:stretch>
+        </p:blipFill>
+        <p:spPr>
+          <a:xfrm>
+            <a:off x="8019262" y="3814557"/>
+            <a:ext cx="4172738" cy="2943635"/>
+          </a:xfrm>
+          <a:prstGeom prst="rect">
+            <a:avLst/>
+          </a:prstGeom>
+        </p:spPr>
+      </p:pic>
+    </p:spTree>
+  </p:cSld>
+  <p:clrMapOvr>
+    <a:masterClrMapping/>
+  </p:clrMapOvr>
+  <mc:AlternateContent xmlns:mc="http://schemas.openxmlformats.org/markup-compatibility/2006">
+    <mc:Choice xmlns:p14="http://schemas.microsoft.com/office/powerpoint/2010/main" Requires="p14">
+      <p:transition xmlns:mc="http://schemas.openxmlformats.org/markup-compatibility/2006" xmlns:p14="http://schemas.microsoft.com/office/powerpoint/2010/main" mc:Ignorable="p14" p14:dur="500"/>
+    </mc:Choice>
+    <mc:Fallback>
+      <p:transition/>
+    </mc:Fallback>
+  </mc:AlternateContent>
+  <p:timing>
+    <p:tnLst>
+      <p:par>
+        <p:cTn id="1" dur="indefinite" restart="never" nodeType="tmRoot"/>
+      </p:par>
+    </p:tnLst>
+  </p:timing>
+</p:sld>
+</file>
+
+<file path=ppt/slides/slide11.xml><?xml version="1.0" encoding="utf-8"?>
+<p:sld xmlns:r="http://schemas.openxmlformats.org/officeDocument/2006/relationships" xmlns:c="http://schemas.openxmlformats.org/drawingml/2006/chart" xmlns:a="http://schemas.openxmlformats.org/drawingml/2006/main" xmlns:dgm="http://schemas.openxmlformats.org/drawingml/2006/diagram" xmlns:dsp="http://schemas.microsoft.com/office/drawing/2008/diagram" xmlns:p="http://schemas.openxmlformats.org/presentationml/2006/main">
+  <p:cSld>
+    <p:spTree>
+      <p:nvGrpSpPr>
+        <p:cNvPr id="1" name=""/>
+        <p:cNvGrpSpPr/>
+        <p:nvPr/>
+      </p:nvGrpSpPr>
+      <p:grpSpPr>
+        <a:xfrm>
+          <a:off x="0" y="0"/>
+          <a:ext cx="0" cy="0"/>
+          <a:chOff x="0" y="0"/>
+          <a:chExt cx="0" cy="0"/>
+        </a:xfrm>
+      </p:grpSpPr>
+      <p:sp>
+        <p:nvSpPr>
+          <p:cNvPr id="9" name="직사각형 8"/>
+          <p:cNvSpPr/>
+          <p:nvPr/>
+        </p:nvSpPr>
+        <p:spPr>
+          <a:xfrm>
+            <a:off x="0" y="0"/>
+            <a:ext cx="12192000" cy="972187"/>
+          </a:xfrm>
+          <a:prstGeom prst="rect">
+            <a:avLst/>
+          </a:prstGeom>
+          <a:solidFill>
+            <a:schemeClr val="bg1"/>
+          </a:solidFill>
+          <a:ln>
+            <a:noFill/>
+          </a:ln>
+        </p:spPr>
+        <p:style>
+          <a:lnRef idx="2">
+            <a:schemeClr val="accent1">
+              <a:shade val="50000"/>
+            </a:schemeClr>
+          </a:lnRef>
+          <a:fillRef idx="1">
+            <a:schemeClr val="accent1"/>
+          </a:fillRef>
+          <a:effectRef idx="0">
+            <a:schemeClr val="accent1"/>
+          </a:effectRef>
+          <a:fontRef idx="minor">
+            <a:schemeClr val="lt1"/>
+          </a:fontRef>
+        </p:style>
+        <p:txBody>
+          <a:bodyPr anchor="ctr"/>
+          <a:lstStyle/>
+          <a:p>
+            <a:pPr algn="ctr" latinLnBrk="0">
+              <a:lnSpc>
+                <a:spcPct val="150000"/>
+              </a:lnSpc>
+              <a:defRPr/>
+            </a:pPr>
+            <a:r>
+              <a:rPr lang="ko-KR" altLang="en-US" sz="2400" b="1" i="1" kern="0">
+                <a:solidFill>
+                  <a:prstClr val="black">
+                    <a:lumMod val="75000"/>
+                    <a:lumOff val="25000"/>
+                  </a:prstClr>
+                </a:solidFill>
+              </a:rPr>
+              <a:t>임베디드 코드 소개</a:t>
+            </a:r>
+            <a:endParaRPr lang="ko-KR" altLang="en-US" sz="2400" b="1" i="1" kern="0">
+              <a:solidFill>
+                <a:prstClr val="black">
+                  <a:lumMod val="75000"/>
+                  <a:lumOff val="25000"/>
+                </a:prstClr>
+              </a:solidFill>
+            </a:endParaRPr>
+          </a:p>
+        </p:txBody>
+      </p:sp>
+      <p:cxnSp>
+        <p:nvCxnSpPr>
+          <p:cNvPr id="10" name="직선 연결선 9"/>
+          <p:cNvCxnSpPr/>
+          <p:nvPr/>
+        </p:nvCxnSpPr>
+        <p:spPr>
+          <a:xfrm flipH="1">
+            <a:off x="0" y="1116461"/>
+            <a:ext cx="12192000" cy="0"/>
+          </a:xfrm>
+          <a:prstGeom prst="line">
+            <a:avLst/>
+          </a:prstGeom>
+          <a:ln>
+            <a:solidFill>
+              <a:schemeClr val="tx2"/>
+            </a:solidFill>
+            <a:headEnd type="oval"/>
+          </a:ln>
+        </p:spPr>
+        <p:style>
+          <a:lnRef idx="1">
+            <a:schemeClr val="accent1"/>
+          </a:lnRef>
+          <a:fillRef idx="0">
+            <a:schemeClr val="accent1"/>
+          </a:fillRef>
+          <a:effectRef idx="0">
+            <a:schemeClr val="accent1"/>
+          </a:effectRef>
+          <a:fontRef idx="minor">
+            <a:schemeClr val="tx1"/>
+          </a:fontRef>
+        </p:style>
+      </p:cxnSp>
+      <p:sp>
+        <p:nvSpPr>
+          <p:cNvPr id="37" name=""/>
+          <p:cNvSpPr/>
+          <p:nvPr/>
+        </p:nvSpPr>
+        <p:spPr>
+          <a:xfrm>
+            <a:off x="0" y="3719512"/>
+            <a:ext cx="12192000" cy="95250"/>
+          </a:xfrm>
+          <a:prstGeom prst="rect">
+            <a:avLst/>
+          </a:prstGeom>
+          <a:solidFill>
+            <a:schemeClr val="dk1"/>
+          </a:solidFill>
+        </p:spPr>
+        <p:style>
+          <a:lnRef idx="2">
+            <a:schemeClr val="accent1">
+              <a:shade val="20000"/>
+            </a:schemeClr>
+          </a:lnRef>
+          <a:fillRef idx="1">
+            <a:schemeClr val="accent1"/>
+          </a:fillRef>
+          <a:effectRef idx="0">
+            <a:schemeClr val="accent1"/>
+          </a:effectRef>
+          <a:fontRef idx="minor">
+            <a:schemeClr val="lt1"/>
+          </a:fontRef>
+        </p:style>
+        <p:txBody>
+          <a:bodyPr anchor="ctr"/>
+          <a:p>
+            <a:pPr algn="ctr">
+              <a:defRPr/>
+            </a:pPr>
+            <a:endParaRPr lang="ko-KR" altLang="en-US"/>
+          </a:p>
+        </p:txBody>
+      </p:sp>
+      <p:pic>
+        <p:nvPicPr>
+          <p:cNvPr id="51" name=""/>
+          <p:cNvPicPr>
+            <a:picLocks noChangeAspect="1"/>
+          </p:cNvPicPr>
+          <p:nvPr/>
+        </p:nvPicPr>
+        <p:blipFill rotWithShape="1">
+          <a:blip r:embed="rId2"/>
+          <a:stretch>
+            <a:fillRect/>
+          </a:stretch>
+        </p:blipFill>
+        <p:spPr>
+          <a:xfrm>
+            <a:off x="0" y="1066554"/>
+            <a:ext cx="6563640" cy="2581766"/>
+          </a:xfrm>
+          <a:prstGeom prst="rect">
+            <a:avLst/>
+          </a:prstGeom>
+        </p:spPr>
+      </p:pic>
+      <p:pic>
+        <p:nvPicPr>
+          <p:cNvPr id="52" name=""/>
+          <p:cNvPicPr>
+            <a:picLocks noChangeAspect="1"/>
+          </p:cNvPicPr>
+          <p:nvPr/>
+        </p:nvPicPr>
+        <p:blipFill rotWithShape="1">
+          <a:blip r:embed="rId3"/>
+          <a:stretch>
+            <a:fillRect/>
+          </a:stretch>
+        </p:blipFill>
+        <p:spPr>
+          <a:xfrm>
+            <a:off x="0" y="3904830"/>
+            <a:ext cx="4658375" cy="2953170"/>
+          </a:xfrm>
+          <a:prstGeom prst="rect">
+            <a:avLst/>
+          </a:prstGeom>
+        </p:spPr>
+      </p:pic>
+      <p:pic>
+        <p:nvPicPr>
+          <p:cNvPr id="53" name=""/>
+          <p:cNvPicPr>
+            <a:picLocks noChangeAspect="1"/>
+          </p:cNvPicPr>
+          <p:nvPr/>
+        </p:nvPicPr>
+        <p:blipFill rotWithShape="1">
+          <a:blip r:embed="rId4"/>
+          <a:stretch>
+            <a:fillRect/>
+          </a:stretch>
+        </p:blipFill>
+        <p:spPr>
+          <a:xfrm>
+            <a:off x="4795355" y="3876149"/>
+            <a:ext cx="6906588" cy="2981851"/>
+          </a:xfrm>
+          <a:prstGeom prst="rect">
+            <a:avLst/>
+          </a:prstGeom>
+        </p:spPr>
+      </p:pic>
+    </p:spTree>
+  </p:cSld>
+  <p:clrMapOvr>
+    <a:masterClrMapping/>
+  </p:clrMapOvr>
+  <mc:AlternateContent xmlns:mc="http://schemas.openxmlformats.org/markup-compatibility/2006">
+    <mc:Choice xmlns:p14="http://schemas.microsoft.com/office/powerpoint/2010/main" Requires="p14">
+      <p:transition xmlns:mc="http://schemas.openxmlformats.org/markup-compatibility/2006" xmlns:p14="http://schemas.microsoft.com/office/powerpoint/2010/main" mc:Ignorable="p14" p14:dur="500"/>
+    </mc:Choice>
+    <mc:Fallback>
+      <p:transition/>
+    </mc:Fallback>
+  </mc:AlternateContent>
+  <p:timing>
+    <p:tnLst>
+      <p:par>
+        <p:cTn id="1" dur="indefinite" restart="never" nodeType="tmRoot"/>
+      </p:par>
+    </p:tnLst>
+  </p:timing>
+</p:sld>
+</file>
+
+<file path=ppt/slides/slide12.xml><?xml version="1.0" encoding="utf-8"?>
+<p:sld xmlns:r="http://schemas.openxmlformats.org/officeDocument/2006/relationships" xmlns:c="http://schemas.openxmlformats.org/drawingml/2006/chart" xmlns:a="http://schemas.openxmlformats.org/drawingml/2006/main" xmlns:dgm="http://schemas.openxmlformats.org/drawingml/2006/diagram" xmlns:dsp="http://schemas.microsoft.com/office/drawing/2008/diagram" xmlns:p="http://schemas.openxmlformats.org/presentationml/2006/main">
+  <p:cSld>
+    <p:spTree>
+      <p:nvGrpSpPr>
+        <p:cNvPr id="1" name=""/>
+        <p:cNvGrpSpPr/>
+        <p:nvPr/>
+      </p:nvGrpSpPr>
+      <p:grpSpPr>
+        <a:xfrm>
+          <a:off x="0" y="0"/>
+          <a:ext cx="0" cy="0"/>
+          <a:chOff x="0" y="0"/>
+          <a:chExt cx="0" cy="0"/>
+        </a:xfrm>
+      </p:grpSpPr>
+      <p:sp>
+        <p:nvSpPr>
+          <p:cNvPr id="9" name="직사각형 8"/>
+          <p:cNvSpPr/>
+          <p:nvPr/>
+        </p:nvSpPr>
+        <p:spPr>
+          <a:xfrm>
+            <a:off x="0" y="0"/>
+            <a:ext cx="12192000" cy="972187"/>
+          </a:xfrm>
+          <a:prstGeom prst="rect">
+            <a:avLst/>
+          </a:prstGeom>
+          <a:solidFill>
+            <a:schemeClr val="bg1"/>
+          </a:solidFill>
+          <a:ln>
+            <a:noFill/>
+          </a:ln>
+        </p:spPr>
+        <p:style>
+          <a:lnRef idx="2">
+            <a:schemeClr val="accent1">
+              <a:shade val="50000"/>
+            </a:schemeClr>
+          </a:lnRef>
+          <a:fillRef idx="1">
+            <a:schemeClr val="accent1"/>
+          </a:fillRef>
+          <a:effectRef idx="0">
+            <a:schemeClr val="accent1"/>
+          </a:effectRef>
+          <a:fontRef idx="minor">
+            <a:schemeClr val="lt1"/>
+          </a:fontRef>
+        </p:style>
+        <p:txBody>
+          <a:bodyPr anchor="ctr"/>
+          <a:lstStyle/>
+          <a:p>
+            <a:pPr algn="ctr" latinLnBrk="0">
+              <a:lnSpc>
+                <a:spcPct val="150000"/>
+              </a:lnSpc>
+              <a:defRPr/>
+            </a:pPr>
+            <a:r>
+              <a:rPr lang="ko-KR" altLang="en-US" sz="2400" b="1" i="1" kern="0">
+                <a:solidFill>
+                  <a:prstClr val="black">
+                    <a:lumMod val="75000"/>
+                    <a:lumOff val="25000"/>
+                  </a:prstClr>
+                </a:solidFill>
+              </a:rPr>
+              <a:t>애로사항</a:t>
+            </a:r>
+            <a:endParaRPr lang="ko-KR" altLang="en-US" sz="2400" b="1" i="1" kern="0">
+              <a:solidFill>
+                <a:prstClr val="black">
+                  <a:lumMod val="75000"/>
+                  <a:lumOff val="25000"/>
+                </a:prstClr>
+              </a:solidFill>
+            </a:endParaRPr>
+          </a:p>
+        </p:txBody>
+      </p:sp>
+      <p:cxnSp>
+        <p:nvCxnSpPr>
+          <p:cNvPr id="10" name="직선 연결선 9"/>
+          <p:cNvCxnSpPr/>
+          <p:nvPr/>
+        </p:nvCxnSpPr>
+        <p:spPr>
+          <a:xfrm flipH="1">
+            <a:off x="0" y="1116461"/>
+            <a:ext cx="12192000" cy="0"/>
+          </a:xfrm>
+          <a:prstGeom prst="line">
+            <a:avLst/>
+          </a:prstGeom>
+          <a:ln>
+            <a:solidFill>
+              <a:schemeClr val="tx2"/>
+            </a:solidFill>
+            <a:headEnd type="oval"/>
+          </a:ln>
+        </p:spPr>
+        <p:style>
+          <a:lnRef idx="1">
+            <a:schemeClr val="accent1"/>
+          </a:lnRef>
+          <a:fillRef idx="0">
+            <a:schemeClr val="accent1"/>
+          </a:fillRef>
+          <a:effectRef idx="0">
+            <a:schemeClr val="accent1"/>
+          </a:effectRef>
+          <a:fontRef idx="minor">
+            <a:schemeClr val="tx1"/>
+          </a:fontRef>
+        </p:style>
+      </p:cxnSp>
+      <p:sp>
+        <p:nvSpPr>
+          <p:cNvPr id="54" name="직사각형 7"/>
+          <p:cNvSpPr/>
+          <p:nvPr/>
+        </p:nvSpPr>
+        <p:spPr>
+          <a:xfrm>
+            <a:off x="1113028" y="1625492"/>
+            <a:ext cx="3344672" cy="431179"/>
+          </a:xfrm>
+          <a:prstGeom prst="rect">
+            <a:avLst/>
+          </a:prstGeom>
+        </p:spPr>
+        <p:txBody>
+          <a:bodyPr wrap="square">
+            <a:spAutoFit/>
+          </a:bodyPr>
+          <a:lstStyle/>
+          <a:p>
+            <a:pPr algn="ctr">
+              <a:lnSpc>
+                <a:spcPct val="150000"/>
+              </a:lnSpc>
+              <a:defRPr/>
+            </a:pPr>
+            <a:endParaRPr lang="ko-KR" altLang="en-US" sz="1500" b="1">
+              <a:solidFill>
+                <a:prstClr val="black">
+                  <a:lumMod val="65000"/>
+                  <a:lumOff val="35000"/>
+                </a:prstClr>
+              </a:solidFill>
+            </a:endParaRPr>
+          </a:p>
+        </p:txBody>
+      </p:sp>
+      <p:pic>
+        <p:nvPicPr>
+          <p:cNvPr id="55" name=""/>
+          <p:cNvPicPr>
+            <a:picLocks noChangeAspect="1"/>
+          </p:cNvPicPr>
+          <p:nvPr/>
+        </p:nvPicPr>
+        <p:blipFill rotWithShape="1">
+          <a:blip r:embed="rId2"/>
+          <a:stretch>
+            <a:fillRect/>
+          </a:stretch>
+        </p:blipFill>
+        <p:spPr>
+          <a:xfrm>
+            <a:off x="442455" y="1414055"/>
+            <a:ext cx="6544588" cy="4420413"/>
+          </a:xfrm>
+          <a:prstGeom prst="rect">
+            <a:avLst/>
+          </a:prstGeom>
+        </p:spPr>
+      </p:pic>
+      <p:pic>
+        <p:nvPicPr>
+          <p:cNvPr id="56" name=""/>
+          <p:cNvPicPr>
+            <a:picLocks noChangeAspect="1"/>
+          </p:cNvPicPr>
+          <p:nvPr/>
+        </p:nvPicPr>
+        <p:blipFill rotWithShape="1">
+          <a:blip r:embed="rId3"/>
+          <a:stretch>
+            <a:fillRect/>
+          </a:stretch>
+        </p:blipFill>
+        <p:spPr>
+          <a:xfrm>
+            <a:off x="7161912" y="1676242"/>
+            <a:ext cx="5030088" cy="3524563"/>
+          </a:xfrm>
+          <a:prstGeom prst="rect">
+            <a:avLst/>
+          </a:prstGeom>
+        </p:spPr>
+      </p:pic>
+      <p:sp>
+        <p:nvSpPr>
+          <p:cNvPr id="57" name=""/>
+          <p:cNvSpPr/>
+          <p:nvPr/>
+        </p:nvSpPr>
+        <p:spPr>
+          <a:xfrm>
+            <a:off x="7781925" y="1947862"/>
+            <a:ext cx="1095374" cy="257175"/>
+          </a:xfrm>
+          <a:prstGeom prst="rect">
+            <a:avLst/>
+          </a:prstGeom>
+          <a:noFill/>
+          <a:ln w="50800">
+            <a:solidFill>
+              <a:srgbClr val="ff0000"/>
+            </a:solidFill>
+          </a:ln>
+        </p:spPr>
+        <p:style>
+          <a:lnRef idx="2">
+            <a:schemeClr val="accent1">
+              <a:shade val="20000"/>
+            </a:schemeClr>
+          </a:lnRef>
+          <a:fillRef idx="1">
+            <a:schemeClr val="accent1"/>
+          </a:fillRef>
+          <a:effectRef idx="0">
+            <a:schemeClr val="accent1"/>
+          </a:effectRef>
+          <a:fontRef idx="minor">
+            <a:schemeClr val="lt1"/>
+          </a:fontRef>
+        </p:style>
+        <p:txBody>
+          <a:bodyPr anchor="ctr"/>
+          <a:p>
+            <a:pPr algn="ctr">
+              <a:defRPr/>
+            </a:pPr>
+            <a:endParaRPr lang="ko-KR" altLang="en-US"/>
+          </a:p>
+        </p:txBody>
+      </p:sp>
+      <p:sp>
+        <p:nvSpPr>
+          <p:cNvPr id="58" name=""/>
+          <p:cNvSpPr txBox="1"/>
+          <p:nvPr/>
+        </p:nvSpPr>
+        <p:spPr>
+          <a:xfrm>
+            <a:off x="7296148" y="5795962"/>
+            <a:ext cx="4619626" cy="641032"/>
+          </a:xfrm>
+          <a:prstGeom prst="rect">
+            <a:avLst/>
+          </a:prstGeom>
+        </p:spPr>
+        <p:txBody>
+          <a:bodyPr wrap="square">
+            <a:spAutoFit/>
+          </a:bodyPr>
+          <a:p>
+            <a:pPr>
+              <a:defRPr/>
+            </a:pPr>
+            <a:r>
+              <a:rPr lang="en-US" altLang="en-US"/>
+              <a:t>https://github.com/labory4302/SmartFarm/tree/master/Embedded</a:t>
+            </a:r>
+            <a:endParaRPr lang="en-US" altLang="en-US"/>
+          </a:p>
+        </p:txBody>
+      </p:sp>
+    </p:spTree>
+  </p:cSld>
+  <p:clrMapOvr>
+    <a:masterClrMapping/>
+  </p:clrMapOvr>
+  <mc:AlternateContent xmlns:mc="http://schemas.openxmlformats.org/markup-compatibility/2006">
+    <mc:Choice xmlns:p14="http://schemas.microsoft.com/office/powerpoint/2010/main" Requires="p14">
+      <p:transition xmlns:mc="http://schemas.openxmlformats.org/markup-compatibility/2006" xmlns:p14="http://schemas.microsoft.com/office/powerpoint/2010/main" mc:Ignorable="p14" p14:dur="500"/>
+    </mc:Choice>
+    <mc:Fallback>
+      <p:transition/>
+    </mc:Fallback>
+  </mc:AlternateContent>
+  <p:timing>
+    <p:tnLst>
+      <p:par>
+        <p:cTn id="1" dur="indefinite" restart="never" nodeType="tmRoot">
+          <p:childTnLst>
+            <p:seq concurrent="1" nextAc="seek">
+              <p:cTn id="2" dur="indefinite" nodeType="mainSeq">
+                <p:childTnLst>
+                  <p:par>
+                    <p:cTn id="3" fill="hold">
+                      <p:stCondLst>
+                        <p:cond delay="indefinite"/>
+                        <p:cond evt="onBegin" delay="0">
+                          <p:tn val="2"/>
+                        </p:cond>
+                      </p:stCondLst>
+                      <p:childTnLst>
+                        <p:par>
+                          <p:cTn id="4" fill="hold">
+                            <p:stCondLst>
+                              <p:cond delay="0"/>
+                            </p:stCondLst>
+                            <p:childTnLst>
+                              <p:par>
+                                <p:cTn id="5" presetID="1" presetClass="entr" presetSubtype="0" fill="hold" grpId="0" nodeType="withEffect">
+                                  <p:stCondLst>
+                                    <p:cond delay="0"/>
+                                  </p:stCondLst>
+                                  <p:childTnLst>
+                                    <p:set>
+                                      <p:cBhvr>
+                                        <p:cTn id="6" dur="1" fill="hold">
+                                          <p:stCondLst>
+                                            <p:cond delay="0"/>
+                                          </p:stCondLst>
+                                        </p:cTn>
+                                        <p:tgtEl>
+                                          <p:spTgt spid="54"/>
+                                        </p:tgtEl>
+                                        <p:attrNameLst>
+                                          <p:attrName>style.visibility</p:attrName>
+                                        </p:attrNameLst>
+                                      </p:cBhvr>
+                                      <p:to>
+                                        <p:strVal val="visible"/>
+                                      </p:to>
+                                    </p:set>
+                                  </p:childTnLst>
+                                </p:cTn>
+                              </p:par>
+                            </p:childTnLst>
+                          </p:cTn>
+                        </p:par>
+                      </p:childTnLst>
+                    </p:cTn>
+                  </p:par>
+                  <p:par>
+                    <p:cTn id="7" fill="hold">
+                      <p:stCondLst>
+                        <p:cond delay="indefinite"/>
+                      </p:stCondLst>
+                      <p:childTnLst>
+                        <p:par>
+                          <p:cTn id="8" fill="hold">
+                            <p:stCondLst>
+                              <p:cond delay="0"/>
+                            </p:stCondLst>
+                            <p:childTnLst>
+                              <p:par>
+                                <p:cTn id="9" presetID="1" presetClass="entr" presetSubtype="0" fill="hold" grpId="1" nodeType="clickEffect">
+                                  <p:stCondLst>
+                                    <p:cond delay="0"/>
+                                  </p:stCondLst>
+                                  <p:childTnLst>
+                                    <p:set>
+                                      <p:cBhvr>
+                                        <p:cTn id="10" dur="1" fill="hold">
+                                          <p:stCondLst>
+                                            <p:cond delay="0"/>
+                                          </p:stCondLst>
+                                        </p:cTn>
+                                        <p:tgtEl>
+                                          <p:spTgt spid="58"/>
+                                        </p:tgtEl>
+                                        <p:attrNameLst>
+                                          <p:attrName>style.visibility</p:attrName>
+                                        </p:attrNameLst>
+                                      </p:cBhvr>
+                                      <p:to>
+                                        <p:strVal val="visible"/>
+                                      </p:to>
+                                    </p:set>
+                                  </p:childTnLst>
+                                </p:cTn>
+                              </p:par>
+                            </p:childTnLst>
+                          </p:cTn>
+                        </p:par>
+                      </p:childTnLst>
+                    </p:cTn>
+                  </p:par>
+                </p:childTnLst>
+              </p:cTn>
+              <p:prevCondLst>
+                <p:cond evt="onPrev" delay="0">
+                  <p:tgtEl>
+                    <p:sldTgt/>
+                  </p:tgtEl>
+                </p:cond>
+              </p:prevCondLst>
+              <p:nextCondLst>
+                <p:cond evt="onNext" delay="0">
+                  <p:tgtEl>
+                    <p:sldTgt/>
+                  </p:tgtEl>
+                </p:cond>
+              </p:nextCondLst>
+            </p:seq>
+          </p:childTnLst>
+        </p:cTn>
+      </p:par>
+    </p:tnLst>
+    <p:bldLst>
+      <p:bldP spid="54" grpId="0" animBg="1"/>
+      <p:bldP spid="58" grpId="1" animBg="1"/>
+    </p:bldLst>
+  </p:timing>
+</p:sld>
+</file>
+
+<file path=ppt/slides/slide13.xml><?xml version="1.0" encoding="utf-8"?>
+<p:sld xmlns:a="http://schemas.openxmlformats.org/drawingml/2006/main" xmlns:r="http://schemas.openxmlformats.org/officeDocument/2006/relationships" xmlns:p="http://schemas.openxmlformats.org/presentationml/2006/main">
+  <p:cSld>
+    <p:spTree>
+      <p:nvGrpSpPr>
+        <p:cNvPr id="1" name=""/>
+        <p:cNvGrpSpPr/>
+        <p:nvPr/>
+      </p:nvGrpSpPr>
+      <p:grpSpPr>
+        <a:xfrm>
+          <a:off x="0" y="0"/>
+          <a:ext cx="0" cy="0"/>
+          <a:chOff x="0" y="0"/>
+          <a:chExt cx="0" cy="0"/>
+        </a:xfrm>
+      </p:grpSpPr>
+      <p:sp>
+        <p:nvSpPr>
+          <p:cNvPr id="9" name="직사각형 8">
+            <a:extLst>
+              <a:ext uri="{FF2B5EF4-FFF2-40B4-BE49-F238E27FC236}">
+                <a16:creationId xmlns:a16="http://schemas.microsoft.com/office/drawing/2014/main" id="{9A30FD79-8C4F-4B1C-B89F-D3B99C9D6301}"/>
+              </a:ext>
+            </a:extLst>
+          </p:cNvPr>
+          <p:cNvSpPr/>
+          <p:nvPr/>
+        </p:nvSpPr>
+        <p:spPr>
+          <a:xfrm>
+            <a:off x="0" y="0"/>
+            <a:ext cx="12192000" cy="972187"/>
+          </a:xfrm>
+          <a:prstGeom prst="rect">
+            <a:avLst/>
+          </a:prstGeom>
+          <a:solidFill>
+            <a:schemeClr val="bg1"/>
+          </a:solidFill>
+          <a:ln>
+            <a:noFill/>
+          </a:ln>
+        </p:spPr>
+        <p:style>
+          <a:lnRef idx="2">
+            <a:schemeClr val="accent1">
+              <a:shade val="50000"/>
+            </a:schemeClr>
+          </a:lnRef>
+          <a:fillRef idx="1">
+            <a:schemeClr val="accent1"/>
+          </a:fillRef>
+          <a:effectRef idx="0">
+            <a:schemeClr val="accent1"/>
+          </a:effectRef>
+          <a:fontRef idx="minor">
+            <a:schemeClr val="lt1"/>
+          </a:fontRef>
+        </p:style>
+        <p:txBody>
+          <a:bodyPr rtlCol="0" anchor="ctr"/>
+          <a:lstStyle/>
+          <a:p>
+            <a:pPr algn="ctr" latinLnBrk="0">
+              <a:lnSpc>
+                <a:spcPct val="150000"/>
+              </a:lnSpc>
+              <a:defRPr/>
+            </a:pPr>
+            <a:r>
+              <a:rPr lang="en-US" altLang="ko-KR" sz="2400" b="1" i="1" kern="0" dirty="0">
+                <a:solidFill>
+                  <a:prstClr val="black">
+                    <a:lumMod val="75000"/>
+                    <a:lumOff val="25000"/>
+                  </a:prstClr>
+                </a:solidFill>
+              </a:rPr>
+              <a:t>AWS</a:t>
+            </a:r>
+            <a:r>
+              <a:rPr lang="ko-KR" altLang="en-US" sz="2400" b="1" i="1" kern="0" dirty="0">
+                <a:solidFill>
+                  <a:prstClr val="black">
+                    <a:lumMod val="75000"/>
+                    <a:lumOff val="25000"/>
+                  </a:prstClr>
+                </a:solidFill>
+              </a:rPr>
+              <a:t> 기능 소개</a:t>
+            </a:r>
+            <a:endParaRPr lang="en-US" altLang="ko-KR" sz="2400" b="1" i="1" kern="0" dirty="0">
+              <a:solidFill>
+                <a:prstClr val="black">
+                  <a:lumMod val="75000"/>
+                  <a:lumOff val="25000"/>
+                </a:prstClr>
+              </a:solidFill>
+            </a:endParaRPr>
+          </a:p>
+        </p:txBody>
+      </p:sp>
+      <p:cxnSp>
+        <p:nvCxnSpPr>
+          <p:cNvPr id="10" name="직선 연결선 9">
+            <a:extLst>
+              <a:ext uri="{FF2B5EF4-FFF2-40B4-BE49-F238E27FC236}">
+                <a16:creationId xmlns:a16="http://schemas.microsoft.com/office/drawing/2014/main" id="{A79CFBBA-2C61-4EDA-9A68-EC8E2EABE0F5}"/>
+              </a:ext>
+            </a:extLst>
+          </p:cNvPr>
+          <p:cNvCxnSpPr>
+            <a:cxnSpLocks/>
+          </p:cNvCxnSpPr>
+          <p:nvPr/>
+        </p:nvCxnSpPr>
+        <p:spPr>
+          <a:xfrm flipH="1">
+            <a:off x="0" y="1116461"/>
+            <a:ext cx="12192000" cy="0"/>
+          </a:xfrm>
+          <a:prstGeom prst="line">
+            <a:avLst/>
+          </a:prstGeom>
+          <a:ln>
+            <a:solidFill>
+              <a:schemeClr val="tx2"/>
+            </a:solidFill>
+            <a:headEnd type="oval"/>
+          </a:ln>
+        </p:spPr>
+        <p:style>
+          <a:lnRef idx="1">
+            <a:schemeClr val="accent1"/>
+          </a:lnRef>
+          <a:fillRef idx="0">
+            <a:schemeClr val="accent1"/>
+          </a:fillRef>
+          <a:effectRef idx="0">
+            <a:schemeClr val="accent1"/>
+          </a:effectRef>
+          <a:fontRef idx="minor">
+            <a:schemeClr val="tx1"/>
+          </a:fontRef>
+        </p:style>
+      </p:cxnSp>
+    </p:spTree>
+    <p:extLst>
+      <p:ext uri="{BB962C8B-B14F-4D97-AF65-F5344CB8AC3E}">
+        <p14:creationId xmlns:p14="http://schemas.microsoft.com/office/powerpoint/2010/main" val="1123691203"/>
+      </p:ext>
+    </p:extLst>
+  </p:cSld>
+  <p:clrMapOvr>
+    <a:masterClrMapping/>
+  </p:clrMapOvr>
+</p:sld>
+</file>
+
+<file path=ppt/slides/slide14.xml><?xml version="1.0" encoding="utf-8"?>
+<p:sld xmlns:a="http://schemas.openxmlformats.org/drawingml/2006/main" xmlns:r="http://schemas.openxmlformats.org/officeDocument/2006/relationships" xmlns:p="http://schemas.openxmlformats.org/presentationml/2006/main">
+  <p:cSld>
+    <p:spTree>
+      <p:nvGrpSpPr>
+        <p:cNvPr id="1" name=""/>
+        <p:cNvGrpSpPr/>
+        <p:nvPr/>
+      </p:nvGrpSpPr>
+      <p:grpSpPr>
+        <a:xfrm>
+          <a:off x="0" y="0"/>
+          <a:ext cx="0" cy="0"/>
+          <a:chOff x="0" y="0"/>
+          <a:chExt cx="0" cy="0"/>
+        </a:xfrm>
+      </p:grpSpPr>
+      <p:sp>
+        <p:nvSpPr>
+          <p:cNvPr id="9" name="직사각형 8">
+            <a:extLst>
+              <a:ext uri="{FF2B5EF4-FFF2-40B4-BE49-F238E27FC236}">
+                <a16:creationId xmlns:a16="http://schemas.microsoft.com/office/drawing/2014/main" id="{9A30FD79-8C4F-4B1C-B89F-D3B99C9D6301}"/>
+              </a:ext>
+            </a:extLst>
+          </p:cNvPr>
+          <p:cNvSpPr/>
+          <p:nvPr/>
+        </p:nvSpPr>
+        <p:spPr>
+          <a:xfrm>
+            <a:off x="0" y="0"/>
+            <a:ext cx="12192000" cy="972187"/>
+          </a:xfrm>
+          <a:prstGeom prst="rect">
+            <a:avLst/>
+          </a:prstGeom>
+          <a:solidFill>
+            <a:schemeClr val="bg1"/>
+          </a:solidFill>
+          <a:ln>
+            <a:noFill/>
+          </a:ln>
+        </p:spPr>
+        <p:style>
+          <a:lnRef idx="2">
+            <a:schemeClr val="accent1">
+              <a:shade val="50000"/>
+            </a:schemeClr>
+          </a:lnRef>
+          <a:fillRef idx="1">
+            <a:schemeClr val="accent1"/>
+          </a:fillRef>
+          <a:effectRef idx="0">
+            <a:schemeClr val="accent1"/>
+          </a:effectRef>
+          <a:fontRef idx="minor">
+            <a:schemeClr val="lt1"/>
+          </a:fontRef>
+        </p:style>
+        <p:txBody>
+          <a:bodyPr rtlCol="0" anchor="ctr"/>
+          <a:lstStyle/>
+          <a:p>
+            <a:pPr algn="ctr" latinLnBrk="0">
+              <a:lnSpc>
+                <a:spcPct val="150000"/>
+              </a:lnSpc>
+              <a:defRPr/>
+            </a:pPr>
+            <a:r>
+              <a:rPr lang="ko-KR" altLang="en-US" sz="2400" b="1" i="1" kern="0" dirty="0">
+                <a:solidFill>
+                  <a:prstClr val="black">
+                    <a:lumMod val="75000"/>
+                    <a:lumOff val="25000"/>
+                  </a:prstClr>
+                </a:solidFill>
+              </a:rPr>
+              <a:t>안드로이드 기능 소개</a:t>
+            </a:r>
+            <a:endParaRPr lang="en-US" altLang="ko-KR" sz="2400" b="1" i="1" kern="0" dirty="0">
+              <a:solidFill>
+                <a:prstClr val="black">
+                  <a:lumMod val="75000"/>
+                  <a:lumOff val="25000"/>
+                </a:prstClr>
+              </a:solidFill>
+            </a:endParaRPr>
+          </a:p>
+        </p:txBody>
+      </p:sp>
+      <p:cxnSp>
+        <p:nvCxnSpPr>
+          <p:cNvPr id="10" name="직선 연결선 9">
+            <a:extLst>
+              <a:ext uri="{FF2B5EF4-FFF2-40B4-BE49-F238E27FC236}">
+                <a16:creationId xmlns:a16="http://schemas.microsoft.com/office/drawing/2014/main" id="{A79CFBBA-2C61-4EDA-9A68-EC8E2EABE0F5}"/>
+              </a:ext>
+            </a:extLst>
+          </p:cNvPr>
+          <p:cNvCxnSpPr>
+            <a:cxnSpLocks/>
+          </p:cNvCxnSpPr>
+          <p:nvPr/>
+        </p:nvCxnSpPr>
+        <p:spPr>
+          <a:xfrm flipH="1">
+            <a:off x="0" y="1116461"/>
+            <a:ext cx="12192000" cy="0"/>
+          </a:xfrm>
+          <a:prstGeom prst="line">
+            <a:avLst/>
+          </a:prstGeom>
+          <a:ln>
+            <a:solidFill>
+              <a:schemeClr val="tx2"/>
+            </a:solidFill>
+            <a:headEnd type="oval"/>
+          </a:ln>
+        </p:spPr>
+        <p:style>
+          <a:lnRef idx="1">
+            <a:schemeClr val="accent1"/>
+          </a:lnRef>
+          <a:fillRef idx="0">
+            <a:schemeClr val="accent1"/>
+          </a:fillRef>
+          <a:effectRef idx="0">
+            <a:schemeClr val="accent1"/>
+          </a:effectRef>
+          <a:fontRef idx="minor">
+            <a:schemeClr val="tx1"/>
+          </a:fontRef>
+        </p:style>
+      </p:cxnSp>
+    </p:spTree>
+    <p:extLst>
+      <p:ext uri="{BB962C8B-B14F-4D97-AF65-F5344CB8AC3E}">
+        <p14:creationId xmlns:p14="http://schemas.microsoft.com/office/powerpoint/2010/main" val="421007983"/>
+      </p:ext>
+    </p:extLst>
+  </p:cSld>
+  <p:clrMapOvr>
+    <a:masterClrMapping/>
+  </p:clrMapOvr>
+</p:sld>
+</file>
+
+<file path=ppt/slides/slide15.xml><?xml version="1.0" encoding="utf-8"?>
+<p:sld xmlns:a="http://schemas.openxmlformats.org/drawingml/2006/main" xmlns:r="http://schemas.openxmlformats.org/officeDocument/2006/relationships" xmlns:p="http://schemas.openxmlformats.org/presentationml/2006/main">
+  <p:cSld>
+    <p:spTree>
+      <p:nvGrpSpPr>
+        <p:cNvPr id="1" name=""/>
+        <p:cNvGrpSpPr/>
+        <p:nvPr/>
+      </p:nvGrpSpPr>
+      <p:grpSpPr>
+        <a:xfrm>
+          <a:off x="0" y="0"/>
+          <a:ext cx="0" cy="0"/>
+          <a:chOff x="0" y="0"/>
+          <a:chExt cx="0" cy="0"/>
+        </a:xfrm>
+      </p:grpSpPr>
+      <p:sp>
+        <p:nvSpPr>
+          <p:cNvPr id="9" name="직사각형 8">
+            <a:extLst>
+              <a:ext uri="{FF2B5EF4-FFF2-40B4-BE49-F238E27FC236}">
+                <a16:creationId xmlns:a16="http://schemas.microsoft.com/office/drawing/2014/main" id="{9A30FD79-8C4F-4B1C-B89F-D3B99C9D6301}"/>
+              </a:ext>
+            </a:extLst>
+          </p:cNvPr>
+          <p:cNvSpPr/>
+          <p:nvPr/>
+        </p:nvSpPr>
+        <p:spPr>
+          <a:xfrm>
+            <a:off x="0" y="0"/>
+            <a:ext cx="12192000" cy="972187"/>
+          </a:xfrm>
+          <a:prstGeom prst="rect">
+            <a:avLst/>
+          </a:prstGeom>
+          <a:solidFill>
+            <a:schemeClr val="bg1"/>
+          </a:solidFill>
+          <a:ln>
+            <a:noFill/>
+          </a:ln>
+        </p:spPr>
+        <p:style>
+          <a:lnRef idx="2">
+            <a:schemeClr val="accent1">
+              <a:shade val="50000"/>
+            </a:schemeClr>
+          </a:lnRef>
+          <a:fillRef idx="1">
+            <a:schemeClr val="accent1"/>
+          </a:fillRef>
+          <a:effectRef idx="0">
+            <a:schemeClr val="accent1"/>
+          </a:effectRef>
+          <a:fontRef idx="minor">
+            <a:schemeClr val="lt1"/>
+          </a:fontRef>
+        </p:style>
+        <p:txBody>
+          <a:bodyPr rtlCol="0" anchor="ctr"/>
+          <a:lstStyle/>
+          <a:p>
+            <a:pPr algn="ctr" latinLnBrk="0">
+              <a:lnSpc>
+                <a:spcPct val="150000"/>
+              </a:lnSpc>
+              <a:defRPr/>
+            </a:pPr>
+            <a:r>
+              <a:rPr lang="ko-KR" altLang="en-US" sz="2400" b="1" i="1" kern="0" dirty="0">
+                <a:solidFill>
+                  <a:prstClr val="black">
+                    <a:lumMod val="75000"/>
+                    <a:lumOff val="25000"/>
+                  </a:prstClr>
+                </a:solidFill>
+              </a:rPr>
+              <a:t>딥러닝 기능 소개</a:t>
+            </a:r>
+            <a:endParaRPr lang="en-US" altLang="ko-KR" sz="2400" b="1" i="1" kern="0" dirty="0">
+              <a:solidFill>
+                <a:prstClr val="black">
+                  <a:lumMod val="75000"/>
+                  <a:lumOff val="25000"/>
+                </a:prstClr>
+              </a:solidFill>
+            </a:endParaRPr>
+          </a:p>
+        </p:txBody>
+      </p:sp>
+      <p:cxnSp>
+        <p:nvCxnSpPr>
+          <p:cNvPr id="10" name="직선 연결선 9">
+            <a:extLst>
+              <a:ext uri="{FF2B5EF4-FFF2-40B4-BE49-F238E27FC236}">
+                <a16:creationId xmlns:a16="http://schemas.microsoft.com/office/drawing/2014/main" id="{A79CFBBA-2C61-4EDA-9A68-EC8E2EABE0F5}"/>
+              </a:ext>
+            </a:extLst>
+          </p:cNvPr>
+          <p:cNvCxnSpPr>
+            <a:cxnSpLocks/>
+          </p:cNvCxnSpPr>
+          <p:nvPr/>
+        </p:nvCxnSpPr>
+        <p:spPr>
+          <a:xfrm flipH="1">
+            <a:off x="0" y="1116461"/>
+            <a:ext cx="12192000" cy="0"/>
+          </a:xfrm>
+          <a:prstGeom prst="line">
+            <a:avLst/>
+          </a:prstGeom>
+          <a:ln>
+            <a:solidFill>
+              <a:schemeClr val="tx2"/>
+            </a:solidFill>
+            <a:headEnd type="oval"/>
+          </a:ln>
+        </p:spPr>
+        <p:style>
+          <a:lnRef idx="1">
+            <a:schemeClr val="accent1"/>
+          </a:lnRef>
+          <a:fillRef idx="0">
+            <a:schemeClr val="accent1"/>
+          </a:fillRef>
+          <a:effectRef idx="0">
+            <a:schemeClr val="accent1"/>
+          </a:effectRef>
+          <a:fontRef idx="minor">
+            <a:schemeClr val="tx1"/>
+          </a:fontRef>
+        </p:style>
+      </p:cxnSp>
+    </p:spTree>
+    <p:extLst>
+      <p:ext uri="{BB962C8B-B14F-4D97-AF65-F5344CB8AC3E}">
+        <p14:creationId xmlns:p14="http://schemas.microsoft.com/office/powerpoint/2010/main" val="3253432830"/>
+      </p:ext>
+    </p:extLst>
+  </p:cSld>
+  <p:clrMapOvr>
+    <a:masterClrMapping/>
+  </p:clrMapOvr>
+</p:sld>
+</file>
+
 <file path=ppt/slides/slide2.xml><?xml version="1.0" encoding="utf-8"?>
 <p:sld xmlns:a="http://schemas.openxmlformats.org/drawingml/2006/main" xmlns:r="http://schemas.openxmlformats.org/officeDocument/2006/relationships" xmlns:p="http://schemas.openxmlformats.org/presentationml/2006/main">
   <p:cSld>
@@ -6411,7 +7870,7 @@
 </file>
 
 <file path=ppt/slides/slide5.xml><?xml version="1.0" encoding="utf-8"?>
-<p:sld xmlns:a="http://schemas.openxmlformats.org/drawingml/2006/main" xmlns:r="http://schemas.openxmlformats.org/officeDocument/2006/relationships" xmlns:p="http://schemas.openxmlformats.org/presentationml/2006/main">
+<p:sld xmlns:r="http://schemas.openxmlformats.org/officeDocument/2006/relationships" xmlns:c="http://schemas.openxmlformats.org/drawingml/2006/chart" xmlns:a="http://schemas.openxmlformats.org/drawingml/2006/main" xmlns:dgm="http://schemas.openxmlformats.org/drawingml/2006/diagram" xmlns:dsp="http://schemas.microsoft.com/office/drawing/2008/diagram" xmlns:p="http://schemas.openxmlformats.org/presentationml/2006/main">
   <p:cSld>
     <p:spTree>
       <p:nvGrpSpPr>
@@ -6429,13 +7888,7 @@
       </p:grpSpPr>
       <p:sp>
         <p:nvSpPr>
-          <p:cNvPr id="9" name="직사각형 8">
-            <a:extLst>
-              <a:ext uri="{FF2B5EF4-FFF2-40B4-BE49-F238E27FC236}">
-                <a16:creationId xmlns:a16="http://schemas.microsoft.com/office/drawing/2014/main" id="{9A30FD79-8C4F-4B1C-B89F-D3B99C9D6301}"/>
-              </a:ext>
-            </a:extLst>
-          </p:cNvPr>
+          <p:cNvPr id="9" name="직사각형 8"/>
           <p:cNvSpPr/>
           <p:nvPr/>
         </p:nvSpPr>
@@ -6471,7 +7924,7 @@
           </a:fontRef>
         </p:style>
         <p:txBody>
-          <a:bodyPr rtlCol="0" anchor="ctr"/>
+          <a:bodyPr anchor="ctr"/>
           <a:lstStyle/>
           <a:p>
             <a:pPr algn="ctr" latinLnBrk="0">
@@ -6481,7 +7934,7 @@
               <a:defRPr/>
             </a:pPr>
             <a:r>
-              <a:rPr lang="ko-KR" altLang="en-US" sz="2400" b="1" i="1" kern="0" dirty="0">
+              <a:rPr lang="ko-KR" altLang="en-US" sz="2400" b="1" i="1" kern="0">
                 <a:solidFill>
                   <a:prstClr val="black">
                     <a:lumMod val="75000"/>
@@ -6489,9 +7942,9 @@
                   </a:prstClr>
                 </a:solidFill>
               </a:rPr>
-              <a:t>임베디드 기능 소개</a:t>
-            </a:r>
-            <a:endParaRPr lang="en-US" altLang="ko-KR" sz="2400" b="1" i="1" kern="0" dirty="0">
+              <a:t>임베디드 센서 소개</a:t>
+            </a:r>
+            <a:endParaRPr lang="ko-KR" altLang="en-US" sz="2400" b="1" i="1" kern="0">
               <a:solidFill>
                 <a:prstClr val="black">
                   <a:lumMod val="75000"/>
@@ -6504,16 +7957,8 @@
       </p:sp>
       <p:cxnSp>
         <p:nvCxnSpPr>
-          <p:cNvPr id="10" name="직선 연결선 9">
-            <a:extLst>
-              <a:ext uri="{FF2B5EF4-FFF2-40B4-BE49-F238E27FC236}">
-                <a16:creationId xmlns:a16="http://schemas.microsoft.com/office/drawing/2014/main" id="{A79CFBBA-2C61-4EDA-9A68-EC8E2EABE0F5}"/>
-              </a:ext>
-            </a:extLst>
-          </p:cNvPr>
-          <p:cNvCxnSpPr>
-            <a:cxnSpLocks/>
-          </p:cNvCxnSpPr>
+          <p:cNvPr id="10" name="직선 연결선 9"/>
+          <p:cNvCxnSpPr/>
           <p:nvPr/>
         </p:nvCxnSpPr>
         <p:spPr>
@@ -6546,21 +7991,681 @@
           </a:fontRef>
         </p:style>
       </p:cxnSp>
+      <p:grpSp>
+        <p:nvGrpSpPr>
+          <p:cNvPr id="17" name=""/>
+          <p:cNvGrpSpPr/>
+          <p:nvPr/>
+        </p:nvGrpSpPr>
+        <p:grpSpPr>
+          <a:xfrm rot="0">
+            <a:off x="2211915" y="1333501"/>
+            <a:ext cx="7315438" cy="5524497"/>
+            <a:chOff x="0" y="1158875"/>
+            <a:chExt cx="7715253" cy="5524497"/>
+          </a:xfrm>
+        </p:grpSpPr>
+        <p:pic>
+          <p:nvPicPr>
+            <p:cNvPr id="11" name=""/>
+            <p:cNvPicPr>
+              <a:picLocks noChangeAspect="1"/>
+            </p:cNvPicPr>
+            <p:nvPr/>
+          </p:nvPicPr>
+          <p:blipFill rotWithShape="1">
+            <a:blip r:embed="rId2"/>
+            <a:stretch>
+              <a:fillRect/>
+            </a:stretch>
+          </p:blipFill>
+          <p:spPr>
+            <a:xfrm>
+              <a:off x="5286377" y="3746498"/>
+              <a:ext cx="2428876" cy="2901103"/>
+            </a:xfrm>
+            <a:prstGeom prst="rect">
+              <a:avLst/>
+            </a:prstGeom>
+          </p:spPr>
+        </p:pic>
+        <p:pic>
+          <p:nvPicPr>
+            <p:cNvPr id="12" name=""/>
+            <p:cNvPicPr>
+              <a:picLocks noChangeAspect="1"/>
+            </p:cNvPicPr>
+            <p:nvPr/>
+          </p:nvPicPr>
+          <p:blipFill rotWithShape="1">
+            <a:blip r:embed="rId3"/>
+            <a:stretch>
+              <a:fillRect/>
+            </a:stretch>
+          </p:blipFill>
+          <p:spPr>
+            <a:xfrm>
+              <a:off x="0" y="1158875"/>
+              <a:ext cx="2667000" cy="2738119"/>
+            </a:xfrm>
+            <a:prstGeom prst="rect">
+              <a:avLst/>
+            </a:prstGeom>
+          </p:spPr>
+        </p:pic>
+        <p:pic>
+          <p:nvPicPr>
+            <p:cNvPr id="13" name=""/>
+            <p:cNvPicPr>
+              <a:picLocks noChangeAspect="1"/>
+            </p:cNvPicPr>
+            <p:nvPr/>
+          </p:nvPicPr>
+          <p:blipFill rotWithShape="1">
+            <a:blip r:embed="rId4"/>
+            <a:stretch>
+              <a:fillRect/>
+            </a:stretch>
+          </p:blipFill>
+          <p:spPr>
+            <a:xfrm>
+              <a:off x="2730499" y="1174750"/>
+              <a:ext cx="2540000" cy="2787014"/>
+            </a:xfrm>
+            <a:prstGeom prst="rect">
+              <a:avLst/>
+            </a:prstGeom>
+          </p:spPr>
+        </p:pic>
+        <p:pic>
+          <p:nvPicPr>
+            <p:cNvPr id="14" name=""/>
+            <p:cNvPicPr>
+              <a:picLocks noChangeAspect="1"/>
+            </p:cNvPicPr>
+            <p:nvPr/>
+          </p:nvPicPr>
+          <p:blipFill rotWithShape="1">
+            <a:blip r:embed="rId5"/>
+            <a:stretch>
+              <a:fillRect/>
+            </a:stretch>
+          </p:blipFill>
+          <p:spPr>
+            <a:xfrm>
+              <a:off x="5117700" y="1169283"/>
+              <a:ext cx="2337598" cy="2781942"/>
+            </a:xfrm>
+            <a:prstGeom prst="rect">
+              <a:avLst/>
+            </a:prstGeom>
+          </p:spPr>
+        </p:pic>
+        <p:pic>
+          <p:nvPicPr>
+            <p:cNvPr id="15" name=""/>
+            <p:cNvPicPr>
+              <a:picLocks noChangeAspect="1"/>
+            </p:cNvPicPr>
+            <p:nvPr/>
+          </p:nvPicPr>
+          <p:blipFill rotWithShape="1">
+            <a:blip r:embed="rId6"/>
+            <a:stretch>
+              <a:fillRect/>
+            </a:stretch>
+          </p:blipFill>
+          <p:spPr>
+            <a:xfrm>
+              <a:off x="0" y="3937005"/>
+              <a:ext cx="2762250" cy="2738119"/>
+            </a:xfrm>
+            <a:prstGeom prst="rect">
+              <a:avLst/>
+            </a:prstGeom>
+          </p:spPr>
+        </p:pic>
+        <p:pic>
+          <p:nvPicPr>
+            <p:cNvPr id="16" name=""/>
+            <p:cNvPicPr>
+              <a:picLocks noChangeAspect="1"/>
+            </p:cNvPicPr>
+            <p:nvPr/>
+          </p:nvPicPr>
+          <p:blipFill rotWithShape="1">
+            <a:blip r:embed="rId7"/>
+            <a:stretch>
+              <a:fillRect/>
+            </a:stretch>
+          </p:blipFill>
+          <p:spPr>
+            <a:xfrm>
+              <a:off x="2730499" y="4016373"/>
+              <a:ext cx="2381250" cy="2666999"/>
+            </a:xfrm>
+            <a:prstGeom prst="rect">
+              <a:avLst/>
+            </a:prstGeom>
+          </p:spPr>
+        </p:pic>
+      </p:grpSp>
+      <p:grpSp>
+        <p:nvGrpSpPr>
+          <p:cNvPr id="24" name=""/>
+          <p:cNvGrpSpPr/>
+          <p:nvPr/>
+        </p:nvGrpSpPr>
+        <p:grpSpPr>
+          <a:xfrm rot="0">
+            <a:off x="7338338" y="1785938"/>
+            <a:ext cx="1646618" cy="1643062"/>
+            <a:chOff x="10124695" y="1785938"/>
+            <a:chExt cx="1646618" cy="1643062"/>
+          </a:xfrm>
+          <a:effectLst/>
+        </p:grpSpPr>
+        <p:cxnSp>
+          <p:nvCxnSpPr>
+            <p:cNvPr id="22" name=""/>
+            <p:cNvCxnSpPr/>
+            <p:nvPr/>
+          </p:nvCxnSpPr>
+          <p:spPr>
+            <a:xfrm rot="16200000" flipH="1">
+              <a:off x="10148095" y="1805781"/>
+              <a:ext cx="1643062" cy="1603375"/>
+            </a:xfrm>
+            <a:prstGeom prst="line">
+              <a:avLst/>
+            </a:prstGeom>
+            <a:ln w="190500">
+              <a:solidFill>
+                <a:srgbClr val="ff0000"/>
+              </a:solidFill>
+            </a:ln>
+          </p:spPr>
+          <p:style>
+            <a:lnRef idx="1">
+              <a:schemeClr val="accent1"/>
+            </a:lnRef>
+            <a:fillRef idx="0">
+              <a:schemeClr val="accent1"/>
+            </a:fillRef>
+            <a:effectRef idx="0">
+              <a:schemeClr val="accent1"/>
+            </a:effectRef>
+            <a:fontRef idx="minor">
+              <a:schemeClr val="tx1"/>
+            </a:fontRef>
+          </p:style>
+        </p:cxnSp>
+        <p:cxnSp>
+          <p:nvCxnSpPr>
+            <p:cNvPr id="23" name=""/>
+            <p:cNvCxnSpPr/>
+            <p:nvPr/>
+          </p:nvCxnSpPr>
+          <p:spPr>
+            <a:xfrm rot="10500000" flipH="1">
+              <a:off x="10124695" y="1816100"/>
+              <a:ext cx="1643062" cy="1603375"/>
+            </a:xfrm>
+            <a:prstGeom prst="line">
+              <a:avLst/>
+            </a:prstGeom>
+            <a:ln w="190500">
+              <a:solidFill>
+                <a:srgbClr val="ff0000"/>
+              </a:solidFill>
+            </a:ln>
+          </p:spPr>
+          <p:style>
+            <a:lnRef idx="1">
+              <a:schemeClr val="accent1"/>
+            </a:lnRef>
+            <a:fillRef idx="0">
+              <a:schemeClr val="accent1"/>
+            </a:fillRef>
+            <a:effectRef idx="0">
+              <a:schemeClr val="accent1"/>
+            </a:effectRef>
+            <a:fontRef idx="minor">
+              <a:schemeClr val="tx1"/>
+            </a:fontRef>
+          </p:style>
+        </p:cxnSp>
+      </p:grpSp>
+      <p:sp>
+        <p:nvSpPr>
+          <p:cNvPr id="26" name="직사각형 7"/>
+          <p:cNvSpPr/>
+          <p:nvPr/>
+        </p:nvSpPr>
+        <p:spPr>
+          <a:xfrm>
+            <a:off x="8961628" y="2425592"/>
+            <a:ext cx="3344672" cy="431179"/>
+          </a:xfrm>
+          <a:prstGeom prst="rect">
+            <a:avLst/>
+          </a:prstGeom>
+        </p:spPr>
+        <p:txBody>
+          <a:bodyPr wrap="square">
+            <a:spAutoFit/>
+          </a:bodyPr>
+          <a:lstStyle/>
+          <a:p>
+            <a:pPr algn="ctr">
+              <a:lnSpc>
+                <a:spcPct val="150000"/>
+              </a:lnSpc>
+              <a:defRPr/>
+            </a:pPr>
+            <a:r>
+              <a:rPr lang="ko-KR" altLang="en-US" sz="1500" b="1">
+                <a:solidFill>
+                  <a:prstClr val="black">
+                    <a:lumMod val="65000"/>
+                    <a:lumOff val="35000"/>
+                  </a:prstClr>
+                </a:solidFill>
+              </a:rPr>
+              <a:t>센서 부식으로 인한 사용불가</a:t>
+            </a:r>
+            <a:endParaRPr lang="ko-KR" altLang="en-US" sz="1500" b="1">
+              <a:solidFill>
+                <a:prstClr val="black">
+                  <a:lumMod val="65000"/>
+                  <a:lumOff val="35000"/>
+                </a:prstClr>
+              </a:solidFill>
+            </a:endParaRPr>
+          </a:p>
+        </p:txBody>
+      </p:sp>
+      <p:grpSp>
+        <p:nvGrpSpPr>
+          <p:cNvPr id="27" name=""/>
+          <p:cNvGrpSpPr/>
+          <p:nvPr/>
+        </p:nvGrpSpPr>
+        <p:grpSpPr>
+          <a:xfrm rot="0">
+            <a:off x="7454873" y="4419541"/>
+            <a:ext cx="1646618" cy="1643062"/>
+            <a:chOff x="10124695" y="1785938"/>
+            <a:chExt cx="1646618" cy="1643062"/>
+          </a:xfrm>
+          <a:effectLst/>
+        </p:grpSpPr>
+        <p:cxnSp>
+          <p:nvCxnSpPr>
+            <p:cNvPr id="28" name=""/>
+            <p:cNvCxnSpPr/>
+            <p:nvPr/>
+          </p:nvCxnSpPr>
+          <p:spPr>
+            <a:xfrm rot="16200000" flipH="1">
+              <a:off x="10148095" y="1805781"/>
+              <a:ext cx="1643062" cy="1603375"/>
+            </a:xfrm>
+            <a:prstGeom prst="line">
+              <a:avLst/>
+            </a:prstGeom>
+            <a:ln w="190500">
+              <a:solidFill>
+                <a:srgbClr val="ff0000"/>
+              </a:solidFill>
+            </a:ln>
+          </p:spPr>
+          <p:style>
+            <a:lnRef idx="1">
+              <a:schemeClr val="accent1"/>
+            </a:lnRef>
+            <a:fillRef idx="0">
+              <a:schemeClr val="accent1"/>
+            </a:fillRef>
+            <a:effectRef idx="0">
+              <a:schemeClr val="accent1"/>
+            </a:effectRef>
+            <a:fontRef idx="minor">
+              <a:schemeClr val="tx1"/>
+            </a:fontRef>
+          </p:style>
+        </p:cxnSp>
+        <p:cxnSp>
+          <p:nvCxnSpPr>
+            <p:cNvPr id="29" name=""/>
+            <p:cNvCxnSpPr/>
+            <p:nvPr/>
+          </p:nvCxnSpPr>
+          <p:spPr>
+            <a:xfrm rot="10500000" flipH="1">
+              <a:off x="10124695" y="1816100"/>
+              <a:ext cx="1643062" cy="1603375"/>
+            </a:xfrm>
+            <a:prstGeom prst="line">
+              <a:avLst/>
+            </a:prstGeom>
+            <a:ln w="190500">
+              <a:solidFill>
+                <a:srgbClr val="ff0000"/>
+              </a:solidFill>
+            </a:ln>
+          </p:spPr>
+          <p:style>
+            <a:lnRef idx="1">
+              <a:schemeClr val="accent1"/>
+            </a:lnRef>
+            <a:fillRef idx="0">
+              <a:schemeClr val="accent1"/>
+            </a:fillRef>
+            <a:effectRef idx="0">
+              <a:schemeClr val="accent1"/>
+            </a:effectRef>
+            <a:fontRef idx="minor">
+              <a:schemeClr val="tx1"/>
+            </a:fontRef>
+          </p:style>
+        </p:cxnSp>
+      </p:grpSp>
+      <p:sp>
+        <p:nvSpPr>
+          <p:cNvPr id="30" name="직사각형 7"/>
+          <p:cNvSpPr/>
+          <p:nvPr/>
+        </p:nvSpPr>
+        <p:spPr>
+          <a:xfrm>
+            <a:off x="9106032" y="5141510"/>
+            <a:ext cx="3344672" cy="433765"/>
+          </a:xfrm>
+          <a:prstGeom prst="rect">
+            <a:avLst/>
+          </a:prstGeom>
+        </p:spPr>
+        <p:txBody>
+          <a:bodyPr wrap="square">
+            <a:spAutoFit/>
+          </a:bodyPr>
+          <a:lstStyle/>
+          <a:p>
+            <a:pPr algn="ctr">
+              <a:lnSpc>
+                <a:spcPct val="150000"/>
+              </a:lnSpc>
+              <a:defRPr/>
+            </a:pPr>
+            <a:r>
+              <a:rPr lang="ko-KR" altLang="en-US" sz="1500" b="1">
+                <a:solidFill>
+                  <a:prstClr val="black">
+                    <a:lumMod val="65000"/>
+                    <a:lumOff val="35000"/>
+                  </a:prstClr>
+                </a:solidFill>
+              </a:rPr>
+              <a:t>리눅스용 웹캠 드라이버 미제공</a:t>
+            </a:r>
+            <a:endParaRPr lang="ko-KR" altLang="en-US" sz="1500" b="1">
+              <a:solidFill>
+                <a:prstClr val="black">
+                  <a:lumMod val="65000"/>
+                  <a:lumOff val="35000"/>
+                </a:prstClr>
+              </a:solidFill>
+            </a:endParaRPr>
+          </a:p>
+        </p:txBody>
+      </p:sp>
+      <p:pic>
+        <p:nvPicPr>
+          <p:cNvPr id="31" name=""/>
+          <p:cNvPicPr>
+            <a:picLocks noChangeAspect="1"/>
+          </p:cNvPicPr>
+          <p:nvPr/>
+        </p:nvPicPr>
+        <p:blipFill rotWithShape="1">
+          <a:blip r:embed="rId8"/>
+          <a:stretch>
+            <a:fillRect/>
+          </a:stretch>
+        </p:blipFill>
+        <p:spPr>
+          <a:xfrm>
+            <a:off x="223425" y="1500619"/>
+            <a:ext cx="1940140" cy="2281158"/>
+          </a:xfrm>
+          <a:prstGeom prst="rect">
+            <a:avLst/>
+          </a:prstGeom>
+        </p:spPr>
+      </p:pic>
+      <p:pic>
+        <p:nvPicPr>
+          <p:cNvPr id="32" name=""/>
+          <p:cNvPicPr>
+            <a:picLocks noChangeAspect="1"/>
+          </p:cNvPicPr>
+          <p:nvPr/>
+        </p:nvPicPr>
+        <p:blipFill rotWithShape="1">
+          <a:blip r:embed="rId9"/>
+          <a:stretch>
+            <a:fillRect/>
+          </a:stretch>
+        </p:blipFill>
+        <p:spPr>
+          <a:xfrm>
+            <a:off x="0" y="4134552"/>
+            <a:ext cx="2545879" cy="2545879"/>
+          </a:xfrm>
+          <a:prstGeom prst="rect">
+            <a:avLst/>
+          </a:prstGeom>
+        </p:spPr>
+      </p:pic>
     </p:spTree>
-    <p:extLst>
-      <p:ext uri="{BB962C8B-B14F-4D97-AF65-F5344CB8AC3E}">
-        <p14:creationId xmlns:p14="http://schemas.microsoft.com/office/powerpoint/2010/main" val="2562857649"/>
-      </p:ext>
-    </p:extLst>
   </p:cSld>
   <p:clrMapOvr>
     <a:masterClrMapping/>
   </p:clrMapOvr>
+  <mc:AlternateContent xmlns:mc="http://schemas.openxmlformats.org/markup-compatibility/2006">
+    <mc:Choice xmlns:p14="http://schemas.microsoft.com/office/powerpoint/2010/main" Requires="p14">
+      <p:transition xmlns:mc="http://schemas.openxmlformats.org/markup-compatibility/2006" xmlns:p14="http://schemas.microsoft.com/office/powerpoint/2010/main" mc:Ignorable="p14" p14:dur="500"/>
+    </mc:Choice>
+    <mc:Fallback>
+      <p:transition/>
+    </mc:Fallback>
+  </mc:AlternateContent>
+  <p:timing>
+    <p:tnLst>
+      <p:par>
+        <p:cTn id="1" dur="indefinite" restart="never" nodeType="tmRoot">
+          <p:childTnLst>
+            <p:seq concurrent="1" nextAc="seek">
+              <p:cTn id="2" dur="indefinite" nodeType="mainSeq">
+                <p:childTnLst>
+                  <p:par>
+                    <p:cTn id="3" fill="hold">
+                      <p:stCondLst>
+                        <p:cond delay="indefinite"/>
+                      </p:stCondLst>
+                      <p:childTnLst>
+                        <p:par>
+                          <p:cTn id="4" fill="hold">
+                            <p:stCondLst>
+                              <p:cond delay="0"/>
+                            </p:stCondLst>
+                            <p:childTnLst>
+                              <p:par>
+                                <p:cTn id="5" presetID="1" presetClass="entr" presetSubtype="0" fill="hold" grpId="0" nodeType="clickEffect">
+                                  <p:stCondLst>
+                                    <p:cond delay="0"/>
+                                  </p:stCondLst>
+                                  <p:childTnLst>
+                                    <p:set>
+                                      <p:cBhvr>
+                                        <p:cTn id="6" dur="1" fill="hold">
+                                          <p:stCondLst>
+                                            <p:cond delay="0"/>
+                                          </p:stCondLst>
+                                        </p:cTn>
+                                        <p:tgtEl>
+                                          <p:spTgt spid="24"/>
+                                        </p:tgtEl>
+                                        <p:attrNameLst>
+                                          <p:attrName>style.visibility</p:attrName>
+                                        </p:attrNameLst>
+                                      </p:cBhvr>
+                                      <p:to>
+                                        <p:strVal val="visible"/>
+                                      </p:to>
+                                    </p:set>
+                                  </p:childTnLst>
+                                </p:cTn>
+                              </p:par>
+                              <p:par>
+                                <p:cTn id="7" presetID="1" presetClass="entr" presetSubtype="0" fill="hold" grpId="1" nodeType="withEffect">
+                                  <p:stCondLst>
+                                    <p:cond delay="0"/>
+                                  </p:stCondLst>
+                                  <p:childTnLst>
+                                    <p:set>
+                                      <p:cBhvr>
+                                        <p:cTn id="8" dur="1" fill="hold">
+                                          <p:stCondLst>
+                                            <p:cond delay="0"/>
+                                          </p:stCondLst>
+                                        </p:cTn>
+                                        <p:tgtEl>
+                                          <p:spTgt spid="26"/>
+                                        </p:tgtEl>
+                                        <p:attrNameLst>
+                                          <p:attrName>style.visibility</p:attrName>
+                                        </p:attrNameLst>
+                                      </p:cBhvr>
+                                      <p:to>
+                                        <p:strVal val="visible"/>
+                                      </p:to>
+                                    </p:set>
+                                  </p:childTnLst>
+                                </p:cTn>
+                              </p:par>
+                            </p:childTnLst>
+                          </p:cTn>
+                        </p:par>
+                      </p:childTnLst>
+                    </p:cTn>
+                  </p:par>
+                  <p:par>
+                    <p:cTn id="9" fill="hold">
+                      <p:stCondLst>
+                        <p:cond delay="indefinite"/>
+                      </p:stCondLst>
+                      <p:childTnLst>
+                        <p:par>
+                          <p:cTn id="10" fill="hold">
+                            <p:stCondLst>
+                              <p:cond delay="0"/>
+                            </p:stCondLst>
+                            <p:childTnLst>
+                              <p:par>
+                                <p:cTn id="11" presetID="1" presetClass="entr" presetSubtype="0" fill="hold" grpId="2" nodeType="clickEffect">
+                                  <p:stCondLst>
+                                    <p:cond delay="0"/>
+                                  </p:stCondLst>
+                                  <p:childTnLst>
+                                    <p:set>
+                                      <p:cBhvr>
+                                        <p:cTn id="12" dur="1" fill="hold">
+                                          <p:stCondLst>
+                                            <p:cond delay="0"/>
+                                          </p:stCondLst>
+                                        </p:cTn>
+                                        <p:tgtEl>
+                                          <p:spTgt spid="27"/>
+                                        </p:tgtEl>
+                                        <p:attrNameLst>
+                                          <p:attrName>style.visibility</p:attrName>
+                                        </p:attrNameLst>
+                                      </p:cBhvr>
+                                      <p:to>
+                                        <p:strVal val="visible"/>
+                                      </p:to>
+                                    </p:set>
+                                  </p:childTnLst>
+                                </p:cTn>
+                              </p:par>
+                              <p:par>
+                                <p:cTn id="13" presetID="1" presetClass="entr" presetSubtype="0" fill="hold" grpId="3" nodeType="withEffect">
+                                  <p:stCondLst>
+                                    <p:cond delay="0"/>
+                                  </p:stCondLst>
+                                  <p:childTnLst>
+                                    <p:set>
+                                      <p:cBhvr>
+                                        <p:cTn id="14" dur="1" fill="hold">
+                                          <p:stCondLst>
+                                            <p:cond delay="0"/>
+                                          </p:stCondLst>
+                                        </p:cTn>
+                                        <p:tgtEl>
+                                          <p:spTgt spid="30"/>
+                                        </p:tgtEl>
+                                        <p:attrNameLst>
+                                          <p:attrName>style.visibility</p:attrName>
+                                        </p:attrNameLst>
+                                      </p:cBhvr>
+                                      <p:to>
+                                        <p:strVal val="visible"/>
+                                      </p:to>
+                                    </p:set>
+                                  </p:childTnLst>
+                                </p:cTn>
+                              </p:par>
+                            </p:childTnLst>
+                          </p:cTn>
+                        </p:par>
+                      </p:childTnLst>
+                    </p:cTn>
+                  </p:par>
+                </p:childTnLst>
+              </p:cTn>
+              <p:prevCondLst>
+                <p:cond evt="onPrev" delay="0">
+                  <p:tgtEl>
+                    <p:sldTgt/>
+                  </p:tgtEl>
+                </p:cond>
+              </p:prevCondLst>
+              <p:nextCondLst>
+                <p:cond evt="onNext" delay="0">
+                  <p:tgtEl>
+                    <p:sldTgt/>
+                  </p:tgtEl>
+                </p:cond>
+              </p:nextCondLst>
+            </p:seq>
+          </p:childTnLst>
+        </p:cTn>
+      </p:par>
+    </p:tnLst>
+    <p:bldLst>
+      <p:bldP spid="24" grpId="0" animBg="1"/>
+      <p:bldP spid="26" grpId="1" animBg="1"/>
+      <p:bldP spid="27" grpId="2" animBg="1"/>
+      <p:bldP spid="30" grpId="3" animBg="1"/>
+    </p:bldLst>
+  </p:timing>
 </p:sld>
 </file>
 
 <file path=ppt/slides/slide6.xml><?xml version="1.0" encoding="utf-8"?>
-<p:sld xmlns:a="http://schemas.openxmlformats.org/drawingml/2006/main" xmlns:r="http://schemas.openxmlformats.org/officeDocument/2006/relationships" xmlns:p="http://schemas.openxmlformats.org/presentationml/2006/main">
+<p:sld xmlns:r="http://schemas.openxmlformats.org/officeDocument/2006/relationships" xmlns:c="http://schemas.openxmlformats.org/drawingml/2006/chart" xmlns:a="http://schemas.openxmlformats.org/drawingml/2006/main" xmlns:dgm="http://schemas.openxmlformats.org/drawingml/2006/diagram" xmlns:dsp="http://schemas.microsoft.com/office/drawing/2008/diagram" xmlns:p="http://schemas.openxmlformats.org/presentationml/2006/main">
   <p:cSld>
     <p:spTree>
       <p:nvGrpSpPr>
@@ -6578,13 +8683,7 @@
       </p:grpSpPr>
       <p:sp>
         <p:nvSpPr>
-          <p:cNvPr id="9" name="직사각형 8">
-            <a:extLst>
-              <a:ext uri="{FF2B5EF4-FFF2-40B4-BE49-F238E27FC236}">
-                <a16:creationId xmlns:a16="http://schemas.microsoft.com/office/drawing/2014/main" id="{9A30FD79-8C4F-4B1C-B89F-D3B99C9D6301}"/>
-              </a:ext>
-            </a:extLst>
-          </p:cNvPr>
+          <p:cNvPr id="9" name="직사각형 8"/>
           <p:cNvSpPr/>
           <p:nvPr/>
         </p:nvSpPr>
@@ -6620,7 +8719,7 @@
           </a:fontRef>
         </p:style>
         <p:txBody>
-          <a:bodyPr rtlCol="0" anchor="ctr"/>
+          <a:bodyPr anchor="ctr"/>
           <a:lstStyle/>
           <a:p>
             <a:pPr algn="ctr" latinLnBrk="0">
@@ -6630,7 +8729,7 @@
               <a:defRPr/>
             </a:pPr>
             <a:r>
-              <a:rPr lang="en-US" altLang="ko-KR" sz="2400" b="1" i="1" kern="0" dirty="0">
+              <a:rPr lang="ko-KR" altLang="en-US" sz="2400" b="1" i="1" kern="0">
                 <a:solidFill>
                   <a:prstClr val="black">
                     <a:lumMod val="75000"/>
@@ -6638,20 +8737,9 @@
                   </a:prstClr>
                 </a:solidFill>
               </a:rPr>
-              <a:t>AWS</a:t>
-            </a:r>
-            <a:r>
-              <a:rPr lang="ko-KR" altLang="en-US" sz="2400" b="1" i="1" kern="0" dirty="0">
-                <a:solidFill>
-                  <a:prstClr val="black">
-                    <a:lumMod val="75000"/>
-                    <a:lumOff val="25000"/>
-                  </a:prstClr>
-                </a:solidFill>
-              </a:rPr>
-              <a:t> 기능 소개</a:t>
-            </a:r>
-            <a:endParaRPr lang="en-US" altLang="ko-KR" sz="2400" b="1" i="1" kern="0" dirty="0">
+              <a:t>임베디드 회로도</a:t>
+            </a:r>
+            <a:endParaRPr lang="ko-KR" altLang="en-US" sz="2400" b="1" i="1" kern="0">
               <a:solidFill>
                 <a:prstClr val="black">
                   <a:lumMod val="75000"/>
@@ -6664,16 +8752,8 @@
       </p:sp>
       <p:cxnSp>
         <p:nvCxnSpPr>
-          <p:cNvPr id="10" name="직선 연결선 9">
-            <a:extLst>
-              <a:ext uri="{FF2B5EF4-FFF2-40B4-BE49-F238E27FC236}">
-                <a16:creationId xmlns:a16="http://schemas.microsoft.com/office/drawing/2014/main" id="{A79CFBBA-2C61-4EDA-9A68-EC8E2EABE0F5}"/>
-              </a:ext>
-            </a:extLst>
-          </p:cNvPr>
-          <p:cNvCxnSpPr>
-            <a:cxnSpLocks/>
-          </p:cNvCxnSpPr>
+          <p:cNvPr id="10" name="직선 연결선 9"/>
+          <p:cNvCxnSpPr/>
           <p:nvPr/>
         </p:nvCxnSpPr>
         <p:spPr>
@@ -6706,21 +8786,55 @@
           </a:fontRef>
         </p:style>
       </p:cxnSp>
+      <p:pic>
+        <p:nvPicPr>
+          <p:cNvPr id="32" name=""/>
+          <p:cNvPicPr>
+            <a:picLocks noChangeAspect="1"/>
+          </p:cNvPicPr>
+          <p:nvPr/>
+        </p:nvPicPr>
+        <p:blipFill rotWithShape="1">
+          <a:blip r:embed="rId2"/>
+          <a:stretch>
+            <a:fillRect/>
+          </a:stretch>
+        </p:blipFill>
+        <p:spPr>
+          <a:xfrm>
+            <a:off x="252824" y="1272963"/>
+            <a:ext cx="11686352" cy="5276331"/>
+          </a:xfrm>
+          <a:prstGeom prst="rect">
+            <a:avLst/>
+          </a:prstGeom>
+        </p:spPr>
+      </p:pic>
     </p:spTree>
-    <p:extLst>
-      <p:ext uri="{BB962C8B-B14F-4D97-AF65-F5344CB8AC3E}">
-        <p14:creationId xmlns:p14="http://schemas.microsoft.com/office/powerpoint/2010/main" val="1123691203"/>
-      </p:ext>
-    </p:extLst>
   </p:cSld>
   <p:clrMapOvr>
     <a:masterClrMapping/>
   </p:clrMapOvr>
+  <mc:AlternateContent xmlns:mc="http://schemas.openxmlformats.org/markup-compatibility/2006">
+    <mc:Choice xmlns:p14="http://schemas.microsoft.com/office/powerpoint/2010/main" Requires="p14">
+      <p:transition xmlns:mc="http://schemas.openxmlformats.org/markup-compatibility/2006" xmlns:p14="http://schemas.microsoft.com/office/powerpoint/2010/main" mc:Ignorable="p14" p14:dur="500"/>
+    </mc:Choice>
+    <mc:Fallback>
+      <p:transition/>
+    </mc:Fallback>
+  </mc:AlternateContent>
+  <p:timing>
+    <p:tnLst>
+      <p:par>
+        <p:cTn id="1" dur="indefinite" restart="never" nodeType="tmRoot"/>
+      </p:par>
+    </p:tnLst>
+  </p:timing>
 </p:sld>
 </file>
 
 <file path=ppt/slides/slide7.xml><?xml version="1.0" encoding="utf-8"?>
-<p:sld xmlns:a="http://schemas.openxmlformats.org/drawingml/2006/main" xmlns:r="http://schemas.openxmlformats.org/officeDocument/2006/relationships" xmlns:p="http://schemas.openxmlformats.org/presentationml/2006/main">
+<p:sld xmlns:r="http://schemas.openxmlformats.org/officeDocument/2006/relationships" xmlns:c="http://schemas.openxmlformats.org/drawingml/2006/chart" xmlns:a="http://schemas.openxmlformats.org/drawingml/2006/main" xmlns:dgm="http://schemas.openxmlformats.org/drawingml/2006/diagram" xmlns:dsp="http://schemas.microsoft.com/office/drawing/2008/diagram" xmlns:p="http://schemas.openxmlformats.org/presentationml/2006/main">
   <p:cSld>
     <p:spTree>
       <p:nvGrpSpPr>
@@ -6738,13 +8852,7 @@
       </p:grpSpPr>
       <p:sp>
         <p:nvSpPr>
-          <p:cNvPr id="9" name="직사각형 8">
-            <a:extLst>
-              <a:ext uri="{FF2B5EF4-FFF2-40B4-BE49-F238E27FC236}">
-                <a16:creationId xmlns:a16="http://schemas.microsoft.com/office/drawing/2014/main" id="{9A30FD79-8C4F-4B1C-B89F-D3B99C9D6301}"/>
-              </a:ext>
-            </a:extLst>
-          </p:cNvPr>
+          <p:cNvPr id="9" name="직사각형 8"/>
           <p:cNvSpPr/>
           <p:nvPr/>
         </p:nvSpPr>
@@ -6780,7 +8888,7 @@
           </a:fontRef>
         </p:style>
         <p:txBody>
-          <a:bodyPr rtlCol="0" anchor="ctr"/>
+          <a:bodyPr anchor="ctr"/>
           <a:lstStyle/>
           <a:p>
             <a:pPr algn="ctr" latinLnBrk="0">
@@ -6790,7 +8898,7 @@
               <a:defRPr/>
             </a:pPr>
             <a:r>
-              <a:rPr lang="ko-KR" altLang="en-US" sz="2400" b="1" i="1" kern="0" dirty="0">
+              <a:rPr lang="ko-KR" altLang="en-US" sz="2400" b="1" i="1" kern="0">
                 <a:solidFill>
                   <a:prstClr val="black">
                     <a:lumMod val="75000"/>
@@ -6798,9 +8906,9 @@
                   </a:prstClr>
                 </a:solidFill>
               </a:rPr>
-              <a:t>안드로이드 기능 소개</a:t>
-            </a:r>
-            <a:endParaRPr lang="en-US" altLang="ko-KR" sz="2400" b="1" i="1" kern="0" dirty="0">
+              <a:t>임베디드 기능 소개</a:t>
+            </a:r>
+            <a:endParaRPr lang="ko-KR" altLang="en-US" sz="2400" b="1" i="1" kern="0">
               <a:solidFill>
                 <a:prstClr val="black">
                   <a:lumMod val="75000"/>
@@ -6813,16 +8921,8 @@
       </p:sp>
       <p:cxnSp>
         <p:nvCxnSpPr>
-          <p:cNvPr id="10" name="직선 연결선 9">
-            <a:extLst>
-              <a:ext uri="{FF2B5EF4-FFF2-40B4-BE49-F238E27FC236}">
-                <a16:creationId xmlns:a16="http://schemas.microsoft.com/office/drawing/2014/main" id="{A79CFBBA-2C61-4EDA-9A68-EC8E2EABE0F5}"/>
-              </a:ext>
-            </a:extLst>
-          </p:cNvPr>
-          <p:cNvCxnSpPr>
-            <a:cxnSpLocks/>
-          </p:cNvCxnSpPr>
+          <p:cNvPr id="10" name="직선 연결선 9"/>
+          <p:cNvCxnSpPr/>
           <p:nvPr/>
         </p:nvCxnSpPr>
         <p:spPr>
@@ -6855,21 +8955,1538 @@
           </a:fontRef>
         </p:style>
       </p:cxnSp>
+      <p:sp>
+        <p:nvSpPr>
+          <p:cNvPr id="15" name=""/>
+          <p:cNvSpPr/>
+          <p:nvPr/>
+        </p:nvSpPr>
+        <p:spPr>
+          <a:xfrm>
+            <a:off x="411098" y="1520546"/>
+            <a:ext cx="6832379" cy="4248532"/>
+          </a:xfrm>
+          <a:prstGeom prst="rect">
+            <a:avLst/>
+          </a:prstGeom>
+          <a:noFill/>
+          <a:ln w="25400">
+            <a:solidFill>
+              <a:srgbClr val="6182d6"/>
+            </a:solidFill>
+          </a:ln>
+        </p:spPr>
+        <p:style>
+          <a:lnRef idx="2">
+            <a:schemeClr val="accent1">
+              <a:shade val="20000"/>
+            </a:schemeClr>
+          </a:lnRef>
+          <a:fillRef idx="1">
+            <a:schemeClr val="accent1"/>
+          </a:fillRef>
+          <a:effectRef idx="0">
+            <a:schemeClr val="accent1"/>
+          </a:effectRef>
+          <a:fontRef idx="minor">
+            <a:schemeClr val="lt1"/>
+          </a:fontRef>
+        </p:style>
+        <p:txBody>
+          <a:bodyPr anchor="ctr"/>
+          <a:lstStyle/>
+          <a:p>
+            <a:pPr algn="ctr">
+              <a:defRPr/>
+            </a:pPr>
+            <a:endParaRPr lang="ko-KR" altLang="en-US"/>
+          </a:p>
+        </p:txBody>
+      </p:sp>
+      <p:pic>
+        <p:nvPicPr>
+          <p:cNvPr id="16" name=""/>
+          <p:cNvPicPr>
+            <a:picLocks noChangeAspect="1"/>
+          </p:cNvPicPr>
+          <p:nvPr/>
+        </p:nvPicPr>
+        <p:blipFill rotWithShape="1">
+          <a:blip r:embed="rId2"/>
+          <a:stretch>
+            <a:fillRect/>
+          </a:stretch>
+        </p:blipFill>
+        <p:spPr>
+          <a:xfrm>
+            <a:off x="519536" y="2554624"/>
+            <a:ext cx="1957724" cy="1512787"/>
+          </a:xfrm>
+          <a:prstGeom prst="rect">
+            <a:avLst/>
+          </a:prstGeom>
+          <a:ln w="12700">
+            <a:solidFill>
+              <a:schemeClr val="dk1"/>
+            </a:solidFill>
+          </a:ln>
+        </p:spPr>
+      </p:pic>
+      <p:sp>
+        <p:nvSpPr>
+          <p:cNvPr id="17" name=""/>
+          <p:cNvSpPr txBox="1"/>
+          <p:nvPr/>
+        </p:nvSpPr>
+        <p:spPr>
+          <a:xfrm>
+            <a:off x="1076227" y="4178571"/>
+            <a:ext cx="977694" cy="239124"/>
+          </a:xfrm>
+          <a:prstGeom prst="rect">
+            <a:avLst/>
+          </a:prstGeom>
+        </p:spPr>
+        <p:txBody>
+          <a:bodyPr wrap="square">
+            <a:spAutoFit/>
+          </a:bodyPr>
+          <a:lstStyle/>
+          <a:p>
+            <a:pPr>
+              <a:defRPr/>
+            </a:pPr>
+            <a:r>
+              <a:rPr lang="ko-KR" altLang="en-US" sz="1000" b="1"/>
+              <a:t>컨테이너 밭</a:t>
+            </a:r>
+            <a:endParaRPr lang="ko-KR" altLang="en-US" sz="1000" b="1"/>
+          </a:p>
+        </p:txBody>
+      </p:sp>
+      <p:pic>
+        <p:nvPicPr>
+          <p:cNvPr id="18" name="그림 10"/>
+          <p:cNvPicPr>
+            <a:picLocks noChangeAspect="1"/>
+          </p:cNvPicPr>
+          <p:nvPr/>
+        </p:nvPicPr>
+        <p:blipFill rotWithShape="1">
+          <a:blip r:embed="rId3"/>
+          <a:stretch>
+            <a:fillRect/>
+          </a:stretch>
+        </p:blipFill>
+        <p:spPr>
+          <a:xfrm>
+            <a:off x="3694272" y="2656235"/>
+            <a:ext cx="733531" cy="498109"/>
+          </a:xfrm>
+          <a:prstGeom prst="rect">
+            <a:avLst/>
+          </a:prstGeom>
+        </p:spPr>
+      </p:pic>
+      <p:sp>
+        <p:nvSpPr>
+          <p:cNvPr id="19" name="직사각형 14"/>
+          <p:cNvSpPr/>
+          <p:nvPr/>
+        </p:nvSpPr>
+        <p:spPr>
+          <a:xfrm>
+            <a:off x="2955189" y="2650282"/>
+            <a:ext cx="739083" cy="504062"/>
+          </a:xfrm>
+          <a:prstGeom prst="rect">
+            <a:avLst/>
+          </a:prstGeom>
+          <a:solidFill>
+            <a:srgbClr val="cdf2e4"/>
+          </a:solidFill>
+          <a:ln>
+            <a:noFill/>
+          </a:ln>
+        </p:spPr>
+        <p:style>
+          <a:lnRef idx="2">
+            <a:schemeClr val="accent1">
+              <a:shade val="50000"/>
+            </a:schemeClr>
+          </a:lnRef>
+          <a:fillRef idx="1">
+            <a:schemeClr val="accent1"/>
+          </a:fillRef>
+          <a:effectRef idx="0">
+            <a:schemeClr val="accent1"/>
+          </a:effectRef>
+          <a:fontRef idx="minor">
+            <a:schemeClr val="lt1"/>
+          </a:fontRef>
+        </p:style>
+        <p:txBody>
+          <a:bodyPr anchor="ctr"/>
+          <a:lstStyle/>
+          <a:p>
+            <a:pPr algn="ctr">
+              <a:defRPr/>
+            </a:pPr>
+            <a:r>
+              <a:rPr lang="ko-KR" altLang="en-US" sz="1000" b="1">
+                <a:solidFill>
+                  <a:schemeClr val="tx1"/>
+                </a:solidFill>
+              </a:rPr>
+              <a:t>온</a:t>
+            </a:r>
+            <a:r>
+              <a:rPr lang="en-US" altLang="ko-KR" sz="1000" b="1">
+                <a:solidFill>
+                  <a:schemeClr val="tx1"/>
+                </a:solidFill>
+              </a:rPr>
+              <a:t>/</a:t>
+            </a:r>
+            <a:r>
+              <a:rPr lang="ko-KR" altLang="en-US" sz="1000" b="1">
+                <a:solidFill>
+                  <a:schemeClr val="tx1"/>
+                </a:solidFill>
+              </a:rPr>
+              <a:t>습도</a:t>
+            </a:r>
+            <a:r>
+              <a:rPr lang="en-US" altLang="ko-KR" sz="1000" b="1">
+                <a:solidFill>
+                  <a:schemeClr val="tx1"/>
+                </a:solidFill>
+              </a:rPr>
+              <a:t>,</a:t>
+            </a:r>
+            <a:endParaRPr lang="en-US" altLang="ko-KR" sz="1000" b="1">
+              <a:solidFill>
+                <a:schemeClr val="tx1"/>
+              </a:solidFill>
+            </a:endParaRPr>
+          </a:p>
+          <a:p>
+            <a:pPr algn="ctr">
+              <a:defRPr/>
+            </a:pPr>
+            <a:r>
+              <a:rPr lang="ko-KR" altLang="en-US" sz="1000" b="1">
+                <a:solidFill>
+                  <a:schemeClr val="tx1"/>
+                </a:solidFill>
+              </a:rPr>
+              <a:t>토양수분</a:t>
+            </a:r>
+            <a:endParaRPr lang="ko-KR" altLang="en-US" sz="1000" b="1">
+              <a:solidFill>
+                <a:schemeClr val="tx1"/>
+              </a:solidFill>
+            </a:endParaRPr>
+          </a:p>
+          <a:p>
+            <a:pPr algn="ctr">
+              <a:defRPr/>
+            </a:pPr>
+            <a:r>
+              <a:rPr lang="ko-KR" altLang="en-US" sz="1000" b="1">
+                <a:solidFill>
+                  <a:schemeClr val="tx1"/>
+                </a:solidFill>
+              </a:rPr>
+              <a:t>센서</a:t>
+            </a:r>
+            <a:endParaRPr lang="ko-KR" altLang="en-US" sz="1000" b="1">
+              <a:solidFill>
+                <a:schemeClr val="tx1"/>
+              </a:solidFill>
+            </a:endParaRPr>
+          </a:p>
+        </p:txBody>
+      </p:sp>
+      <p:cxnSp>
+        <p:nvCxnSpPr>
+          <p:cNvPr id="20" name=""/>
+          <p:cNvCxnSpPr/>
+          <p:nvPr/>
+        </p:nvCxnSpPr>
+        <p:spPr>
+          <a:xfrm>
+            <a:off x="2477262" y="2902313"/>
+            <a:ext cx="477927" cy="0"/>
+          </a:xfrm>
+          <a:prstGeom prst="straightConnector1">
+            <a:avLst/>
+          </a:prstGeom>
+          <a:ln w="25400">
+            <a:solidFill>
+              <a:schemeClr val="dk1"/>
+            </a:solidFill>
+            <a:tailEnd type="arrow"/>
+          </a:ln>
+        </p:spPr>
+        <p:style>
+          <a:lnRef idx="1">
+            <a:schemeClr val="accent1"/>
+          </a:lnRef>
+          <a:fillRef idx="0">
+            <a:schemeClr val="accent1"/>
+          </a:fillRef>
+          <a:effectRef idx="0">
+            <a:schemeClr val="accent1"/>
+          </a:effectRef>
+          <a:fontRef idx="minor">
+            <a:schemeClr val="tx1"/>
+          </a:fontRef>
+        </p:style>
+      </p:cxnSp>
+      <p:sp>
+        <p:nvSpPr>
+          <p:cNvPr id="21" name=""/>
+          <p:cNvSpPr txBox="1"/>
+          <p:nvPr/>
+        </p:nvSpPr>
+        <p:spPr>
+          <a:xfrm>
+            <a:off x="3740098" y="3160945"/>
+            <a:ext cx="694742" cy="242995"/>
+          </a:xfrm>
+          <a:prstGeom prst="rect">
+            <a:avLst/>
+          </a:prstGeom>
+        </p:spPr>
+        <p:txBody>
+          <a:bodyPr wrap="none">
+            <a:spAutoFit/>
+          </a:bodyPr>
+          <a:lstStyle/>
+          <a:p>
+            <a:pPr algn="ctr">
+              <a:defRPr/>
+            </a:pPr>
+            <a:r>
+              <a:rPr lang="ko-KR" altLang="en-US" sz="1000" b="1"/>
+              <a:t>아두이노</a:t>
+            </a:r>
+            <a:endParaRPr lang="ko-KR" altLang="en-US" sz="1000" b="1"/>
+          </a:p>
+        </p:txBody>
+      </p:sp>
+      <p:sp>
+        <p:nvSpPr>
+          <p:cNvPr id="22" name="직사각형 14"/>
+          <p:cNvSpPr/>
+          <p:nvPr/>
+        </p:nvSpPr>
+        <p:spPr>
+          <a:xfrm>
+            <a:off x="4427804" y="2650282"/>
+            <a:ext cx="739083" cy="504062"/>
+          </a:xfrm>
+          <a:prstGeom prst="rect">
+            <a:avLst/>
+          </a:prstGeom>
+          <a:solidFill>
+            <a:srgbClr val="ffe7d8"/>
+          </a:solidFill>
+          <a:ln>
+            <a:noFill/>
+          </a:ln>
+        </p:spPr>
+        <p:style>
+          <a:lnRef idx="2">
+            <a:schemeClr val="accent1">
+              <a:shade val="50000"/>
+            </a:schemeClr>
+          </a:lnRef>
+          <a:fillRef idx="1">
+            <a:schemeClr val="accent1"/>
+          </a:fillRef>
+          <a:effectRef idx="0">
+            <a:schemeClr val="accent1"/>
+          </a:effectRef>
+          <a:fontRef idx="minor">
+            <a:schemeClr val="lt1"/>
+          </a:fontRef>
+        </p:style>
+        <p:txBody>
+          <a:bodyPr anchor="ctr"/>
+          <a:lstStyle/>
+          <a:p>
+            <a:pPr algn="ctr">
+              <a:defRPr/>
+            </a:pPr>
+            <a:r>
+              <a:rPr lang="ko-KR" altLang="en-US" sz="1000" b="1">
+                <a:solidFill>
+                  <a:schemeClr val="tx1"/>
+                </a:solidFill>
+              </a:rPr>
+              <a:t>블루투스</a:t>
+            </a:r>
+            <a:endParaRPr lang="ko-KR" altLang="en-US" sz="1000" b="1">
+              <a:solidFill>
+                <a:schemeClr val="tx1"/>
+              </a:solidFill>
+            </a:endParaRPr>
+          </a:p>
+          <a:p>
+            <a:pPr algn="ctr">
+              <a:defRPr/>
+            </a:pPr>
+            <a:r>
+              <a:rPr lang="ko-KR" altLang="en-US" sz="1000" b="1">
+                <a:solidFill>
+                  <a:schemeClr val="tx1"/>
+                </a:solidFill>
+              </a:rPr>
+              <a:t>모듈</a:t>
+            </a:r>
+            <a:endParaRPr lang="ko-KR" altLang="en-US" sz="1000" b="1">
+              <a:solidFill>
+                <a:schemeClr val="tx1"/>
+              </a:solidFill>
+            </a:endParaRPr>
+          </a:p>
+        </p:txBody>
+      </p:sp>
+      <p:pic>
+        <p:nvPicPr>
+          <p:cNvPr id="23" name="그림 12"/>
+          <p:cNvPicPr>
+            <a:picLocks noChangeAspect="1"/>
+          </p:cNvPicPr>
+          <p:nvPr/>
+        </p:nvPicPr>
+        <p:blipFill rotWithShape="1">
+          <a:blip r:embed="rId4"/>
+          <a:stretch>
+            <a:fillRect/>
+          </a:stretch>
+        </p:blipFill>
+        <p:spPr>
+          <a:xfrm>
+            <a:off x="6099810" y="2397816"/>
+            <a:ext cx="993564" cy="913201"/>
+          </a:xfrm>
+          <a:prstGeom prst="rect">
+            <a:avLst/>
+          </a:prstGeom>
+          <a:ln>
+            <a:solidFill>
+              <a:schemeClr val="dk1"/>
+            </a:solidFill>
+          </a:ln>
+        </p:spPr>
+      </p:pic>
+      <p:sp>
+        <p:nvSpPr>
+          <p:cNvPr id="24" name=""/>
+          <p:cNvSpPr txBox="1"/>
+          <p:nvPr/>
+        </p:nvSpPr>
+        <p:spPr>
+          <a:xfrm>
+            <a:off x="6132195" y="3367178"/>
+            <a:ext cx="954405" cy="243351"/>
+          </a:xfrm>
+          <a:prstGeom prst="rect">
+            <a:avLst/>
+          </a:prstGeom>
+        </p:spPr>
+        <p:txBody>
+          <a:bodyPr wrap="none">
+            <a:spAutoFit/>
+          </a:bodyPr>
+          <a:lstStyle/>
+          <a:p>
+            <a:pPr algn="ctr">
+              <a:defRPr/>
+            </a:pPr>
+            <a:r>
+              <a:rPr lang="ko-KR" altLang="en-US" sz="1000" b="1"/>
+              <a:t>라즈베리파이</a:t>
+            </a:r>
+            <a:endParaRPr lang="ko-KR" altLang="en-US" sz="1000" b="1"/>
+          </a:p>
+        </p:txBody>
+      </p:sp>
+      <p:sp>
+        <p:nvSpPr>
+          <p:cNvPr id="25" name=""/>
+          <p:cNvSpPr/>
+          <p:nvPr/>
+        </p:nvSpPr>
+        <p:spPr>
+          <a:xfrm rot="7068785">
+            <a:off x="5384474" y="2495260"/>
+            <a:ext cx="483835" cy="546111"/>
+          </a:xfrm>
+          <a:prstGeom prst="lightningBolt">
+            <a:avLst/>
+          </a:prstGeom>
+          <a:solidFill>
+            <a:srgbClr val="ffd700"/>
+          </a:solidFill>
+        </p:spPr>
+        <p:style>
+          <a:lnRef idx="2">
+            <a:schemeClr val="accent1">
+              <a:shade val="20000"/>
+            </a:schemeClr>
+          </a:lnRef>
+          <a:fillRef idx="1">
+            <a:schemeClr val="accent1"/>
+          </a:fillRef>
+          <a:effectRef idx="0">
+            <a:schemeClr val="accent1"/>
+          </a:effectRef>
+          <a:fontRef idx="minor">
+            <a:schemeClr val="lt1"/>
+          </a:fontRef>
+        </p:style>
+        <p:txBody>
+          <a:bodyPr anchor="ctr"/>
+          <a:lstStyle/>
+          <a:p>
+            <a:pPr algn="ctr">
+              <a:defRPr/>
+            </a:pPr>
+            <a:endParaRPr lang="ko-KR" altLang="en-US"/>
+          </a:p>
+        </p:txBody>
+      </p:sp>
+      <p:sp>
+        <p:nvSpPr>
+          <p:cNvPr id="26" name=""/>
+          <p:cNvSpPr txBox="1"/>
+          <p:nvPr/>
+        </p:nvSpPr>
+        <p:spPr>
+          <a:xfrm>
+            <a:off x="5061585" y="2097889"/>
+            <a:ext cx="1040128" cy="519581"/>
+          </a:xfrm>
+          <a:prstGeom prst="rect">
+            <a:avLst/>
+          </a:prstGeom>
+        </p:spPr>
+        <p:txBody>
+          <a:bodyPr wrap="none">
+            <a:spAutoFit/>
+          </a:bodyPr>
+          <a:lstStyle/>
+          <a:p>
+            <a:pPr algn="ctr">
+              <a:defRPr/>
+            </a:pPr>
+            <a:r>
+              <a:rPr lang="ko-KR" altLang="en-US" sz="700"/>
+              <a:t>블루투스통신을 통한</a:t>
+            </a:r>
+            <a:endParaRPr lang="ko-KR" altLang="en-US" sz="700"/>
+          </a:p>
+          <a:p>
+            <a:pPr algn="ctr">
+              <a:defRPr/>
+            </a:pPr>
+            <a:r>
+              <a:rPr lang="ko-KR" altLang="en-US" sz="700"/>
+              <a:t>온</a:t>
+            </a:r>
+            <a:r>
+              <a:rPr lang="en-US" altLang="ko-KR" sz="700"/>
+              <a:t>/</a:t>
+            </a:r>
+            <a:r>
+              <a:rPr lang="ko-KR" altLang="en-US" sz="700"/>
+              <a:t>습도</a:t>
+            </a:r>
+            <a:r>
+              <a:rPr lang="en-US" altLang="ko-KR" sz="700"/>
+              <a:t>,</a:t>
+            </a:r>
+            <a:r>
+              <a:rPr lang="ko-KR" altLang="en-US" sz="700"/>
+              <a:t> 토양수분</a:t>
+            </a:r>
+            <a:endParaRPr lang="ko-KR" altLang="en-US" sz="700"/>
+          </a:p>
+          <a:p>
+            <a:pPr algn="ctr">
+              <a:defRPr/>
+            </a:pPr>
+            <a:r>
+              <a:rPr lang="ko-KR" altLang="en-US" sz="700"/>
+              <a:t>아두이노의 현재상태</a:t>
+            </a:r>
+            <a:endParaRPr lang="ko-KR" altLang="en-US" sz="700"/>
+          </a:p>
+          <a:p>
+            <a:pPr algn="ctr">
+              <a:defRPr/>
+            </a:pPr>
+            <a:r>
+              <a:rPr lang="ko-KR" altLang="en-US" sz="700"/>
+              <a:t>데이터 전송</a:t>
+            </a:r>
+            <a:endParaRPr lang="ko-KR" altLang="en-US" sz="700"/>
+          </a:p>
+        </p:txBody>
+      </p:sp>
+      <p:sp>
+        <p:nvSpPr>
+          <p:cNvPr id="27" name="직사각형 14"/>
+          <p:cNvSpPr/>
+          <p:nvPr/>
+        </p:nvSpPr>
+        <p:spPr>
+          <a:xfrm>
+            <a:off x="2840833" y="3510893"/>
+            <a:ext cx="967794" cy="625793"/>
+          </a:xfrm>
+          <a:prstGeom prst="rect">
+            <a:avLst/>
+          </a:prstGeom>
+          <a:solidFill>
+            <a:srgbClr val="c0cdef"/>
+          </a:solidFill>
+          <a:ln>
+            <a:noFill/>
+          </a:ln>
+        </p:spPr>
+        <p:style>
+          <a:lnRef idx="2">
+            <a:schemeClr val="accent1">
+              <a:shade val="50000"/>
+            </a:schemeClr>
+          </a:lnRef>
+          <a:fillRef idx="1">
+            <a:schemeClr val="accent1"/>
+          </a:fillRef>
+          <a:effectRef idx="0">
+            <a:schemeClr val="accent1"/>
+          </a:effectRef>
+          <a:fontRef idx="minor">
+            <a:schemeClr val="lt1"/>
+          </a:fontRef>
+        </p:style>
+        <p:txBody>
+          <a:bodyPr anchor="ctr"/>
+          <a:lstStyle/>
+          <a:p>
+            <a:pPr algn="ctr">
+              <a:defRPr/>
+            </a:pPr>
+            <a:r>
+              <a:rPr lang="ko-KR" altLang="en-US" sz="1200" b="1">
+                <a:solidFill>
+                  <a:schemeClr val="tx1"/>
+                </a:solidFill>
+              </a:rPr>
+              <a:t>워터펌프</a:t>
+            </a:r>
+            <a:r>
+              <a:rPr lang="en-US" altLang="ko-KR" sz="1200" b="1">
+                <a:solidFill>
+                  <a:schemeClr val="tx1"/>
+                </a:solidFill>
+              </a:rPr>
+              <a:t>,</a:t>
+            </a:r>
+            <a:r>
+              <a:rPr lang="ko-KR" altLang="en-US" sz="1200" b="1">
+                <a:solidFill>
+                  <a:schemeClr val="tx1"/>
+                </a:solidFill>
+              </a:rPr>
+              <a:t> 환풍기</a:t>
+            </a:r>
+            <a:r>
+              <a:rPr lang="en-US" altLang="ko-KR" sz="1200" b="1">
+                <a:solidFill>
+                  <a:schemeClr val="tx1"/>
+                </a:solidFill>
+              </a:rPr>
+              <a:t>,</a:t>
+            </a:r>
+            <a:endParaRPr lang="en-US" altLang="ko-KR" sz="1200" b="1">
+              <a:solidFill>
+                <a:schemeClr val="tx1"/>
+              </a:solidFill>
+            </a:endParaRPr>
+          </a:p>
+          <a:p>
+            <a:pPr algn="ctr">
+              <a:defRPr/>
+            </a:pPr>
+            <a:r>
+              <a:rPr lang="en-US" altLang="ko-KR" sz="1200" b="1">
+                <a:solidFill>
+                  <a:schemeClr val="tx1"/>
+                </a:solidFill>
+              </a:rPr>
+              <a:t>LED</a:t>
+            </a:r>
+            <a:endParaRPr lang="en-US" altLang="ko-KR" sz="1200" b="1">
+              <a:solidFill>
+                <a:schemeClr val="tx1"/>
+              </a:solidFill>
+            </a:endParaRPr>
+          </a:p>
+        </p:txBody>
+      </p:sp>
+      <p:sp>
+        <p:nvSpPr>
+          <p:cNvPr id="28" name=""/>
+          <p:cNvSpPr txBox="1"/>
+          <p:nvPr/>
+        </p:nvSpPr>
+        <p:spPr>
+          <a:xfrm>
+            <a:off x="5929210" y="5347883"/>
+            <a:ext cx="1305980" cy="423863"/>
+          </a:xfrm>
+          <a:prstGeom prst="rect">
+            <a:avLst/>
+          </a:prstGeom>
+          <a:ln w="25400">
+            <a:solidFill>
+              <a:srgbClr val="6182d6"/>
+            </a:solidFill>
+          </a:ln>
+        </p:spPr>
+        <p:txBody>
+          <a:bodyPr wrap="none">
+            <a:spAutoFit/>
+          </a:bodyPr>
+          <a:lstStyle/>
+          <a:p>
+            <a:pPr>
+              <a:defRPr/>
+            </a:pPr>
+            <a:r>
+              <a:rPr lang="ko-KR" altLang="en-US" sz="2200" b="1">
+                <a:solidFill>
+                  <a:srgbClr val="6182d6"/>
+                </a:solidFill>
+              </a:rPr>
+              <a:t>임베디드</a:t>
+            </a:r>
+            <a:endParaRPr lang="ko-KR" altLang="en-US" sz="2200" b="1">
+              <a:solidFill>
+                <a:srgbClr val="6182d6"/>
+              </a:solidFill>
+            </a:endParaRPr>
+          </a:p>
+        </p:txBody>
+      </p:sp>
+      <p:pic>
+        <p:nvPicPr>
+          <p:cNvPr id="29" name=""/>
+          <p:cNvPicPr>
+            <a:picLocks noChangeAspect="1"/>
+          </p:cNvPicPr>
+          <p:nvPr/>
+        </p:nvPicPr>
+        <p:blipFill rotWithShape="1">
+          <a:blip r:embed="rId5"/>
+          <a:stretch>
+            <a:fillRect/>
+          </a:stretch>
+        </p:blipFill>
+        <p:spPr>
+          <a:xfrm>
+            <a:off x="8596136" y="1739193"/>
+            <a:ext cx="1529409" cy="1062089"/>
+          </a:xfrm>
+          <a:prstGeom prst="rect">
+            <a:avLst/>
+          </a:prstGeom>
+          <a:ln>
+            <a:solidFill>
+              <a:schemeClr val="dk1"/>
+            </a:solidFill>
+          </a:ln>
+        </p:spPr>
+      </p:pic>
+      <p:sp>
+        <p:nvSpPr>
+          <p:cNvPr id="30" name=""/>
+          <p:cNvSpPr txBox="1"/>
+          <p:nvPr/>
+        </p:nvSpPr>
+        <p:spPr>
+          <a:xfrm>
+            <a:off x="10125545" y="1739193"/>
+            <a:ext cx="440055" cy="242996"/>
+          </a:xfrm>
+          <a:prstGeom prst="rect">
+            <a:avLst/>
+          </a:prstGeom>
+        </p:spPr>
+        <p:txBody>
+          <a:bodyPr wrap="none">
+            <a:spAutoFit/>
+          </a:bodyPr>
+          <a:lstStyle/>
+          <a:p>
+            <a:pPr algn="ctr">
+              <a:defRPr/>
+            </a:pPr>
+            <a:r>
+              <a:rPr lang="ko-KR" altLang="en-US" sz="1000" b="1"/>
+              <a:t>어플</a:t>
+            </a:r>
+            <a:endParaRPr lang="ko-KR" altLang="en-US" sz="1000" b="1"/>
+          </a:p>
+        </p:txBody>
+      </p:sp>
+      <p:sp>
+        <p:nvSpPr>
+          <p:cNvPr id="31" name=""/>
+          <p:cNvSpPr/>
+          <p:nvPr/>
+        </p:nvSpPr>
+        <p:spPr>
+          <a:xfrm>
+            <a:off x="8365248" y="1520545"/>
+            <a:ext cx="2994279" cy="1640398"/>
+          </a:xfrm>
+          <a:prstGeom prst="rect">
+            <a:avLst/>
+          </a:prstGeom>
+          <a:noFill/>
+          <a:ln w="25400">
+            <a:solidFill>
+              <a:srgbClr val="289b6e"/>
+            </a:solidFill>
+          </a:ln>
+        </p:spPr>
+        <p:style>
+          <a:lnRef idx="2">
+            <a:schemeClr val="accent1">
+              <a:shade val="20000"/>
+            </a:schemeClr>
+          </a:lnRef>
+          <a:fillRef idx="1">
+            <a:schemeClr val="accent1"/>
+          </a:fillRef>
+          <a:effectRef idx="0">
+            <a:schemeClr val="accent1"/>
+          </a:effectRef>
+          <a:fontRef idx="minor">
+            <a:schemeClr val="lt1"/>
+          </a:fontRef>
+        </p:style>
+        <p:txBody>
+          <a:bodyPr anchor="ctr"/>
+          <a:lstStyle/>
+          <a:p>
+            <a:pPr algn="ctr">
+              <a:defRPr/>
+            </a:pPr>
+            <a:endParaRPr lang="en-US" altLang="ko-KR"/>
+          </a:p>
+        </p:txBody>
+      </p:sp>
+      <p:sp>
+        <p:nvSpPr>
+          <p:cNvPr id="32" name=""/>
+          <p:cNvSpPr txBox="1"/>
+          <p:nvPr/>
+        </p:nvSpPr>
+        <p:spPr>
+          <a:xfrm>
+            <a:off x="10253869" y="2873748"/>
+            <a:ext cx="1096135" cy="286647"/>
+          </a:xfrm>
+          <a:prstGeom prst="rect">
+            <a:avLst/>
+          </a:prstGeom>
+          <a:ln w="25400">
+            <a:solidFill>
+              <a:srgbClr val="289b6e"/>
+            </a:solidFill>
+          </a:ln>
+        </p:spPr>
+        <p:txBody>
+          <a:bodyPr wrap="square">
+            <a:spAutoFit/>
+          </a:bodyPr>
+          <a:lstStyle/>
+          <a:p>
+            <a:pPr>
+              <a:defRPr/>
+            </a:pPr>
+            <a:r>
+              <a:rPr lang="ko-KR" altLang="en-US" sz="1300" b="1">
+                <a:solidFill>
+                  <a:srgbClr val="289b6e"/>
+                </a:solidFill>
+              </a:rPr>
+              <a:t> 안드로이드</a:t>
+            </a:r>
+            <a:endParaRPr lang="ko-KR" altLang="en-US" sz="1300" b="1">
+              <a:solidFill>
+                <a:srgbClr val="289b6e"/>
+              </a:solidFill>
+            </a:endParaRPr>
+          </a:p>
+        </p:txBody>
+      </p:sp>
+      <p:sp>
+        <p:nvSpPr>
+          <p:cNvPr id="33" name=""/>
+          <p:cNvSpPr/>
+          <p:nvPr/>
+        </p:nvSpPr>
+        <p:spPr>
+          <a:xfrm rot="18000000">
+            <a:off x="5353067" y="2789510"/>
+            <a:ext cx="483835" cy="546111"/>
+          </a:xfrm>
+          <a:prstGeom prst="lightningBolt">
+            <a:avLst/>
+          </a:prstGeom>
+          <a:solidFill>
+            <a:srgbClr val="ffd700"/>
+          </a:solidFill>
+        </p:spPr>
+        <p:style>
+          <a:lnRef idx="2">
+            <a:schemeClr val="accent1">
+              <a:shade val="20000"/>
+            </a:schemeClr>
+          </a:lnRef>
+          <a:fillRef idx="1">
+            <a:schemeClr val="accent1"/>
+          </a:fillRef>
+          <a:effectRef idx="0">
+            <a:schemeClr val="accent1"/>
+          </a:effectRef>
+          <a:fontRef idx="minor">
+            <a:schemeClr val="lt1"/>
+          </a:fontRef>
+        </p:style>
+        <p:txBody>
+          <a:bodyPr anchor="ctr"/>
+          <a:lstStyle/>
+          <a:p>
+            <a:pPr algn="ctr">
+              <a:defRPr/>
+            </a:pPr>
+            <a:endParaRPr lang="ko-KR" altLang="en-US"/>
+          </a:p>
+        </p:txBody>
+      </p:sp>
+      <p:sp>
+        <p:nvSpPr>
+          <p:cNvPr id="34" name=""/>
+          <p:cNvSpPr txBox="1"/>
+          <p:nvPr/>
+        </p:nvSpPr>
+        <p:spPr>
+          <a:xfrm>
+            <a:off x="5074920" y="3199062"/>
+            <a:ext cx="1021080" cy="410509"/>
+          </a:xfrm>
+          <a:prstGeom prst="rect">
+            <a:avLst/>
+          </a:prstGeom>
+        </p:spPr>
+        <p:txBody>
+          <a:bodyPr wrap="none">
+            <a:spAutoFit/>
+          </a:bodyPr>
+          <a:lstStyle/>
+          <a:p>
+            <a:pPr algn="ctr">
+              <a:defRPr/>
+            </a:pPr>
+            <a:r>
+              <a:rPr lang="ko-KR" altLang="en-US" sz="700"/>
+              <a:t>블루투스통신을 통한</a:t>
+            </a:r>
+            <a:endParaRPr lang="ko-KR" altLang="en-US" sz="700"/>
+          </a:p>
+          <a:p>
+            <a:pPr algn="ctr">
+              <a:defRPr/>
+            </a:pPr>
+            <a:r>
+              <a:rPr lang="ko-KR" altLang="en-US" sz="700"/>
+              <a:t>자동 제어</a:t>
+            </a:r>
+            <a:r>
+              <a:rPr lang="en-US" altLang="ko-KR" sz="700"/>
+              <a:t>,</a:t>
+            </a:r>
+            <a:r>
+              <a:rPr lang="ko-KR" altLang="en-US" sz="700"/>
+              <a:t> 수동제어</a:t>
+            </a:r>
+            <a:endParaRPr lang="ko-KR" altLang="en-US" sz="700"/>
+          </a:p>
+          <a:p>
+            <a:pPr algn="ctr">
+              <a:defRPr/>
+            </a:pPr>
+            <a:r>
+              <a:rPr lang="ko-KR" altLang="en-US" sz="700"/>
+              <a:t>데이터 전송</a:t>
+            </a:r>
+            <a:endParaRPr lang="ko-KR" altLang="en-US" sz="700"/>
+          </a:p>
+        </p:txBody>
+      </p:sp>
+      <p:cxnSp>
+        <p:nvCxnSpPr>
+          <p:cNvPr id="35" name=""/>
+          <p:cNvCxnSpPr/>
+          <p:nvPr/>
+        </p:nvCxnSpPr>
+        <p:spPr>
+          <a:xfrm rot="5400000">
+            <a:off x="3736364" y="3476203"/>
+            <a:ext cx="419849" cy="275322"/>
+          </a:xfrm>
+          <a:prstGeom prst="bentConnector2">
+            <a:avLst/>
+          </a:prstGeom>
+          <a:ln w="25400">
+            <a:solidFill>
+              <a:schemeClr val="dk1"/>
+            </a:solidFill>
+            <a:tailEnd type="arrow"/>
+          </a:ln>
+        </p:spPr>
+        <p:style>
+          <a:lnRef idx="1">
+            <a:schemeClr val="accent1"/>
+          </a:lnRef>
+          <a:fillRef idx="0">
+            <a:schemeClr val="accent1"/>
+          </a:fillRef>
+          <a:effectRef idx="0">
+            <a:schemeClr val="accent1"/>
+          </a:effectRef>
+          <a:fontRef idx="minor">
+            <a:schemeClr val="tx1"/>
+          </a:fontRef>
+        </p:style>
+      </p:cxnSp>
+      <p:cxnSp>
+        <p:nvCxnSpPr>
+          <p:cNvPr id="36" name=""/>
+          <p:cNvCxnSpPr/>
+          <p:nvPr/>
+        </p:nvCxnSpPr>
+        <p:spPr>
+          <a:xfrm rot="10800000">
+            <a:off x="2477261" y="3823789"/>
+            <a:ext cx="363572" cy="0"/>
+          </a:xfrm>
+          <a:prstGeom prst="straightConnector1">
+            <a:avLst/>
+          </a:prstGeom>
+          <a:ln w="25400">
+            <a:solidFill>
+              <a:schemeClr val="dk1"/>
+            </a:solidFill>
+            <a:tailEnd type="arrow"/>
+          </a:ln>
+        </p:spPr>
+        <p:style>
+          <a:lnRef idx="1">
+            <a:schemeClr val="accent1"/>
+          </a:lnRef>
+          <a:fillRef idx="0">
+            <a:schemeClr val="accent1"/>
+          </a:fillRef>
+          <a:effectRef idx="0">
+            <a:schemeClr val="accent1"/>
+          </a:effectRef>
+          <a:fontRef idx="minor">
+            <a:schemeClr val="tx1"/>
+          </a:fontRef>
+        </p:style>
+      </p:cxnSp>
+      <p:pic>
+        <p:nvPicPr>
+          <p:cNvPr id="37" name="그림 13"/>
+          <p:cNvPicPr>
+            <a:picLocks noChangeAspect="1"/>
+          </p:cNvPicPr>
+          <p:nvPr/>
+        </p:nvPicPr>
+        <p:blipFill rotWithShape="1">
+          <a:blip r:embed="rId6"/>
+          <a:stretch>
+            <a:fillRect/>
+          </a:stretch>
+        </p:blipFill>
+        <p:spPr>
+          <a:xfrm>
+            <a:off x="8710310" y="3580466"/>
+            <a:ext cx="1301060" cy="920262"/>
+          </a:xfrm>
+          <a:prstGeom prst="rect">
+            <a:avLst/>
+          </a:prstGeom>
+          <a:ln>
+            <a:solidFill>
+              <a:schemeClr val="dk1"/>
+            </a:solidFill>
+          </a:ln>
+        </p:spPr>
+      </p:pic>
+      <p:cxnSp>
+        <p:nvCxnSpPr>
+          <p:cNvPr id="42" name=""/>
+          <p:cNvCxnSpPr/>
+          <p:nvPr/>
+        </p:nvCxnSpPr>
+        <p:spPr>
+          <a:xfrm rot="10800000" flipV="1">
+            <a:off x="7093374" y="2270238"/>
+            <a:ext cx="1502762" cy="398985"/>
+          </a:xfrm>
+          <a:prstGeom prst="bentConnector3">
+            <a:avLst>
+              <a:gd name="adj1" fmla="val 50000"/>
+            </a:avLst>
+          </a:prstGeom>
+          <a:ln w="25400">
+            <a:solidFill>
+              <a:schemeClr val="dk1"/>
+            </a:solidFill>
+            <a:tailEnd type="arrow"/>
+          </a:ln>
+        </p:spPr>
+        <p:style>
+          <a:lnRef idx="1">
+            <a:schemeClr val="accent1"/>
+          </a:lnRef>
+          <a:fillRef idx="0">
+            <a:schemeClr val="accent1"/>
+          </a:fillRef>
+          <a:effectRef idx="0">
+            <a:schemeClr val="accent1"/>
+          </a:effectRef>
+          <a:fontRef idx="minor">
+            <a:schemeClr val="tx1"/>
+          </a:fontRef>
+        </p:style>
+      </p:cxnSp>
+      <p:sp>
+        <p:nvSpPr>
+          <p:cNvPr id="43" name=""/>
+          <p:cNvSpPr txBox="1"/>
+          <p:nvPr/>
+        </p:nvSpPr>
+        <p:spPr>
+          <a:xfrm>
+            <a:off x="7160895" y="2221060"/>
+            <a:ext cx="735329" cy="449208"/>
+          </a:xfrm>
+          <a:prstGeom prst="rect">
+            <a:avLst/>
+          </a:prstGeom>
+        </p:spPr>
+        <p:txBody>
+          <a:bodyPr wrap="none">
+            <a:spAutoFit/>
+          </a:bodyPr>
+          <a:lstStyle/>
+          <a:p>
+            <a:pPr algn="ctr">
+              <a:defRPr/>
+            </a:pPr>
+            <a:r>
+              <a:rPr lang="ko-KR" altLang="en-US" sz="800"/>
+              <a:t>자동 제어</a:t>
+            </a:r>
+            <a:r>
+              <a:rPr lang="en-US" altLang="ko-KR" sz="800"/>
+              <a:t>,</a:t>
+            </a:r>
+            <a:endParaRPr lang="en-US" altLang="ko-KR" sz="800"/>
+          </a:p>
+          <a:p>
+            <a:pPr algn="ctr">
+              <a:defRPr/>
+            </a:pPr>
+            <a:r>
+              <a:rPr lang="ko-KR" altLang="en-US" sz="800"/>
+              <a:t>수동제어</a:t>
+            </a:r>
+            <a:endParaRPr lang="ko-KR" altLang="en-US" sz="800"/>
+          </a:p>
+          <a:p>
+            <a:pPr algn="ctr">
+              <a:defRPr/>
+            </a:pPr>
+            <a:r>
+              <a:rPr lang="ko-KR" altLang="en-US" sz="800"/>
+              <a:t>데이터 전송</a:t>
+            </a:r>
+            <a:endParaRPr lang="ko-KR" altLang="en-US" sz="800"/>
+          </a:p>
+        </p:txBody>
+      </p:sp>
+      <p:cxnSp>
+        <p:nvCxnSpPr>
+          <p:cNvPr id="44" name=""/>
+          <p:cNvCxnSpPr>
+            <a:endCxn id="37" idx="1"/>
+          </p:cNvCxnSpPr>
+          <p:nvPr/>
+        </p:nvCxnSpPr>
+        <p:spPr>
+          <a:xfrm>
+            <a:off x="7093374" y="3109690"/>
+            <a:ext cx="1616936" cy="930907"/>
+          </a:xfrm>
+          <a:prstGeom prst="bentConnector3">
+            <a:avLst>
+              <a:gd name="adj1" fmla="val 50000"/>
+            </a:avLst>
+          </a:prstGeom>
+          <a:ln w="25400">
+            <a:solidFill>
+              <a:schemeClr val="dk1"/>
+            </a:solidFill>
+            <a:tailEnd type="arrow"/>
+          </a:ln>
+        </p:spPr>
+        <p:style>
+          <a:lnRef idx="1">
+            <a:schemeClr val="accent1"/>
+          </a:lnRef>
+          <a:fillRef idx="0">
+            <a:schemeClr val="accent1"/>
+          </a:fillRef>
+          <a:effectRef idx="0">
+            <a:schemeClr val="accent1"/>
+          </a:effectRef>
+          <a:fontRef idx="minor">
+            <a:schemeClr val="tx1"/>
+          </a:fontRef>
+        </p:style>
+      </p:cxnSp>
+      <p:sp>
+        <p:nvSpPr>
+          <p:cNvPr id="45" name=""/>
+          <p:cNvSpPr txBox="1"/>
+          <p:nvPr/>
+        </p:nvSpPr>
+        <p:spPr>
+          <a:xfrm>
+            <a:off x="7160895" y="3147789"/>
+            <a:ext cx="735329" cy="452257"/>
+          </a:xfrm>
+          <a:prstGeom prst="rect">
+            <a:avLst/>
+          </a:prstGeom>
+        </p:spPr>
+        <p:txBody>
+          <a:bodyPr wrap="none">
+            <a:spAutoFit/>
+          </a:bodyPr>
+          <a:lstStyle/>
+          <a:p>
+            <a:pPr algn="ctr">
+              <a:defRPr/>
+            </a:pPr>
+            <a:r>
+              <a:rPr lang="ko-KR" altLang="en-US" sz="800"/>
+              <a:t>온</a:t>
+            </a:r>
+            <a:r>
+              <a:rPr lang="en-US" altLang="ko-KR" sz="800"/>
+              <a:t>/</a:t>
+            </a:r>
+            <a:r>
+              <a:rPr lang="ko-KR" altLang="en-US" sz="800"/>
+              <a:t>습도</a:t>
+            </a:r>
+            <a:r>
+              <a:rPr lang="en-US" altLang="ko-KR" sz="800"/>
+              <a:t>,</a:t>
+            </a:r>
+            <a:endParaRPr lang="en-US" altLang="ko-KR" sz="800"/>
+          </a:p>
+          <a:p>
+            <a:pPr algn="ctr">
+              <a:defRPr/>
+            </a:pPr>
+            <a:r>
+              <a:rPr lang="ko-KR" altLang="en-US" sz="800"/>
+              <a:t>토양수분</a:t>
+            </a:r>
+            <a:endParaRPr lang="ko-KR" altLang="en-US" sz="800"/>
+          </a:p>
+          <a:p>
+            <a:pPr algn="ctr">
+              <a:defRPr/>
+            </a:pPr>
+            <a:r>
+              <a:rPr lang="ko-KR" altLang="en-US" sz="800"/>
+              <a:t>데이터 전송</a:t>
+            </a:r>
+            <a:endParaRPr lang="ko-KR" altLang="en-US" sz="800"/>
+          </a:p>
+        </p:txBody>
+      </p:sp>
+      <p:cxnSp>
+        <p:nvCxnSpPr>
+          <p:cNvPr id="48" name=""/>
+          <p:cNvCxnSpPr/>
+          <p:nvPr/>
+        </p:nvCxnSpPr>
+        <p:spPr>
+          <a:xfrm rot="16200000" flipH="1">
+            <a:off x="9007603" y="3192589"/>
+            <a:ext cx="737254" cy="11791"/>
+          </a:xfrm>
+          <a:prstGeom prst="straightConnector1">
+            <a:avLst/>
+          </a:prstGeom>
+          <a:ln w="25400">
+            <a:solidFill>
+              <a:schemeClr val="dk1"/>
+            </a:solidFill>
+            <a:headEnd type="arrow"/>
+            <a:tailEnd type="arrow"/>
+          </a:ln>
+        </p:spPr>
+        <p:style>
+          <a:lnRef idx="1">
+            <a:schemeClr val="accent1"/>
+          </a:lnRef>
+          <a:fillRef idx="0">
+            <a:schemeClr val="accent1"/>
+          </a:fillRef>
+          <a:effectRef idx="0">
+            <a:schemeClr val="accent1"/>
+          </a:effectRef>
+          <a:fontRef idx="minor">
+            <a:schemeClr val="tx1"/>
+          </a:fontRef>
+        </p:style>
+      </p:cxnSp>
+      <p:sp>
+        <p:nvSpPr>
+          <p:cNvPr id="52" name=""/>
+          <p:cNvSpPr txBox="1"/>
+          <p:nvPr/>
+        </p:nvSpPr>
+        <p:spPr>
+          <a:xfrm>
+            <a:off x="7496172" y="4731067"/>
+            <a:ext cx="4695828" cy="1782127"/>
+          </a:xfrm>
+          <a:prstGeom prst="rect">
+            <a:avLst/>
+          </a:prstGeom>
+        </p:spPr>
+        <p:txBody>
+          <a:bodyPr vert="horz" wrap="square" lIns="91440" tIns="45720" rIns="91440" bIns="45720" anchor="t">
+            <a:spAutoFit/>
+          </a:bodyPr>
+          <a:p>
+            <a:pPr algn="ctr">
+              <a:spcBef>
+                <a:spcPts val="100"/>
+              </a:spcBef>
+              <a:spcAft>
+                <a:spcPts val="100"/>
+              </a:spcAft>
+              <a:defRPr/>
+            </a:pPr>
+            <a:r>
+              <a:rPr lang="ko-KR" altLang="en-US" sz="1700" b="1" spc="100">
+                <a:solidFill>
+                  <a:schemeClr val="tx1"/>
+                </a:solidFill>
+              </a:rPr>
+              <a:t>아두이노 제어코드</a:t>
+            </a:r>
+            <a:endParaRPr lang="ko-KR" altLang="en-US" sz="1700" b="1" spc="100">
+              <a:solidFill>
+                <a:schemeClr val="tx1"/>
+              </a:solidFill>
+            </a:endParaRPr>
+          </a:p>
+          <a:p>
+            <a:pPr>
+              <a:spcBef>
+                <a:spcPts val="100"/>
+              </a:spcBef>
+              <a:spcAft>
+                <a:spcPts val="100"/>
+              </a:spcAft>
+              <a:defRPr/>
+            </a:pPr>
+            <a:r>
+              <a:rPr lang="en-US" altLang="en-US" sz="1400" b="0" spc="100">
+                <a:solidFill>
+                  <a:schemeClr val="tx1"/>
+                </a:solidFill>
+              </a:rPr>
+              <a:t>1001:워터펌프 활성화  | 1000:워터펌프 비활성화</a:t>
+            </a:r>
+            <a:endParaRPr lang="en-US" altLang="en-US" sz="1400" b="0" spc="100">
+              <a:solidFill>
+                <a:schemeClr val="tx1"/>
+              </a:solidFill>
+            </a:endParaRPr>
+          </a:p>
+          <a:p>
+            <a:pPr>
+              <a:spcBef>
+                <a:spcPts val="100"/>
+              </a:spcBef>
+              <a:spcAft>
+                <a:spcPts val="100"/>
+              </a:spcAft>
+              <a:defRPr/>
+            </a:pPr>
+            <a:r>
+              <a:rPr lang="en-US" altLang="en-US" sz="1400" b="0" spc="100">
+                <a:solidFill>
+                  <a:schemeClr val="tx1"/>
+                </a:solidFill>
+              </a:rPr>
+              <a:t>2001:환풍기 활성화    | 2000:환풍기 비활성화</a:t>
+            </a:r>
+            <a:endParaRPr lang="en-US" altLang="en-US" sz="1400" b="0" spc="100">
+              <a:solidFill>
+                <a:schemeClr val="tx1"/>
+              </a:solidFill>
+            </a:endParaRPr>
+          </a:p>
+          <a:p>
+            <a:pPr>
+              <a:spcBef>
+                <a:spcPts val="100"/>
+              </a:spcBef>
+              <a:spcAft>
+                <a:spcPts val="100"/>
+              </a:spcAft>
+              <a:defRPr/>
+            </a:pPr>
+            <a:r>
+              <a:rPr lang="en-US" altLang="en-US" sz="1400" b="0" spc="100">
+                <a:solidFill>
+                  <a:schemeClr val="tx1"/>
+                </a:solidFill>
+              </a:rPr>
+              <a:t>3001:LED 활성화       | 3000:LED 비활성화</a:t>
+            </a:r>
+            <a:endParaRPr lang="en-US" altLang="en-US" sz="1400" b="0" spc="100">
+              <a:solidFill>
+                <a:schemeClr val="tx1"/>
+              </a:solidFill>
+            </a:endParaRPr>
+          </a:p>
+          <a:p>
+            <a:pPr>
+              <a:spcBef>
+                <a:spcPts val="100"/>
+              </a:spcBef>
+              <a:spcAft>
+                <a:spcPts val="100"/>
+              </a:spcAft>
+              <a:defRPr/>
+            </a:pPr>
+            <a:r>
+              <a:rPr lang="en-US" altLang="en-US" sz="1400" b="0" spc="100">
+                <a:solidFill>
+                  <a:schemeClr val="tx1"/>
+                </a:solidFill>
+              </a:rPr>
+              <a:t>4***:자동모드 토양수분량 설정</a:t>
+            </a:r>
+            <a:endParaRPr lang="en-US" altLang="en-US" sz="1400" b="0" spc="100">
+              <a:solidFill>
+                <a:schemeClr val="tx1"/>
+              </a:solidFill>
+            </a:endParaRPr>
+          </a:p>
+          <a:p>
+            <a:pPr>
+              <a:spcBef>
+                <a:spcPts val="100"/>
+              </a:spcBef>
+              <a:spcAft>
+                <a:spcPts val="100"/>
+              </a:spcAft>
+              <a:defRPr/>
+            </a:pPr>
+            <a:r>
+              <a:rPr lang="en-US" altLang="en-US" sz="1400" b="0" spc="100">
+                <a:solidFill>
+                  <a:schemeClr val="tx1"/>
+                </a:solidFill>
+              </a:rPr>
+              <a:t>5***:자동모드 습도 조절</a:t>
+            </a:r>
+            <a:endParaRPr lang="en-US" altLang="en-US" sz="1400" b="0" spc="100">
+              <a:solidFill>
+                <a:schemeClr val="tx1"/>
+              </a:solidFill>
+            </a:endParaRPr>
+          </a:p>
+          <a:p>
+            <a:pPr>
+              <a:spcBef>
+                <a:spcPts val="100"/>
+              </a:spcBef>
+              <a:spcAft>
+                <a:spcPts val="100"/>
+              </a:spcAft>
+              <a:defRPr/>
+            </a:pPr>
+            <a:r>
+              <a:rPr lang="en-US" altLang="en-US" sz="1400" b="0" spc="100">
+                <a:solidFill>
+                  <a:schemeClr val="tx1"/>
+                </a:solidFill>
+              </a:rPr>
+              <a:t>9001:자동모드 ON      | 9000:자동모드 OFF</a:t>
+            </a:r>
+            <a:endParaRPr lang="en-US" altLang="en-US" sz="1400" b="0" spc="100">
+              <a:solidFill>
+                <a:schemeClr val="tx1"/>
+              </a:solidFill>
+            </a:endParaRPr>
+          </a:p>
+        </p:txBody>
+      </p:sp>
     </p:spTree>
-    <p:extLst>
-      <p:ext uri="{BB962C8B-B14F-4D97-AF65-F5344CB8AC3E}">
-        <p14:creationId xmlns:p14="http://schemas.microsoft.com/office/powerpoint/2010/main" val="421007983"/>
-      </p:ext>
-    </p:extLst>
   </p:cSld>
   <p:clrMapOvr>
     <a:masterClrMapping/>
   </p:clrMapOvr>
+  <mc:AlternateContent xmlns:mc="http://schemas.openxmlformats.org/markup-compatibility/2006">
+    <mc:Choice xmlns:p14="http://schemas.microsoft.com/office/powerpoint/2010/main" Requires="p14">
+      <p:transition xmlns:mc="http://schemas.openxmlformats.org/markup-compatibility/2006" xmlns:p14="http://schemas.microsoft.com/office/powerpoint/2010/main" mc:Ignorable="p14" p14:dur="500"/>
+    </mc:Choice>
+    <mc:Fallback>
+      <p:transition/>
+    </mc:Fallback>
+  </mc:AlternateContent>
 </p:sld>
 </file>
 
 <file path=ppt/slides/slide8.xml><?xml version="1.0" encoding="utf-8"?>
-<p:sld xmlns:a="http://schemas.openxmlformats.org/drawingml/2006/main" xmlns:r="http://schemas.openxmlformats.org/officeDocument/2006/relationships" xmlns:p="http://schemas.openxmlformats.org/presentationml/2006/main">
+<p:sld xmlns:r="http://schemas.openxmlformats.org/officeDocument/2006/relationships" xmlns:c="http://schemas.openxmlformats.org/drawingml/2006/chart" xmlns:a="http://schemas.openxmlformats.org/drawingml/2006/main" xmlns:dgm="http://schemas.openxmlformats.org/drawingml/2006/diagram" xmlns:dsp="http://schemas.microsoft.com/office/drawing/2008/diagram" xmlns:p="http://schemas.openxmlformats.org/presentationml/2006/main">
   <p:cSld>
     <p:spTree>
       <p:nvGrpSpPr>
@@ -6887,13 +10504,7 @@
       </p:grpSpPr>
       <p:sp>
         <p:nvSpPr>
-          <p:cNvPr id="9" name="직사각형 8">
-            <a:extLst>
-              <a:ext uri="{FF2B5EF4-FFF2-40B4-BE49-F238E27FC236}">
-                <a16:creationId xmlns:a16="http://schemas.microsoft.com/office/drawing/2014/main" id="{9A30FD79-8C4F-4B1C-B89F-D3B99C9D6301}"/>
-              </a:ext>
-            </a:extLst>
-          </p:cNvPr>
+          <p:cNvPr id="9" name="직사각형 8"/>
           <p:cNvSpPr/>
           <p:nvPr/>
         </p:nvSpPr>
@@ -6929,7 +10540,7 @@
           </a:fontRef>
         </p:style>
         <p:txBody>
-          <a:bodyPr rtlCol="0" anchor="ctr"/>
+          <a:bodyPr anchor="ctr"/>
           <a:lstStyle/>
           <a:p>
             <a:pPr algn="ctr" latinLnBrk="0">
@@ -6939,7 +10550,7 @@
               <a:defRPr/>
             </a:pPr>
             <a:r>
-              <a:rPr lang="ko-KR" altLang="en-US" sz="2400" b="1" i="1" kern="0" dirty="0">
+              <a:rPr lang="ko-KR" altLang="en-US" sz="2400" b="1" i="1" kern="0">
                 <a:solidFill>
                   <a:prstClr val="black">
                     <a:lumMod val="75000"/>
@@ -6947,9 +10558,9 @@
                   </a:prstClr>
                 </a:solidFill>
               </a:rPr>
-              <a:t>딥러닝 기능 소개</a:t>
-            </a:r>
-            <a:endParaRPr lang="en-US" altLang="ko-KR" sz="2400" b="1" i="1" kern="0" dirty="0">
+              <a:t>임베디드 코드 소개</a:t>
+            </a:r>
+            <a:endParaRPr lang="ko-KR" altLang="en-US" sz="2400" b="1" i="1" kern="0">
               <a:solidFill>
                 <a:prstClr val="black">
                   <a:lumMod val="75000"/>
@@ -6962,16 +10573,8 @@
       </p:sp>
       <p:cxnSp>
         <p:nvCxnSpPr>
-          <p:cNvPr id="10" name="직선 연결선 9">
-            <a:extLst>
-              <a:ext uri="{FF2B5EF4-FFF2-40B4-BE49-F238E27FC236}">
-                <a16:creationId xmlns:a16="http://schemas.microsoft.com/office/drawing/2014/main" id="{A79CFBBA-2C61-4EDA-9A68-EC8E2EABE0F5}"/>
-              </a:ext>
-            </a:extLst>
-          </p:cNvPr>
-          <p:cNvCxnSpPr>
-            <a:cxnSpLocks/>
-          </p:cNvCxnSpPr>
+          <p:cNvPr id="10" name="직선 연결선 9"/>
+          <p:cNvCxnSpPr/>
           <p:nvPr/>
         </p:nvCxnSpPr>
         <p:spPr>
@@ -7004,68 +10607,540 @@
           </a:fontRef>
         </p:style>
       </p:cxnSp>
+      <p:pic>
+        <p:nvPicPr>
+          <p:cNvPr id="34" name=""/>
+          <p:cNvPicPr>
+            <a:picLocks noChangeAspect="1"/>
+          </p:cNvPicPr>
+          <p:nvPr/>
+        </p:nvPicPr>
+        <p:blipFill rotWithShape="1">
+          <a:blip r:embed="rId2"/>
+          <a:stretch>
+            <a:fillRect/>
+          </a:stretch>
+        </p:blipFill>
+        <p:spPr>
+          <a:xfrm>
+            <a:off x="0" y="1166653"/>
+            <a:ext cx="9335802" cy="1829117"/>
+          </a:xfrm>
+          <a:prstGeom prst="rect">
+            <a:avLst/>
+          </a:prstGeom>
+        </p:spPr>
+      </p:pic>
+      <p:sp>
+        <p:nvSpPr>
+          <p:cNvPr id="37" name=""/>
+          <p:cNvSpPr/>
+          <p:nvPr/>
+        </p:nvSpPr>
+        <p:spPr>
+          <a:xfrm>
+            <a:off x="0" y="2986087"/>
+            <a:ext cx="12192000" cy="95250"/>
+          </a:xfrm>
+          <a:prstGeom prst="rect">
+            <a:avLst/>
+          </a:prstGeom>
+          <a:solidFill>
+            <a:schemeClr val="dk1"/>
+          </a:solidFill>
+        </p:spPr>
+        <p:style>
+          <a:lnRef idx="2">
+            <a:schemeClr val="accent1">
+              <a:shade val="20000"/>
+            </a:schemeClr>
+          </a:lnRef>
+          <a:fillRef idx="1">
+            <a:schemeClr val="accent1"/>
+          </a:fillRef>
+          <a:effectRef idx="0">
+            <a:schemeClr val="accent1"/>
+          </a:effectRef>
+          <a:fontRef idx="minor">
+            <a:schemeClr val="lt1"/>
+          </a:fontRef>
+        </p:style>
+        <p:txBody>
+          <a:bodyPr anchor="ctr"/>
+          <a:p>
+            <a:pPr algn="ctr">
+              <a:defRPr/>
+            </a:pPr>
+            <a:endParaRPr lang="ko-KR" altLang="en-US"/>
+          </a:p>
+        </p:txBody>
+      </p:sp>
+      <p:pic>
+        <p:nvPicPr>
+          <p:cNvPr id="38" name=""/>
+          <p:cNvPicPr>
+            <a:picLocks noChangeAspect="1"/>
+          </p:cNvPicPr>
+          <p:nvPr/>
+        </p:nvPicPr>
+        <p:blipFill rotWithShape="1">
+          <a:blip r:embed="rId3"/>
+          <a:stretch>
+            <a:fillRect/>
+          </a:stretch>
+        </p:blipFill>
+        <p:spPr>
+          <a:xfrm>
+            <a:off x="0" y="3105150"/>
+            <a:ext cx="12192000" cy="3752850"/>
+          </a:xfrm>
+          <a:prstGeom prst="rect">
+            <a:avLst/>
+          </a:prstGeom>
+        </p:spPr>
+      </p:pic>
     </p:spTree>
-    <p:extLst>
-      <p:ext uri="{BB962C8B-B14F-4D97-AF65-F5344CB8AC3E}">
-        <p14:creationId xmlns:p14="http://schemas.microsoft.com/office/powerpoint/2010/main" val="3253432830"/>
-      </p:ext>
-    </p:extLst>
   </p:cSld>
   <p:clrMapOvr>
     <a:masterClrMapping/>
   </p:clrMapOvr>
+  <mc:AlternateContent xmlns:mc="http://schemas.openxmlformats.org/markup-compatibility/2006">
+    <mc:Choice xmlns:p14="http://schemas.microsoft.com/office/powerpoint/2010/main" Requires="p14">
+      <p:transition xmlns:mc="http://schemas.openxmlformats.org/markup-compatibility/2006" xmlns:p14="http://schemas.microsoft.com/office/powerpoint/2010/main" mc:Ignorable="p14" p14:dur="500"/>
+    </mc:Choice>
+    <mc:Fallback>
+      <p:transition/>
+    </mc:Fallback>
+  </mc:AlternateContent>
+</p:sld>
+</file>
+
+<file path=ppt/slides/slide9.xml><?xml version="1.0" encoding="utf-8"?>
+<p:sld xmlns:r="http://schemas.openxmlformats.org/officeDocument/2006/relationships" xmlns:c="http://schemas.openxmlformats.org/drawingml/2006/chart" xmlns:a="http://schemas.openxmlformats.org/drawingml/2006/main" xmlns:dgm="http://schemas.openxmlformats.org/drawingml/2006/diagram" xmlns:dsp="http://schemas.microsoft.com/office/drawing/2008/diagram" xmlns:p="http://schemas.openxmlformats.org/presentationml/2006/main">
+  <p:cSld>
+    <p:spTree>
+      <p:nvGrpSpPr>
+        <p:cNvPr id="1" name=""/>
+        <p:cNvGrpSpPr/>
+        <p:nvPr/>
+      </p:nvGrpSpPr>
+      <p:grpSpPr>
+        <a:xfrm>
+          <a:off x="0" y="0"/>
+          <a:ext cx="0" cy="0"/>
+          <a:chOff x="0" y="0"/>
+          <a:chExt cx="0" cy="0"/>
+        </a:xfrm>
+      </p:grpSpPr>
+      <p:sp>
+        <p:nvSpPr>
+          <p:cNvPr id="9" name="직사각형 8"/>
+          <p:cNvSpPr/>
+          <p:nvPr/>
+        </p:nvSpPr>
+        <p:spPr>
+          <a:xfrm>
+            <a:off x="0" y="0"/>
+            <a:ext cx="12192000" cy="972187"/>
+          </a:xfrm>
+          <a:prstGeom prst="rect">
+            <a:avLst/>
+          </a:prstGeom>
+          <a:solidFill>
+            <a:schemeClr val="bg1"/>
+          </a:solidFill>
+          <a:ln>
+            <a:noFill/>
+          </a:ln>
+        </p:spPr>
+        <p:style>
+          <a:lnRef idx="2">
+            <a:schemeClr val="accent1">
+              <a:shade val="50000"/>
+            </a:schemeClr>
+          </a:lnRef>
+          <a:fillRef idx="1">
+            <a:schemeClr val="accent1"/>
+          </a:fillRef>
+          <a:effectRef idx="0">
+            <a:schemeClr val="accent1"/>
+          </a:effectRef>
+          <a:fontRef idx="minor">
+            <a:schemeClr val="lt1"/>
+          </a:fontRef>
+        </p:style>
+        <p:txBody>
+          <a:bodyPr anchor="ctr"/>
+          <a:lstStyle/>
+          <a:p>
+            <a:pPr algn="ctr" latinLnBrk="0">
+              <a:lnSpc>
+                <a:spcPct val="150000"/>
+              </a:lnSpc>
+              <a:defRPr/>
+            </a:pPr>
+            <a:r>
+              <a:rPr lang="ko-KR" altLang="en-US" sz="2400" b="1" i="1" kern="0">
+                <a:solidFill>
+                  <a:prstClr val="black">
+                    <a:lumMod val="75000"/>
+                    <a:lumOff val="25000"/>
+                  </a:prstClr>
+                </a:solidFill>
+              </a:rPr>
+              <a:t>임베디드 코드 소개</a:t>
+            </a:r>
+            <a:endParaRPr lang="ko-KR" altLang="en-US" sz="2400" b="1" i="1" kern="0">
+              <a:solidFill>
+                <a:prstClr val="black">
+                  <a:lumMod val="75000"/>
+                  <a:lumOff val="25000"/>
+                </a:prstClr>
+              </a:solidFill>
+            </a:endParaRPr>
+          </a:p>
+        </p:txBody>
+      </p:sp>
+      <p:cxnSp>
+        <p:nvCxnSpPr>
+          <p:cNvPr id="10" name="직선 연결선 9"/>
+          <p:cNvCxnSpPr/>
+          <p:nvPr/>
+        </p:nvCxnSpPr>
+        <p:spPr>
+          <a:xfrm flipH="1">
+            <a:off x="0" y="1116461"/>
+            <a:ext cx="12192000" cy="0"/>
+          </a:xfrm>
+          <a:prstGeom prst="line">
+            <a:avLst/>
+          </a:prstGeom>
+          <a:ln>
+            <a:solidFill>
+              <a:schemeClr val="tx2"/>
+            </a:solidFill>
+            <a:headEnd type="oval"/>
+          </a:ln>
+        </p:spPr>
+        <p:style>
+          <a:lnRef idx="1">
+            <a:schemeClr val="accent1"/>
+          </a:lnRef>
+          <a:fillRef idx="0">
+            <a:schemeClr val="accent1"/>
+          </a:fillRef>
+          <a:effectRef idx="0">
+            <a:schemeClr val="accent1"/>
+          </a:effectRef>
+          <a:fontRef idx="minor">
+            <a:schemeClr val="tx1"/>
+          </a:fontRef>
+        </p:style>
+      </p:cxnSp>
+      <p:sp>
+        <p:nvSpPr>
+          <p:cNvPr id="37" name=""/>
+          <p:cNvSpPr/>
+          <p:nvPr/>
+        </p:nvSpPr>
+        <p:spPr>
+          <a:xfrm>
+            <a:off x="0" y="2986087"/>
+            <a:ext cx="12192000" cy="95250"/>
+          </a:xfrm>
+          <a:prstGeom prst="rect">
+            <a:avLst/>
+          </a:prstGeom>
+          <a:solidFill>
+            <a:schemeClr val="dk1"/>
+          </a:solidFill>
+        </p:spPr>
+        <p:style>
+          <a:lnRef idx="2">
+            <a:schemeClr val="accent1">
+              <a:shade val="20000"/>
+            </a:schemeClr>
+          </a:lnRef>
+          <a:fillRef idx="1">
+            <a:schemeClr val="accent1"/>
+          </a:fillRef>
+          <a:effectRef idx="0">
+            <a:schemeClr val="accent1"/>
+          </a:effectRef>
+          <a:fontRef idx="minor">
+            <a:schemeClr val="lt1"/>
+          </a:fontRef>
+        </p:style>
+        <p:txBody>
+          <a:bodyPr anchor="ctr"/>
+          <a:p>
+            <a:pPr algn="ctr">
+              <a:defRPr/>
+            </a:pPr>
+            <a:endParaRPr lang="ko-KR" altLang="en-US"/>
+          </a:p>
+        </p:txBody>
+      </p:sp>
+      <p:pic>
+        <p:nvPicPr>
+          <p:cNvPr id="39" name=""/>
+          <p:cNvPicPr>
+            <a:picLocks noChangeAspect="1"/>
+          </p:cNvPicPr>
+          <p:nvPr/>
+        </p:nvPicPr>
+        <p:blipFill rotWithShape="1">
+          <a:blip r:embed="rId2"/>
+          <a:stretch>
+            <a:fillRect/>
+          </a:stretch>
+        </p:blipFill>
+        <p:spPr>
+          <a:xfrm>
+            <a:off x="0" y="1166661"/>
+            <a:ext cx="5068166" cy="1610026"/>
+          </a:xfrm>
+          <a:prstGeom prst="rect">
+            <a:avLst/>
+          </a:prstGeom>
+        </p:spPr>
+      </p:pic>
+      <p:pic>
+        <p:nvPicPr>
+          <p:cNvPr id="40" name=""/>
+          <p:cNvPicPr>
+            <a:picLocks noChangeAspect="1"/>
+          </p:cNvPicPr>
+          <p:nvPr/>
+        </p:nvPicPr>
+        <p:blipFill rotWithShape="1">
+          <a:blip r:embed="rId3"/>
+          <a:stretch>
+            <a:fillRect/>
+          </a:stretch>
+        </p:blipFill>
+        <p:spPr>
+          <a:xfrm>
+            <a:off x="5333382" y="1128561"/>
+            <a:ext cx="5363807" cy="1848151"/>
+          </a:xfrm>
+          <a:prstGeom prst="rect">
+            <a:avLst/>
+          </a:prstGeom>
+        </p:spPr>
+      </p:pic>
+      <p:pic>
+        <p:nvPicPr>
+          <p:cNvPr id="41" name=""/>
+          <p:cNvPicPr>
+            <a:picLocks noChangeAspect="1"/>
+          </p:cNvPicPr>
+          <p:nvPr/>
+        </p:nvPicPr>
+        <p:blipFill rotWithShape="1">
+          <a:blip r:embed="rId4"/>
+          <a:stretch>
+            <a:fillRect/>
+          </a:stretch>
+        </p:blipFill>
+        <p:spPr>
+          <a:xfrm>
+            <a:off x="132850" y="3157351"/>
+            <a:ext cx="5725525" cy="3419848"/>
+          </a:xfrm>
+          <a:prstGeom prst="rect">
+            <a:avLst/>
+          </a:prstGeom>
+        </p:spPr>
+      </p:pic>
+      <p:pic>
+        <p:nvPicPr>
+          <p:cNvPr id="43" name=""/>
+          <p:cNvPicPr>
+            <a:picLocks noChangeAspect="1"/>
+          </p:cNvPicPr>
+          <p:nvPr/>
+        </p:nvPicPr>
+        <p:blipFill rotWithShape="1">
+          <a:blip r:embed="rId5"/>
+          <a:stretch>
+            <a:fillRect/>
+          </a:stretch>
+        </p:blipFill>
+        <p:spPr>
+          <a:xfrm>
+            <a:off x="5875876" y="3143049"/>
+            <a:ext cx="6316125" cy="3572276"/>
+          </a:xfrm>
+          <a:prstGeom prst="rect">
+            <a:avLst/>
+          </a:prstGeom>
+        </p:spPr>
+      </p:pic>
+      <p:pic>
+        <p:nvPicPr>
+          <p:cNvPr id="44" name=""/>
+          <p:cNvPicPr>
+            <a:picLocks noChangeAspect="1"/>
+          </p:cNvPicPr>
+          <p:nvPr/>
+        </p:nvPicPr>
+        <p:blipFill rotWithShape="1">
+          <a:blip r:embed="rId6"/>
+          <a:stretch>
+            <a:fillRect/>
+          </a:stretch>
+        </p:blipFill>
+        <p:spPr>
+          <a:xfrm>
+            <a:off x="190000" y="3247784"/>
+            <a:ext cx="7163800" cy="3448531"/>
+          </a:xfrm>
+          <a:prstGeom prst="rect">
+            <a:avLst/>
+          </a:prstGeom>
+        </p:spPr>
+      </p:pic>
+    </p:spTree>
+  </p:cSld>
+  <p:clrMapOvr>
+    <a:masterClrMapping/>
+  </p:clrMapOvr>
+  <mc:AlternateContent xmlns:mc="http://schemas.openxmlformats.org/markup-compatibility/2006">
+    <mc:Choice xmlns:p14="http://schemas.microsoft.com/office/powerpoint/2010/main" Requires="p14">
+      <p:transition xmlns:mc="http://schemas.openxmlformats.org/markup-compatibility/2006" xmlns:p14="http://schemas.microsoft.com/office/powerpoint/2010/main" mc:Ignorable="p14" p14:dur="500"/>
+    </mc:Choice>
+    <mc:Fallback>
+      <p:transition/>
+    </mc:Fallback>
+  </mc:AlternateContent>
+  <p:timing>
+    <p:tnLst>
+      <p:par>
+        <p:cTn id="1" dur="indefinite" restart="never" nodeType="tmRoot">
+          <p:childTnLst>
+            <p:seq concurrent="1" nextAc="seek">
+              <p:cTn id="2" dur="indefinite" nodeType="mainSeq">
+                <p:childTnLst>
+                  <p:par>
+                    <p:cTn id="3" fill="hold">
+                      <p:stCondLst>
+                        <p:cond delay="indefinite"/>
+                      </p:stCondLst>
+                      <p:childTnLst>
+                        <p:par>
+                          <p:cTn id="4" fill="hold">
+                            <p:stCondLst>
+                              <p:cond delay="0"/>
+                            </p:stCondLst>
+                            <p:childTnLst>
+                              <p:par>
+                                <p:cTn id="5" presetID="1" presetClass="entr" presetSubtype="0" fill="hold" nodeType="clickEffect">
+                                  <p:stCondLst>
+                                    <p:cond delay="0"/>
+                                  </p:stCondLst>
+                                  <p:childTnLst>
+                                    <p:set>
+                                      <p:cBhvr>
+                                        <p:cTn id="6" dur="1" fill="hold">
+                                          <p:stCondLst>
+                                            <p:cond delay="0"/>
+                                          </p:stCondLst>
+                                        </p:cTn>
+                                        <p:tgtEl>
+                                          <p:spTgt spid="44"/>
+                                        </p:tgtEl>
+                                        <p:attrNameLst>
+                                          <p:attrName>style.visibility</p:attrName>
+                                        </p:attrNameLst>
+                                      </p:cBhvr>
+                                      <p:to>
+                                        <p:strVal val="visible"/>
+                                      </p:to>
+                                    </p:set>
+                                  </p:childTnLst>
+                                </p:cTn>
+                              </p:par>
+                            </p:childTnLst>
+                          </p:cTn>
+                        </p:par>
+                      </p:childTnLst>
+                    </p:cTn>
+                  </p:par>
+                </p:childTnLst>
+              </p:cTn>
+              <p:prevCondLst>
+                <p:cond evt="onPrev" delay="0">
+                  <p:tgtEl>
+                    <p:sldTgt/>
+                  </p:tgtEl>
+                </p:cond>
+              </p:prevCondLst>
+              <p:nextCondLst>
+                <p:cond evt="onNext" delay="0">
+                  <p:tgtEl>
+                    <p:sldTgt/>
+                  </p:tgtEl>
+                </p:cond>
+              </p:nextCondLst>
+            </p:seq>
+          </p:childTnLst>
+        </p:cTn>
+      </p:par>
+    </p:tnLst>
+  </p:timing>
 </p:sld>
 </file>
 
 <file path=ppt/theme/theme1.xml><?xml version="1.0" encoding="utf-8"?>
-<a:theme xmlns:a="http://schemas.openxmlformats.org/drawingml/2006/main" name="7_Office 테마">
+<a:theme xmlns:r="http://schemas.openxmlformats.org/officeDocument/2006/relationships" xmlns:c="http://schemas.openxmlformats.org/drawingml/2006/chart" xmlns:dgm="http://schemas.openxmlformats.org/drawingml/2006/diagram" xmlns:dsp="http://schemas.microsoft.com/office/drawing/2008/diagram" xmlns:a="http://schemas.openxmlformats.org/drawingml/2006/main" xmlns:pic="http://schemas.openxmlformats.org/drawingml/2006/picture" xmlns:wp="http://schemas.openxmlformats.org/drawingml/2006/wordprocessingDrawing" xmlns:xdr="http://schemas.openxmlformats.org/drawingml/2006/spreadsheetDrawing" xmlns:p="http://schemas.openxmlformats.org/presentationml/2006/main" name="7_Office 테마">
   <a:themeElements>
     <a:clrScheme name="Office">
       <a:dk1>
         <a:sysClr val="windowText" lastClr="000000"/>
       </a:dk1>
       <a:lt1>
-        <a:sysClr val="window" lastClr="FFFFFF"/>
+        <a:sysClr val="window" lastClr="ffffff"/>
       </a:lt1>
       <a:dk2>
-        <a:srgbClr val="44546A"/>
+        <a:srgbClr val="44546a"/>
       </a:dk2>
       <a:lt2>
-        <a:srgbClr val="E7E6E6"/>
+        <a:srgbClr val="e7e6e6"/>
       </a:lt2>
       <a:accent1>
-        <a:srgbClr val="5B9BD5"/>
+        <a:srgbClr val="5b9bd5"/>
       </a:accent1>
       <a:accent2>
-        <a:srgbClr val="ED7D31"/>
+        <a:srgbClr val="ed7d31"/>
       </a:accent2>
       <a:accent3>
-        <a:srgbClr val="A5A5A5"/>
+        <a:srgbClr val="a5a5a5"/>
       </a:accent3>
       <a:accent4>
-        <a:srgbClr val="FFC000"/>
+        <a:srgbClr val="ffc000"/>
       </a:accent4>
       <a:accent5>
-        <a:srgbClr val="4472C4"/>
+        <a:srgbClr val="4472c4"/>
       </a:accent5>
       <a:accent6>
-        <a:srgbClr val="70AD47"/>
+        <a:srgbClr val="70ad47"/>
       </a:accent6>
       <a:hlink>
-        <a:srgbClr val="0563C1"/>
+        <a:srgbClr val="0563c1"/>
       </a:hlink>
       <a:folHlink>
-        <a:srgbClr val="954F72"/>
+        <a:srgbClr val="954f72"/>
       </a:folHlink>
     </a:clrScheme>
     <a:fontScheme name="Office">
       <a:majorFont>
-        <a:latin typeface="맑은 고딕" panose="020F0302020204030204"/>
+        <a:latin typeface="맑은 고딕" panose="20"/>
         <a:ea typeface=""/>
         <a:cs typeface=""/>
-        <a:font script="Jpan" typeface="ＭＳ Ｐゴシック"/>
+        <a:font script="Jpan" typeface="MS PGothic"/>
         <a:font script="Hang" typeface="맑은 고딕"/>
-        <a:font script="Hans" typeface="宋体"/>
+        <a:font script="Hans" typeface="SimSun"/>
         <a:font script="Hant" typeface="新細明體"/>
         <a:font script="Arab" typeface="Times New Roman"/>
         <a:font script="Hebr" typeface="Times New Roman"/>
@@ -7095,12 +11170,12 @@
         <a:font script="Geor" typeface="Sylfaen"/>
       </a:majorFont>
       <a:minorFont>
-        <a:latin typeface="맑은 고딕" panose="020F0502020204030204"/>
+        <a:latin typeface="맑은 고딕" panose="20"/>
         <a:ea typeface=""/>
         <a:cs typeface=""/>
-        <a:font script="Jpan" typeface="ＭＳ Ｐゴシック"/>
+        <a:font script="Jpan" typeface="MS PGothic"/>
         <a:font script="Hang" typeface="맑은 고딕"/>
-        <a:font script="Hans" typeface="宋体"/>
+        <a:font script="Hans" typeface="SimSun"/>
         <a:font script="Hant" typeface="新細明體"/>
         <a:font script="Arab" typeface="Arial"/>
         <a:font script="Hebr" typeface="Arial"/>
@@ -7194,21 +11269,21 @@
             <a:schemeClr val="phClr"/>
           </a:solidFill>
           <a:prstDash val="solid"/>
-          <a:miter lim="800000"/>
+          <a:miter/>
         </a:ln>
         <a:ln w="12700" cap="flat" cmpd="sng" algn="ctr">
           <a:solidFill>
             <a:schemeClr val="phClr"/>
           </a:solidFill>
           <a:prstDash val="solid"/>
-          <a:miter lim="800000"/>
+          <a:miter/>
         </a:ln>
         <a:ln w="19050" cap="flat" cmpd="sng" algn="ctr">
           <a:solidFill>
             <a:schemeClr val="phClr"/>
           </a:solidFill>
           <a:prstDash val="solid"/>
-          <a:miter lim="800000"/>
+          <a:miter/>
         </a:ln>
       </a:lnStyleLst>
       <a:effectStyleLst>
@@ -7268,12 +11343,5 @@
       </a:bgFillStyleLst>
     </a:fmtScheme>
   </a:themeElements>
-  <a:objectDefaults/>
-  <a:extraClrSchemeLst/>
-  <a:extLst>
-    <a:ext uri="{05A4C25C-085E-4340-85A3-A5531E510DB2}">
-      <thm15:themeFamily xmlns:thm15="http://schemas.microsoft.com/office/thememl/2012/main" name="Office Theme" id="{62F939B6-93AF-4DB8-9C6B-D6C7DFDC589F}" vid="{4A3C46E8-61CC-4603-A589-7422A47A8E4A}"/>
-    </a:ext>
-  </a:extLst>
 </a:theme>
 </file>
--- a/smartfarm.pptx
+++ b/smartfarm.pptx
@@ -2,7 +2,7 @@
 <file path=ppt/presentation.xml><?xml version="1.0" encoding="utf-8"?>
 <p:presentation xmlns:r="http://schemas.openxmlformats.org/officeDocument/2006/relationships" xmlns:c="http://schemas.openxmlformats.org/drawingml/2006/chart" xmlns:a="http://schemas.openxmlformats.org/drawingml/2006/main" xmlns:dgm="http://schemas.openxmlformats.org/drawingml/2006/diagram" xmlns:dsp="http://schemas.microsoft.com/office/drawing/2008/diagram" xmlns:p="http://schemas.openxmlformats.org/presentationml/2006/main" saveSubsetFonts="1">
   <p:sldMasterIdLst>
-    <p:sldMasterId id="2147483698" r:id="rId1"/>
+    <p:sldMasterId id="2147483675" r:id="rId1"/>
   </p:sldMasterIdLst>
   <p:sldIdLst>
     <p:sldId id="256" r:id="rId2"/>
@@ -20,6 +20,9 @@
     <p:sldId id="268" r:id="rId14"/>
     <p:sldId id="269" r:id="rId15"/>
     <p:sldId id="270" r:id="rId16"/>
+    <p:sldId id="271" r:id="rId17"/>
+    <p:sldId id="272" r:id="rId18"/>
+    <p:sldId id="273" r:id="rId19"/>
   </p:sldIdLst>
   <p:sldSz cx="12192000" cy="6858000"/>
   <p:notesSz cx="6858000" cy="9144000"/>
@@ -6104,7 +6107,7 @@
 </file>
 
 <file path=ppt/slides/slide13.xml><?xml version="1.0" encoding="utf-8"?>
-<p:sld xmlns:a="http://schemas.openxmlformats.org/drawingml/2006/main" xmlns:r="http://schemas.openxmlformats.org/officeDocument/2006/relationships" xmlns:p="http://schemas.openxmlformats.org/presentationml/2006/main">
+<p:sld xmlns:r="http://schemas.openxmlformats.org/officeDocument/2006/relationships" xmlns:c="http://schemas.openxmlformats.org/drawingml/2006/chart" xmlns:a="http://schemas.openxmlformats.org/drawingml/2006/main" xmlns:dgm="http://schemas.openxmlformats.org/drawingml/2006/diagram" xmlns:dsp="http://schemas.microsoft.com/office/drawing/2008/diagram" xmlns:p="http://schemas.openxmlformats.org/presentationml/2006/main">
   <p:cSld>
     <p:spTree>
       <p:nvGrpSpPr>
@@ -6122,13 +6125,7 @@
       </p:grpSpPr>
       <p:sp>
         <p:nvSpPr>
-          <p:cNvPr id="9" name="직사각형 8">
-            <a:extLst>
-              <a:ext uri="{FF2B5EF4-FFF2-40B4-BE49-F238E27FC236}">
-                <a16:creationId xmlns:a16="http://schemas.microsoft.com/office/drawing/2014/main" id="{9A30FD79-8C4F-4B1C-B89F-D3B99C9D6301}"/>
-              </a:ext>
-            </a:extLst>
-          </p:cNvPr>
+          <p:cNvPr id="9" name="직사각형 8"/>
           <p:cNvSpPr/>
           <p:nvPr/>
         </p:nvSpPr>
@@ -6164,7 +6161,7 @@
           </a:fontRef>
         </p:style>
         <p:txBody>
-          <a:bodyPr rtlCol="0" anchor="ctr"/>
+          <a:bodyPr anchor="ctr"/>
           <a:lstStyle/>
           <a:p>
             <a:pPr algn="ctr" latinLnBrk="0">
@@ -6174,7 +6171,7 @@
               <a:defRPr/>
             </a:pPr>
             <a:r>
-              <a:rPr lang="en-US" altLang="ko-KR" sz="2400" b="1" i="1" kern="0" dirty="0">
+              <a:rPr lang="en-US" altLang="ko-KR" sz="2400" b="1" i="1" kern="0">
                 <a:solidFill>
                   <a:prstClr val="black">
                     <a:lumMod val="75000"/>
@@ -6185,7 +6182,7 @@
               <a:t>AWS</a:t>
             </a:r>
             <a:r>
-              <a:rPr lang="ko-KR" altLang="en-US" sz="2400" b="1" i="1" kern="0" dirty="0">
+              <a:rPr lang="ko-KR" altLang="en-US" sz="2400" b="1" i="1" kern="0">
                 <a:solidFill>
                   <a:prstClr val="black">
                     <a:lumMod val="75000"/>
@@ -6195,7 +6192,7 @@
               </a:rPr>
               <a:t> 기능 소개</a:t>
             </a:r>
-            <a:endParaRPr lang="en-US" altLang="ko-KR" sz="2400" b="1" i="1" kern="0" dirty="0">
+            <a:endParaRPr lang="en-US" altLang="ko-KR" sz="2400" b="1" i="1" kern="0">
               <a:solidFill>
                 <a:prstClr val="black">
                   <a:lumMod val="75000"/>
@@ -6208,16 +6205,411 @@
       </p:sp>
       <p:cxnSp>
         <p:nvCxnSpPr>
-          <p:cNvPr id="10" name="직선 연결선 9">
-            <a:extLst>
-              <a:ext uri="{FF2B5EF4-FFF2-40B4-BE49-F238E27FC236}">
-                <a16:creationId xmlns:a16="http://schemas.microsoft.com/office/drawing/2014/main" id="{A79CFBBA-2C61-4EDA-9A68-EC8E2EABE0F5}"/>
-              </a:ext>
-            </a:extLst>
-          </p:cNvPr>
-          <p:cNvCxnSpPr>
-            <a:cxnSpLocks/>
-          </p:cNvCxnSpPr>
+          <p:cNvPr id="10" name="직선 연결선 9"/>
+          <p:cNvCxnSpPr/>
+          <p:nvPr/>
+        </p:nvCxnSpPr>
+        <p:spPr>
+          <a:xfrm flipH="1">
+            <a:off x="0" y="1116461"/>
+            <a:ext cx="12192000" cy="0"/>
+          </a:xfrm>
+          <a:prstGeom prst="line">
+            <a:avLst/>
+          </a:prstGeom>
+          <a:ln>
+            <a:solidFill>
+              <a:schemeClr val="tx2"/>
+            </a:solidFill>
+            <a:headEnd type="oval"/>
+          </a:ln>
+        </p:spPr>
+        <p:style>
+          <a:lnRef idx="1">
+            <a:schemeClr val="accent1"/>
+          </a:lnRef>
+          <a:fillRef idx="0">
+            <a:schemeClr val="accent1"/>
+          </a:fillRef>
+          <a:effectRef idx="0">
+            <a:schemeClr val="accent1"/>
+          </a:effectRef>
+          <a:fontRef idx="minor">
+            <a:schemeClr val="tx1"/>
+          </a:fontRef>
+        </p:style>
+      </p:cxnSp>
+      <p:pic>
+        <p:nvPicPr>
+          <p:cNvPr id="11" name=""/>
+          <p:cNvPicPr>
+            <a:picLocks noChangeAspect="1"/>
+          </p:cNvPicPr>
+          <p:nvPr/>
+        </p:nvPicPr>
+        <p:blipFill rotWithShape="1">
+          <a:blip r:embed="rId2"/>
+          <a:stretch>
+            <a:fillRect/>
+          </a:stretch>
+        </p:blipFill>
+        <p:spPr>
+          <a:xfrm>
+            <a:off x="3305307" y="1921368"/>
+            <a:ext cx="1212590" cy="1212590"/>
+          </a:xfrm>
+          <a:prstGeom prst="rect">
+            <a:avLst/>
+          </a:prstGeom>
+        </p:spPr>
+      </p:pic>
+      <p:pic>
+        <p:nvPicPr>
+          <p:cNvPr id="12" name=""/>
+          <p:cNvPicPr>
+            <a:picLocks noChangeAspect="1"/>
+          </p:cNvPicPr>
+          <p:nvPr/>
+        </p:nvPicPr>
+        <p:blipFill rotWithShape="1">
+          <a:blip r:embed="rId3"/>
+          <a:stretch>
+            <a:fillRect/>
+          </a:stretch>
+        </p:blipFill>
+        <p:spPr>
+          <a:xfrm>
+            <a:off x="112744" y="2821738"/>
+            <a:ext cx="1763768" cy="1763768"/>
+          </a:xfrm>
+          <a:prstGeom prst="rect">
+            <a:avLst/>
+          </a:prstGeom>
+        </p:spPr>
+      </p:pic>
+      <p:pic>
+        <p:nvPicPr>
+          <p:cNvPr id="13" name=""/>
+          <p:cNvPicPr>
+            <a:picLocks noChangeAspect="1"/>
+          </p:cNvPicPr>
+          <p:nvPr/>
+        </p:nvPicPr>
+        <p:blipFill rotWithShape="1">
+          <a:blip r:embed="rId4"/>
+          <a:stretch>
+            <a:fillRect/>
+          </a:stretch>
+        </p:blipFill>
+        <p:spPr>
+          <a:xfrm>
+            <a:off x="3451098" y="4764560"/>
+            <a:ext cx="992119" cy="992119"/>
+          </a:xfrm>
+          <a:prstGeom prst="rect">
+            <a:avLst/>
+          </a:prstGeom>
+        </p:spPr>
+      </p:pic>
+      <p:pic>
+        <p:nvPicPr>
+          <p:cNvPr id="14" name=""/>
+          <p:cNvPicPr>
+            <a:picLocks noChangeAspect="1"/>
+          </p:cNvPicPr>
+          <p:nvPr/>
+        </p:nvPicPr>
+        <p:blipFill rotWithShape="1">
+          <a:blip r:embed="rId5"/>
+          <a:stretch>
+            <a:fillRect/>
+          </a:stretch>
+        </p:blipFill>
+        <p:spPr>
+          <a:xfrm>
+            <a:off x="7964722" y="4718651"/>
+            <a:ext cx="1102355" cy="1102355"/>
+          </a:xfrm>
+          <a:prstGeom prst="rect">
+            <a:avLst/>
+          </a:prstGeom>
+        </p:spPr>
+      </p:pic>
+      <p:pic>
+        <p:nvPicPr>
+          <p:cNvPr id="15" name=""/>
+          <p:cNvPicPr>
+            <a:picLocks noChangeAspect="1"/>
+          </p:cNvPicPr>
+          <p:nvPr/>
+        </p:nvPicPr>
+        <p:blipFill rotWithShape="1">
+          <a:blip r:embed="rId6"/>
+          <a:stretch>
+            <a:fillRect/>
+          </a:stretch>
+        </p:blipFill>
+        <p:spPr>
+          <a:xfrm>
+            <a:off x="7980036" y="1882648"/>
+            <a:ext cx="1102355" cy="1102355"/>
+          </a:xfrm>
+          <a:prstGeom prst="rect">
+            <a:avLst/>
+          </a:prstGeom>
+        </p:spPr>
+      </p:pic>
+      <p:sp>
+        <p:nvSpPr>
+          <p:cNvPr id="17" name=""/>
+          <p:cNvSpPr/>
+          <p:nvPr/>
+        </p:nvSpPr>
+        <p:spPr>
+          <a:xfrm rot="10800000">
+            <a:off x="5926247" y="2113202"/>
+            <a:ext cx="704527" cy="254092"/>
+          </a:xfrm>
+          <a:prstGeom prst="rightArrow">
+            <a:avLst>
+              <a:gd name="adj1" fmla="val 50000"/>
+              <a:gd name="adj2" fmla="val 50000"/>
+            </a:avLst>
+          </a:prstGeom>
+        </p:spPr>
+        <p:style>
+          <a:lnRef idx="2">
+            <a:schemeClr val="accent1">
+              <a:shade val="20000"/>
+            </a:schemeClr>
+          </a:lnRef>
+          <a:fillRef idx="1">
+            <a:schemeClr val="accent1"/>
+          </a:fillRef>
+          <a:effectRef idx="0">
+            <a:schemeClr val="accent1"/>
+          </a:effectRef>
+          <a:fontRef idx="minor">
+            <a:schemeClr val="lt1"/>
+          </a:fontRef>
+        </p:style>
+        <p:txBody>
+          <a:bodyPr anchor="ctr"/>
+          <a:p>
+            <a:pPr algn="ctr">
+              <a:defRPr/>
+            </a:pPr>
+            <a:endParaRPr lang="ko-KR" altLang="en-US"/>
+          </a:p>
+        </p:txBody>
+      </p:sp>
+      <p:sp>
+        <p:nvSpPr>
+          <p:cNvPr id="18" name=""/>
+          <p:cNvSpPr/>
+          <p:nvPr/>
+        </p:nvSpPr>
+        <p:spPr>
+          <a:xfrm rot="10800000">
+            <a:off x="5946618" y="4745874"/>
+            <a:ext cx="704527" cy="254092"/>
+          </a:xfrm>
+          <a:prstGeom prst="rightArrow">
+            <a:avLst>
+              <a:gd name="adj1" fmla="val 50000"/>
+              <a:gd name="adj2" fmla="val 50000"/>
+            </a:avLst>
+          </a:prstGeom>
+        </p:spPr>
+        <p:style>
+          <a:lnRef idx="2">
+            <a:schemeClr val="accent1">
+              <a:shade val="20000"/>
+            </a:schemeClr>
+          </a:lnRef>
+          <a:fillRef idx="1">
+            <a:schemeClr val="accent1"/>
+          </a:fillRef>
+          <a:effectRef idx="0">
+            <a:schemeClr val="accent1"/>
+          </a:effectRef>
+          <a:fontRef idx="minor">
+            <a:schemeClr val="lt1"/>
+          </a:fontRef>
+        </p:style>
+        <p:txBody>
+          <a:bodyPr anchor="ctr"/>
+          <a:lstStyle/>
+          <a:p>
+            <a:pPr algn="ctr">
+              <a:defRPr/>
+            </a:pPr>
+            <a:endParaRPr lang="ko-KR" altLang="en-US"/>
+          </a:p>
+        </p:txBody>
+      </p:sp>
+      <p:sp>
+        <p:nvSpPr>
+          <p:cNvPr id="19" name=""/>
+          <p:cNvSpPr/>
+          <p:nvPr/>
+        </p:nvSpPr>
+        <p:spPr>
+          <a:xfrm rot="16200000">
+            <a:off x="4022466" y="3563739"/>
+            <a:ext cx="445534" cy="176056"/>
+          </a:xfrm>
+          <a:prstGeom prst="rightArrow">
+            <a:avLst>
+              <a:gd name="adj1" fmla="val 50000"/>
+              <a:gd name="adj2" fmla="val 50000"/>
+            </a:avLst>
+          </a:prstGeom>
+        </p:spPr>
+        <p:style>
+          <a:lnRef idx="2">
+            <a:schemeClr val="accent1">
+              <a:shade val="20000"/>
+            </a:schemeClr>
+          </a:lnRef>
+          <a:fillRef idx="1">
+            <a:schemeClr val="accent1"/>
+          </a:fillRef>
+          <a:effectRef idx="0">
+            <a:schemeClr val="accent1"/>
+          </a:effectRef>
+          <a:fontRef idx="minor">
+            <a:schemeClr val="lt1"/>
+          </a:fontRef>
+        </p:style>
+        <p:txBody>
+          <a:bodyPr anchor="ctr"/>
+          <a:lstStyle/>
+          <a:p>
+            <a:pPr algn="ctr">
+              <a:defRPr/>
+            </a:pPr>
+            <a:endParaRPr lang="ko-KR" altLang="en-US"/>
+          </a:p>
+        </p:txBody>
+      </p:sp>
+    </p:spTree>
+  </p:cSld>
+  <p:clrMapOvr>
+    <a:masterClrMapping/>
+  </p:clrMapOvr>
+  <mc:AlternateContent xmlns:mc="http://schemas.openxmlformats.org/markup-compatibility/2006">
+    <mc:Choice xmlns:p14="http://schemas.microsoft.com/office/powerpoint/2010/main" Requires="p14">
+      <p:transition xmlns:mc="http://schemas.openxmlformats.org/markup-compatibility/2006" xmlns:p14="http://schemas.microsoft.com/office/powerpoint/2010/main" mc:Ignorable="p14" p14:dur="500"/>
+    </mc:Choice>
+    <mc:Fallback>
+      <p:transition/>
+    </mc:Fallback>
+  </mc:AlternateContent>
+</p:sld>
+</file>
+
+<file path=ppt/slides/slide14.xml><?xml version="1.0" encoding="utf-8"?>
+<p:sld xmlns:r="http://schemas.openxmlformats.org/officeDocument/2006/relationships" xmlns:c="http://schemas.openxmlformats.org/drawingml/2006/chart" xmlns:a="http://schemas.openxmlformats.org/drawingml/2006/main" xmlns:dgm="http://schemas.openxmlformats.org/drawingml/2006/diagram" xmlns:dsp="http://schemas.microsoft.com/office/drawing/2008/diagram" xmlns:p="http://schemas.openxmlformats.org/presentationml/2006/main">
+  <p:cSld>
+    <p:spTree>
+      <p:nvGrpSpPr>
+        <p:cNvPr id="1" name=""/>
+        <p:cNvGrpSpPr/>
+        <p:nvPr/>
+      </p:nvGrpSpPr>
+      <p:grpSpPr>
+        <a:xfrm>
+          <a:off x="0" y="0"/>
+          <a:ext cx="0" cy="0"/>
+          <a:chOff x="0" y="0"/>
+          <a:chExt cx="0" cy="0"/>
+        </a:xfrm>
+      </p:grpSpPr>
+      <p:sp>
+        <p:nvSpPr>
+          <p:cNvPr id="9" name="직사각형 8"/>
+          <p:cNvSpPr/>
+          <p:nvPr/>
+        </p:nvSpPr>
+        <p:spPr>
+          <a:xfrm>
+            <a:off x="0" y="0"/>
+            <a:ext cx="12192000" cy="972187"/>
+          </a:xfrm>
+          <a:prstGeom prst="rect">
+            <a:avLst/>
+          </a:prstGeom>
+          <a:solidFill>
+            <a:schemeClr val="bg1"/>
+          </a:solidFill>
+          <a:ln>
+            <a:noFill/>
+          </a:ln>
+        </p:spPr>
+        <p:style>
+          <a:lnRef idx="2">
+            <a:schemeClr val="accent1">
+              <a:shade val="50000"/>
+            </a:schemeClr>
+          </a:lnRef>
+          <a:fillRef idx="1">
+            <a:schemeClr val="accent1"/>
+          </a:fillRef>
+          <a:effectRef idx="0">
+            <a:schemeClr val="accent1"/>
+          </a:effectRef>
+          <a:fontRef idx="minor">
+            <a:schemeClr val="lt1"/>
+          </a:fontRef>
+        </p:style>
+        <p:txBody>
+          <a:bodyPr anchor="ctr"/>
+          <a:lstStyle/>
+          <a:p>
+            <a:pPr algn="ctr" latinLnBrk="0">
+              <a:lnSpc>
+                <a:spcPct val="150000"/>
+              </a:lnSpc>
+              <a:defRPr/>
+            </a:pPr>
+            <a:r>
+              <a:rPr lang="en-US" altLang="ko-KR" sz="2400" b="1" i="1" kern="0">
+                <a:solidFill>
+                  <a:prstClr val="black">
+                    <a:lumMod val="75000"/>
+                    <a:lumOff val="25000"/>
+                  </a:prstClr>
+                </a:solidFill>
+              </a:rPr>
+              <a:t>AWS</a:t>
+            </a:r>
+            <a:r>
+              <a:rPr lang="ko-KR" altLang="en-US" sz="2400" b="1" i="1" kern="0">
+                <a:solidFill>
+                  <a:prstClr val="black">
+                    <a:lumMod val="75000"/>
+                    <a:lumOff val="25000"/>
+                  </a:prstClr>
+                </a:solidFill>
+              </a:rPr>
+              <a:t> 기능 소개</a:t>
+            </a:r>
+            <a:endParaRPr lang="en-US" altLang="ko-KR" sz="2400" b="1" i="1" kern="0">
+              <a:solidFill>
+                <a:prstClr val="black">
+                  <a:lumMod val="75000"/>
+                  <a:lumOff val="25000"/>
+                </a:prstClr>
+              </a:solidFill>
+            </a:endParaRPr>
+          </a:p>
+        </p:txBody>
+      </p:sp>
+      <p:cxnSp>
+        <p:nvCxnSpPr>
+          <p:cNvPr id="10" name="직선 연결선 9"/>
+          <p:cNvCxnSpPr/>
           <p:nvPr/>
         </p:nvCxnSpPr>
         <p:spPr>
@@ -6251,19 +6643,320 @@
         </p:style>
       </p:cxnSp>
     </p:spTree>
-    <p:extLst>
-      <p:ext uri="{BB962C8B-B14F-4D97-AF65-F5344CB8AC3E}">
-        <p14:creationId xmlns:p14="http://schemas.microsoft.com/office/powerpoint/2010/main" val="1123691203"/>
-      </p:ext>
-    </p:extLst>
   </p:cSld>
   <p:clrMapOvr>
     <a:masterClrMapping/>
   </p:clrMapOvr>
+  <mc:AlternateContent xmlns:mc="http://schemas.openxmlformats.org/markup-compatibility/2006">
+    <mc:Choice xmlns:p14="http://schemas.microsoft.com/office/powerpoint/2010/main" Requires="p14">
+      <p:transition xmlns:mc="http://schemas.openxmlformats.org/markup-compatibility/2006" xmlns:p14="http://schemas.microsoft.com/office/powerpoint/2010/main" mc:Ignorable="p14" p14:dur="500"/>
+    </mc:Choice>
+    <mc:Fallback>
+      <p:transition/>
+    </mc:Fallback>
+  </mc:AlternateContent>
 </p:sld>
 </file>
 
-<file path=ppt/slides/slide14.xml><?xml version="1.0" encoding="utf-8"?>
+<file path=ppt/slides/slide15.xml><?xml version="1.0" encoding="utf-8"?>
+<p:sld xmlns:r="http://schemas.openxmlformats.org/officeDocument/2006/relationships" xmlns:c="http://schemas.openxmlformats.org/drawingml/2006/chart" xmlns:a="http://schemas.openxmlformats.org/drawingml/2006/main" xmlns:dgm="http://schemas.openxmlformats.org/drawingml/2006/diagram" xmlns:dsp="http://schemas.microsoft.com/office/drawing/2008/diagram" xmlns:p="http://schemas.openxmlformats.org/presentationml/2006/main">
+  <p:cSld>
+    <p:spTree>
+      <p:nvGrpSpPr>
+        <p:cNvPr id="1" name=""/>
+        <p:cNvGrpSpPr/>
+        <p:nvPr/>
+      </p:nvGrpSpPr>
+      <p:grpSpPr>
+        <a:xfrm>
+          <a:off x="0" y="0"/>
+          <a:ext cx="0" cy="0"/>
+          <a:chOff x="0" y="0"/>
+          <a:chExt cx="0" cy="0"/>
+        </a:xfrm>
+      </p:grpSpPr>
+      <p:sp>
+        <p:nvSpPr>
+          <p:cNvPr id="9" name="직사각형 8"/>
+          <p:cNvSpPr/>
+          <p:nvPr/>
+        </p:nvSpPr>
+        <p:spPr>
+          <a:xfrm>
+            <a:off x="0" y="0"/>
+            <a:ext cx="12192000" cy="972187"/>
+          </a:xfrm>
+          <a:prstGeom prst="rect">
+            <a:avLst/>
+          </a:prstGeom>
+          <a:solidFill>
+            <a:schemeClr val="bg1"/>
+          </a:solidFill>
+          <a:ln>
+            <a:noFill/>
+          </a:ln>
+        </p:spPr>
+        <p:style>
+          <a:lnRef idx="2">
+            <a:schemeClr val="accent1">
+              <a:shade val="50000"/>
+            </a:schemeClr>
+          </a:lnRef>
+          <a:fillRef idx="1">
+            <a:schemeClr val="accent1"/>
+          </a:fillRef>
+          <a:effectRef idx="0">
+            <a:schemeClr val="accent1"/>
+          </a:effectRef>
+          <a:fontRef idx="minor">
+            <a:schemeClr val="lt1"/>
+          </a:fontRef>
+        </p:style>
+        <p:txBody>
+          <a:bodyPr anchor="ctr"/>
+          <a:lstStyle/>
+          <a:p>
+            <a:pPr algn="ctr" latinLnBrk="0">
+              <a:lnSpc>
+                <a:spcPct val="150000"/>
+              </a:lnSpc>
+              <a:defRPr/>
+            </a:pPr>
+            <a:r>
+              <a:rPr lang="en-US" altLang="ko-KR" sz="2400" b="1" i="1" kern="0">
+                <a:solidFill>
+                  <a:prstClr val="black">
+                    <a:lumMod val="75000"/>
+                    <a:lumOff val="25000"/>
+                  </a:prstClr>
+                </a:solidFill>
+              </a:rPr>
+              <a:t>AWS</a:t>
+            </a:r>
+            <a:r>
+              <a:rPr lang="ko-KR" altLang="en-US" sz="2400" b="1" i="1" kern="0">
+                <a:solidFill>
+                  <a:prstClr val="black">
+                    <a:lumMod val="75000"/>
+                    <a:lumOff val="25000"/>
+                  </a:prstClr>
+                </a:solidFill>
+              </a:rPr>
+              <a:t> 기능 소개</a:t>
+            </a:r>
+            <a:endParaRPr lang="en-US" altLang="ko-KR" sz="2400" b="1" i="1" kern="0">
+              <a:solidFill>
+                <a:prstClr val="black">
+                  <a:lumMod val="75000"/>
+                  <a:lumOff val="25000"/>
+                </a:prstClr>
+              </a:solidFill>
+            </a:endParaRPr>
+          </a:p>
+        </p:txBody>
+      </p:sp>
+      <p:cxnSp>
+        <p:nvCxnSpPr>
+          <p:cNvPr id="10" name="직선 연결선 9"/>
+          <p:cNvCxnSpPr/>
+          <p:nvPr/>
+        </p:nvCxnSpPr>
+        <p:spPr>
+          <a:xfrm flipH="1">
+            <a:off x="0" y="1116461"/>
+            <a:ext cx="12192000" cy="0"/>
+          </a:xfrm>
+          <a:prstGeom prst="line">
+            <a:avLst/>
+          </a:prstGeom>
+          <a:ln>
+            <a:solidFill>
+              <a:schemeClr val="tx2"/>
+            </a:solidFill>
+            <a:headEnd type="oval"/>
+          </a:ln>
+        </p:spPr>
+        <p:style>
+          <a:lnRef idx="1">
+            <a:schemeClr val="accent1"/>
+          </a:lnRef>
+          <a:fillRef idx="0">
+            <a:schemeClr val="accent1"/>
+          </a:fillRef>
+          <a:effectRef idx="0">
+            <a:schemeClr val="accent1"/>
+          </a:effectRef>
+          <a:fontRef idx="minor">
+            <a:schemeClr val="tx1"/>
+          </a:fontRef>
+        </p:style>
+      </p:cxnSp>
+    </p:spTree>
+  </p:cSld>
+  <p:clrMapOvr>
+    <a:masterClrMapping/>
+  </p:clrMapOvr>
+  <mc:AlternateContent xmlns:mc="http://schemas.openxmlformats.org/markup-compatibility/2006">
+    <mc:Choice xmlns:p14="http://schemas.microsoft.com/office/powerpoint/2010/main" Requires="p14">
+      <p:transition xmlns:mc="http://schemas.openxmlformats.org/markup-compatibility/2006" xmlns:p14="http://schemas.microsoft.com/office/powerpoint/2010/main" mc:Ignorable="p14" p14:dur="500"/>
+    </mc:Choice>
+    <mc:Fallback>
+      <p:transition/>
+    </mc:Fallback>
+  </mc:AlternateContent>
+</p:sld>
+</file>
+
+<file path=ppt/slides/slide16.xml><?xml version="1.0" encoding="utf-8"?>
+<p:sld xmlns:r="http://schemas.openxmlformats.org/officeDocument/2006/relationships" xmlns:c="http://schemas.openxmlformats.org/drawingml/2006/chart" xmlns:a="http://schemas.openxmlformats.org/drawingml/2006/main" xmlns:dgm="http://schemas.openxmlformats.org/drawingml/2006/diagram" xmlns:dsp="http://schemas.microsoft.com/office/drawing/2008/diagram" xmlns:p="http://schemas.openxmlformats.org/presentationml/2006/main">
+  <p:cSld>
+    <p:spTree>
+      <p:nvGrpSpPr>
+        <p:cNvPr id="1" name=""/>
+        <p:cNvGrpSpPr/>
+        <p:nvPr/>
+      </p:nvGrpSpPr>
+      <p:grpSpPr>
+        <a:xfrm>
+          <a:off x="0" y="0"/>
+          <a:ext cx="0" cy="0"/>
+          <a:chOff x="0" y="0"/>
+          <a:chExt cx="0" cy="0"/>
+        </a:xfrm>
+      </p:grpSpPr>
+      <p:sp>
+        <p:nvSpPr>
+          <p:cNvPr id="9" name="직사각형 8"/>
+          <p:cNvSpPr/>
+          <p:nvPr/>
+        </p:nvSpPr>
+        <p:spPr>
+          <a:xfrm>
+            <a:off x="0" y="0"/>
+            <a:ext cx="12192000" cy="972187"/>
+          </a:xfrm>
+          <a:prstGeom prst="rect">
+            <a:avLst/>
+          </a:prstGeom>
+          <a:solidFill>
+            <a:schemeClr val="bg1"/>
+          </a:solidFill>
+          <a:ln>
+            <a:noFill/>
+          </a:ln>
+        </p:spPr>
+        <p:style>
+          <a:lnRef idx="2">
+            <a:schemeClr val="accent1">
+              <a:shade val="50000"/>
+            </a:schemeClr>
+          </a:lnRef>
+          <a:fillRef idx="1">
+            <a:schemeClr val="accent1"/>
+          </a:fillRef>
+          <a:effectRef idx="0">
+            <a:schemeClr val="accent1"/>
+          </a:effectRef>
+          <a:fontRef idx="minor">
+            <a:schemeClr val="lt1"/>
+          </a:fontRef>
+        </p:style>
+        <p:txBody>
+          <a:bodyPr anchor="ctr"/>
+          <a:lstStyle/>
+          <a:p>
+            <a:pPr algn="ctr" latinLnBrk="0">
+              <a:lnSpc>
+                <a:spcPct val="150000"/>
+              </a:lnSpc>
+              <a:defRPr/>
+            </a:pPr>
+            <a:r>
+              <a:rPr lang="en-US" altLang="ko-KR" sz="2400" b="1" i="1" kern="0">
+                <a:solidFill>
+                  <a:prstClr val="black">
+                    <a:lumMod val="75000"/>
+                    <a:lumOff val="25000"/>
+                  </a:prstClr>
+                </a:solidFill>
+              </a:rPr>
+              <a:t>AWS</a:t>
+            </a:r>
+            <a:r>
+              <a:rPr lang="ko-KR" altLang="en-US" sz="2400" b="1" i="1" kern="0">
+                <a:solidFill>
+                  <a:prstClr val="black">
+                    <a:lumMod val="75000"/>
+                    <a:lumOff val="25000"/>
+                  </a:prstClr>
+                </a:solidFill>
+              </a:rPr>
+              <a:t> 기능 소개</a:t>
+            </a:r>
+            <a:endParaRPr lang="en-US" altLang="ko-KR" sz="2400" b="1" i="1" kern="0">
+              <a:solidFill>
+                <a:prstClr val="black">
+                  <a:lumMod val="75000"/>
+                  <a:lumOff val="25000"/>
+                </a:prstClr>
+              </a:solidFill>
+            </a:endParaRPr>
+          </a:p>
+        </p:txBody>
+      </p:sp>
+      <p:cxnSp>
+        <p:nvCxnSpPr>
+          <p:cNvPr id="10" name="직선 연결선 9"/>
+          <p:cNvCxnSpPr/>
+          <p:nvPr/>
+        </p:nvCxnSpPr>
+        <p:spPr>
+          <a:xfrm flipH="1">
+            <a:off x="0" y="1116461"/>
+            <a:ext cx="12192000" cy="0"/>
+          </a:xfrm>
+          <a:prstGeom prst="line">
+            <a:avLst/>
+          </a:prstGeom>
+          <a:ln>
+            <a:solidFill>
+              <a:schemeClr val="tx2"/>
+            </a:solidFill>
+            <a:headEnd type="oval"/>
+          </a:ln>
+        </p:spPr>
+        <p:style>
+          <a:lnRef idx="1">
+            <a:schemeClr val="accent1"/>
+          </a:lnRef>
+          <a:fillRef idx="0">
+            <a:schemeClr val="accent1"/>
+          </a:fillRef>
+          <a:effectRef idx="0">
+            <a:schemeClr val="accent1"/>
+          </a:effectRef>
+          <a:fontRef idx="minor">
+            <a:schemeClr val="tx1"/>
+          </a:fontRef>
+        </p:style>
+      </p:cxnSp>
+    </p:spTree>
+  </p:cSld>
+  <p:clrMapOvr>
+    <a:masterClrMapping/>
+  </p:clrMapOvr>
+  <mc:AlternateContent xmlns:mc="http://schemas.openxmlformats.org/markup-compatibility/2006">
+    <mc:Choice xmlns:p14="http://schemas.microsoft.com/office/powerpoint/2010/main" Requires="p14">
+      <p:transition xmlns:mc="http://schemas.openxmlformats.org/markup-compatibility/2006" xmlns:p14="http://schemas.microsoft.com/office/powerpoint/2010/main" mc:Ignorable="p14" p14:dur="500"/>
+    </mc:Choice>
+    <mc:Fallback>
+      <p:transition/>
+    </mc:Fallback>
+  </mc:AlternateContent>
+</p:sld>
+</file>
+
+<file path=ppt/slides/slide17.xml><?xml version="1.0" encoding="utf-8"?>
 <p:sld xmlns:a="http://schemas.openxmlformats.org/drawingml/2006/main" xmlns:r="http://schemas.openxmlformats.org/officeDocument/2006/relationships" xmlns:p="http://schemas.openxmlformats.org/presentationml/2006/main">
   <p:cSld>
     <p:spTree>
@@ -6412,7 +7105,7 @@
 </p:sld>
 </file>
 
-<file path=ppt/slides/slide15.xml><?xml version="1.0" encoding="utf-8"?>
+<file path=ppt/slides/slide18.xml><?xml version="1.0" encoding="utf-8"?>
 <p:sld xmlns:a="http://schemas.openxmlformats.org/drawingml/2006/main" xmlns:r="http://schemas.openxmlformats.org/officeDocument/2006/relationships" xmlns:p="http://schemas.openxmlformats.org/presentationml/2006/main">
   <p:cSld>
     <p:spTree>

--- a/smartfarm.pptx
+++ b/smartfarm.pptx
@@ -2,7 +2,7 @@
 <file path=ppt/presentation.xml><?xml version="1.0" encoding="utf-8"?>
 <p:presentation xmlns:r="http://schemas.openxmlformats.org/officeDocument/2006/relationships" xmlns:c="http://schemas.openxmlformats.org/drawingml/2006/chart" xmlns:a="http://schemas.openxmlformats.org/drawingml/2006/main" xmlns:dgm="http://schemas.openxmlformats.org/drawingml/2006/diagram" xmlns:dsp="http://schemas.microsoft.com/office/drawing/2008/diagram" xmlns:p="http://schemas.openxmlformats.org/presentationml/2006/main" saveSubsetFonts="1">
   <p:sldMasterIdLst>
-    <p:sldMasterId id="2147483675" r:id="rId1"/>
+    <p:sldMasterId id="2147483680" r:id="rId1"/>
   </p:sldMasterIdLst>
   <p:sldIdLst>
     <p:sldId id="256" r:id="rId2"/>
@@ -6255,12 +6255,19 @@
         </p:blipFill>
         <p:spPr>
           <a:xfrm>
-            <a:off x="3305307" y="1921368"/>
+            <a:off x="3102426" y="1921367"/>
             <a:ext cx="1212590" cy="1212590"/>
           </a:xfrm>
           <a:prstGeom prst="rect">
             <a:avLst/>
           </a:prstGeom>
+          <a:effectLst>
+            <a:outerShdw blurRad="76200" sx="104000" sy="104000" algn="ctr" rotWithShape="0">
+              <a:srgbClr val="000000">
+                <a:alpha val="50000"/>
+              </a:srgbClr>
+            </a:outerShdw>
+          </a:effectLst>
         </p:spPr>
       </p:pic>
       <p:pic>
@@ -6279,12 +6286,13 @@
         </p:blipFill>
         <p:spPr>
           <a:xfrm>
-            <a:off x="112744" y="2821738"/>
-            <a:ext cx="1763768" cy="1763768"/>
+            <a:off x="2645799" y="2248474"/>
+            <a:ext cx="449670" cy="449670"/>
           </a:xfrm>
           <a:prstGeom prst="rect">
             <a:avLst/>
           </a:prstGeom>
+          <a:effectLst/>
         </p:spPr>
       </p:pic>
       <p:pic>
@@ -6303,12 +6311,13 @@
         </p:blipFill>
         <p:spPr>
           <a:xfrm>
-            <a:off x="3451098" y="4764560"/>
+            <a:off x="3248217" y="4764560"/>
             <a:ext cx="992119" cy="992119"/>
           </a:xfrm>
           <a:prstGeom prst="rect">
             <a:avLst/>
           </a:prstGeom>
+          <a:effectLst/>
         </p:spPr>
       </p:pic>
       <p:pic>
@@ -6327,12 +6336,19 @@
         </p:blipFill>
         <p:spPr>
           <a:xfrm>
-            <a:off x="7964722" y="4718651"/>
+            <a:off x="7761841" y="4718651"/>
             <a:ext cx="1102355" cy="1102355"/>
           </a:xfrm>
           <a:prstGeom prst="rect">
             <a:avLst/>
           </a:prstGeom>
+          <a:effectLst>
+            <a:outerShdw blurRad="76200" sx="104000" sy="104000" algn="ctr" rotWithShape="0">
+              <a:srgbClr val="000000">
+                <a:alpha val="50000"/>
+              </a:srgbClr>
+            </a:outerShdw>
+          </a:effectLst>
         </p:spPr>
       </p:pic>
       <p:pic>
@@ -6351,12 +6367,19 @@
         </p:blipFill>
         <p:spPr>
           <a:xfrm>
-            <a:off x="7980036" y="1882648"/>
+            <a:off x="7794793" y="2076675"/>
             <a:ext cx="1102355" cy="1102355"/>
           </a:xfrm>
           <a:prstGeom prst="rect">
             <a:avLst/>
           </a:prstGeom>
+          <a:effectLst>
+            <a:outerShdw blurRad="76200" sx="104000" sy="104000" algn="ctr" rotWithShape="0">
+              <a:srgbClr val="000000">
+                <a:alpha val="50000"/>
+              </a:srgbClr>
+            </a:outerShdw>
+          </a:effectLst>
         </p:spPr>
       </p:pic>
       <p:sp>
@@ -6367,7 +6390,7 @@
         </p:nvSpPr>
         <p:spPr>
           <a:xfrm rot="10800000">
-            <a:off x="5926247" y="2113202"/>
+            <a:off x="5743736" y="2280771"/>
             <a:ext cx="704527" cy="254092"/>
           </a:xfrm>
           <a:prstGeom prst="rightArrow">
@@ -6376,6 +6399,13 @@
               <a:gd name="adj2" fmla="val 50000"/>
             </a:avLst>
           </a:prstGeom>
+          <a:effectLst>
+            <a:outerShdw blurRad="76200" sx="104000" sy="104000" algn="ctr" rotWithShape="0">
+              <a:srgbClr val="000000">
+                <a:alpha val="50000"/>
+              </a:srgbClr>
+            </a:outerShdw>
+          </a:effectLst>
         </p:spPr>
         <p:style>
           <a:lnRef idx="2">
@@ -6411,7 +6441,7 @@
         </p:nvSpPr>
         <p:spPr>
           <a:xfrm rot="10800000">
-            <a:off x="5946618" y="4745874"/>
+            <a:off x="5743737" y="5089832"/>
             <a:ext cx="704527" cy="254092"/>
           </a:xfrm>
           <a:prstGeom prst="rightArrow">
@@ -6420,6 +6450,13 @@
               <a:gd name="adj2" fmla="val 50000"/>
             </a:avLst>
           </a:prstGeom>
+          <a:effectLst>
+            <a:outerShdw blurRad="76200" sx="104000" sy="104000" algn="ctr" rotWithShape="0">
+              <a:srgbClr val="000000">
+                <a:alpha val="50000"/>
+              </a:srgbClr>
+            </a:outerShdw>
+          </a:effectLst>
         </p:spPr>
         <p:style>
           <a:lnRef idx="2">
@@ -6448,16 +6485,41 @@
           </a:p>
         </p:txBody>
       </p:sp>
+      <p:pic>
+        <p:nvPicPr>
+          <p:cNvPr id="20" name=""/>
+          <p:cNvPicPr>
+            <a:picLocks noChangeAspect="1"/>
+          </p:cNvPicPr>
+          <p:nvPr/>
+        </p:nvPicPr>
+        <p:blipFill rotWithShape="1">
+          <a:blip r:embed="rId7"/>
+          <a:stretch>
+            <a:fillRect/>
+          </a:stretch>
+        </p:blipFill>
+        <p:spPr>
+          <a:xfrm>
+            <a:off x="2648269" y="4870320"/>
+            <a:ext cx="449670" cy="449670"/>
+          </a:xfrm>
+          <a:prstGeom prst="rect">
+            <a:avLst/>
+          </a:prstGeom>
+          <a:effectLst/>
+        </p:spPr>
+      </p:pic>
       <p:sp>
         <p:nvSpPr>
-          <p:cNvPr id="19" name=""/>
+          <p:cNvPr id="21" name=""/>
           <p:cNvSpPr/>
           <p:nvPr/>
         </p:nvSpPr>
         <p:spPr>
           <a:xfrm rot="16200000">
-            <a:off x="4022466" y="3563739"/>
-            <a:ext cx="445534" cy="176056"/>
+            <a:off x="3362486" y="3654217"/>
+            <a:ext cx="704527" cy="254092"/>
           </a:xfrm>
           <a:prstGeom prst="rightArrow">
             <a:avLst>
@@ -6465,6 +6527,13 @@
               <a:gd name="adj2" fmla="val 50000"/>
             </a:avLst>
           </a:prstGeom>
+          <a:effectLst>
+            <a:outerShdw blurRad="76200" sx="104000" sy="104000" algn="ctr" rotWithShape="0">
+              <a:srgbClr val="000000">
+                <a:alpha val="50000"/>
+              </a:srgbClr>
+            </a:outerShdw>
+          </a:effectLst>
         </p:spPr>
         <p:style>
           <a:lnRef idx="2">
@@ -6526,31 +6595,135 @@
           <a:chExt cx="0" cy="0"/>
         </a:xfrm>
       </p:grpSpPr>
+      <p:pic>
+        <p:nvPicPr>
+          <p:cNvPr id="11" name=""/>
+          <p:cNvPicPr>
+            <a:picLocks noChangeAspect="1"/>
+          </p:cNvPicPr>
+          <p:nvPr/>
+        </p:nvPicPr>
+        <p:blipFill rotWithShape="1">
+          <a:blip r:embed="rId2"/>
+          <a:stretch>
+            <a:fillRect/>
+          </a:stretch>
+        </p:blipFill>
+        <p:spPr>
+          <a:xfrm>
+            <a:off x="971561" y="176655"/>
+            <a:ext cx="9000002" cy="1037340"/>
+          </a:xfrm>
+          <a:prstGeom prst="rect">
+            <a:avLst/>
+          </a:prstGeom>
+          <a:effectLst>
+            <a:outerShdw blurRad="76200" sx="104000" sy="104000" algn="ctr" rotWithShape="0">
+              <a:srgbClr val="000000">
+                <a:alpha val="50000"/>
+              </a:srgbClr>
+            </a:outerShdw>
+          </a:effectLst>
+        </p:spPr>
+      </p:pic>
+      <p:pic>
+        <p:nvPicPr>
+          <p:cNvPr id="12" name=""/>
+          <p:cNvPicPr>
+            <a:picLocks noChangeAspect="1"/>
+          </p:cNvPicPr>
+          <p:nvPr/>
+        </p:nvPicPr>
+        <p:blipFill rotWithShape="1">
+          <a:blip r:embed="rId3"/>
+          <a:stretch>
+            <a:fillRect/>
+          </a:stretch>
+        </p:blipFill>
+        <p:spPr>
+          <a:xfrm>
+            <a:off x="874102" y="1325456"/>
+            <a:ext cx="3832504" cy="5385709"/>
+          </a:xfrm>
+          <a:prstGeom prst="rect">
+            <a:avLst/>
+          </a:prstGeom>
+          <a:effectLst>
+            <a:outerShdw blurRad="76200" sx="104000" sy="104000" algn="ctr" rotWithShape="0">
+              <a:srgbClr val="000000">
+                <a:alpha val="50000"/>
+              </a:srgbClr>
+            </a:outerShdw>
+          </a:effectLst>
+        </p:spPr>
+      </p:pic>
       <p:sp>
         <p:nvSpPr>
-          <p:cNvPr id="9" name="직사각형 8"/>
+          <p:cNvPr id="13" name=""/>
           <p:cNvSpPr/>
           <p:nvPr/>
         </p:nvSpPr>
         <p:spPr>
           <a:xfrm>
-            <a:off x="0" y="0"/>
-            <a:ext cx="12192000" cy="972187"/>
+            <a:off x="1795463" y="3100381"/>
+            <a:ext cx="2590799" cy="133350"/>
           </a:xfrm>
           <a:prstGeom prst="rect">
             <a:avLst/>
           </a:prstGeom>
-          <a:solidFill>
-            <a:schemeClr val="bg1"/>
-          </a:solidFill>
-          <a:ln>
-            <a:noFill/>
-          </a:ln>
+          <a:effectLst>
+            <a:outerShdw blurRad="76200" sx="104000" sy="104000" algn="ctr" rotWithShape="0">
+              <a:srgbClr val="000000">
+                <a:alpha val="50000"/>
+              </a:srgbClr>
+            </a:outerShdw>
+          </a:effectLst>
         </p:spPr>
         <p:style>
           <a:lnRef idx="2">
             <a:schemeClr val="accent1">
-              <a:shade val="50000"/>
+              <a:shade val="20000"/>
+            </a:schemeClr>
+          </a:lnRef>
+          <a:fillRef idx="1">
+            <a:schemeClr val="accent1"/>
+          </a:fillRef>
+          <a:effectRef idx="0">
+            <a:schemeClr val="accent1"/>
+          </a:effectRef>
+          <a:fontRef idx="minor">
+            <a:schemeClr val="lt1"/>
+          </a:fontRef>
+        </p:style>
+        <p:txBody>
+          <a:bodyPr anchor="ctr"/>
+          <a:p>
+            <a:pPr algn="ctr">
+              <a:defRPr/>
+            </a:pPr>
+            <a:endParaRPr lang="ko-KR" altLang="en-US"/>
+          </a:p>
+        </p:txBody>
+      </p:sp>
+      <p:sp>
+        <p:nvSpPr>
+          <p:cNvPr id="14" name=""/>
+          <p:cNvSpPr/>
+          <p:nvPr/>
+        </p:nvSpPr>
+        <p:spPr>
+          <a:xfrm>
+            <a:off x="1919286" y="3371850"/>
+            <a:ext cx="2590799" cy="133350"/>
+          </a:xfrm>
+          <a:prstGeom prst="rect">
+            <a:avLst/>
+          </a:prstGeom>
+        </p:spPr>
+        <p:style>
+          <a:lnRef idx="2">
+            <a:schemeClr val="accent1">
+              <a:shade val="20000"/>
             </a:schemeClr>
           </a:lnRef>
           <a:fillRef idx="1">
@@ -6567,81 +6740,86 @@
           <a:bodyPr anchor="ctr"/>
           <a:lstStyle/>
           <a:p>
-            <a:pPr algn="ctr" latinLnBrk="0">
-              <a:lnSpc>
-                <a:spcPct val="150000"/>
-              </a:lnSpc>
+            <a:pPr algn="ctr">
               <a:defRPr/>
             </a:pPr>
-            <a:r>
-              <a:rPr lang="en-US" altLang="ko-KR" sz="2400" b="1" i="1" kern="0">
-                <a:solidFill>
-                  <a:prstClr val="black">
-                    <a:lumMod val="75000"/>
-                    <a:lumOff val="25000"/>
-                  </a:prstClr>
-                </a:solidFill>
-              </a:rPr>
-              <a:t>AWS</a:t>
-            </a:r>
-            <a:r>
-              <a:rPr lang="ko-KR" altLang="en-US" sz="2400" b="1" i="1" kern="0">
-                <a:solidFill>
-                  <a:prstClr val="black">
-                    <a:lumMod val="75000"/>
-                    <a:lumOff val="25000"/>
-                  </a:prstClr>
-                </a:solidFill>
-              </a:rPr>
-              <a:t> 기능 소개</a:t>
-            </a:r>
-            <a:endParaRPr lang="en-US" altLang="ko-KR" sz="2400" b="1" i="1" kern="0">
-              <a:solidFill>
-                <a:prstClr val="black">
-                  <a:lumMod val="75000"/>
-                  <a:lumOff val="25000"/>
-                </a:prstClr>
-              </a:solidFill>
-            </a:endParaRPr>
+            <a:endParaRPr lang="ko-KR" altLang="en-US"/>
           </a:p>
         </p:txBody>
       </p:sp>
-      <p:cxnSp>
-        <p:nvCxnSpPr>
-          <p:cNvPr id="10" name="직선 연결선 9"/>
-          <p:cNvCxnSpPr/>
-          <p:nvPr/>
-        </p:nvCxnSpPr>
-        <p:spPr>
-          <a:xfrm flipH="1">
-            <a:off x="0" y="1116461"/>
-            <a:ext cx="12192000" cy="0"/>
-          </a:xfrm>
-          <a:prstGeom prst="line">
-            <a:avLst/>
-          </a:prstGeom>
-          <a:ln>
-            <a:solidFill>
-              <a:schemeClr val="tx2"/>
-            </a:solidFill>
-            <a:headEnd type="oval"/>
-          </a:ln>
+      <p:sp>
+        <p:nvSpPr>
+          <p:cNvPr id="15" name=""/>
+          <p:cNvSpPr/>
+          <p:nvPr/>
+        </p:nvSpPr>
+        <p:spPr>
+          <a:xfrm>
+            <a:off x="4500561" y="871533"/>
+            <a:ext cx="2590799" cy="133350"/>
+          </a:xfrm>
+          <a:prstGeom prst="rect">
+            <a:avLst/>
+          </a:prstGeom>
         </p:spPr>
         <p:style>
-          <a:lnRef idx="1">
-            <a:schemeClr val="accent1"/>
+          <a:lnRef idx="2">
+            <a:schemeClr val="accent1">
+              <a:shade val="20000"/>
+            </a:schemeClr>
           </a:lnRef>
-          <a:fillRef idx="0">
+          <a:fillRef idx="1">
             <a:schemeClr val="accent1"/>
           </a:fillRef>
           <a:effectRef idx="0">
             <a:schemeClr val="accent1"/>
           </a:effectRef>
           <a:fontRef idx="minor">
-            <a:schemeClr val="tx1"/>
+            <a:schemeClr val="lt1"/>
           </a:fontRef>
         </p:style>
-      </p:cxnSp>
+        <p:txBody>
+          <a:bodyPr anchor="ctr"/>
+          <a:lstStyle/>
+          <a:p>
+            <a:pPr algn="ctr">
+              <a:defRPr/>
+            </a:pPr>
+            <a:endParaRPr lang="ko-KR" altLang="en-US"/>
+          </a:p>
+        </p:txBody>
+      </p:sp>
+      <p:pic>
+        <p:nvPicPr>
+          <p:cNvPr id="16" name=""/>
+          <p:cNvPicPr>
+            <a:picLocks noChangeAspect="1"/>
+          </p:cNvPicPr>
+          <p:nvPr/>
+        </p:nvPicPr>
+        <p:blipFill rotWithShape="1">
+          <a:blip r:embed="rId4"/>
+          <a:stretch>
+            <a:fillRect/>
+          </a:stretch>
+        </p:blipFill>
+        <p:spPr>
+          <a:xfrm>
+            <a:off x="5276218" y="1890426"/>
+            <a:ext cx="4534532" cy="4105848"/>
+          </a:xfrm>
+          <a:prstGeom prst="rect">
+            <a:avLst/>
+          </a:prstGeom>
+          <a:effectLst>
+            <a:outerShdw blurRad="76200" sx="104000" sy="104000" algn="ctr" rotWithShape="0">
+              <a:srgbClr val="000000">
+                <a:alpha val="50000"/>
+              </a:srgbClr>
+            </a:outerShdw>
+          </a:effectLst>
+        </p:spPr>
+      </p:pic>
     </p:spTree>
   </p:cSld>
   <p:clrMapOvr>
@@ -6723,17 +6901,6 @@
               <a:defRPr/>
             </a:pPr>
             <a:r>
-              <a:rPr lang="en-US" altLang="ko-KR" sz="2400" b="1" i="1" kern="0">
-                <a:solidFill>
-                  <a:prstClr val="black">
-                    <a:lumMod val="75000"/>
-                    <a:lumOff val="25000"/>
-                  </a:prstClr>
-                </a:solidFill>
-              </a:rPr>
-              <a:t>AWS</a:t>
-            </a:r>
-            <a:r>
               <a:rPr lang="ko-KR" altLang="en-US" sz="2400" b="1" i="1" kern="0">
                 <a:solidFill>
                   <a:prstClr val="black">
@@ -6742,9 +6909,9 @@
                   </a:prstClr>
                 </a:solidFill>
               </a:rPr>
-              <a:t> 기능 소개</a:t>
-            </a:r>
-            <a:endParaRPr lang="en-US" altLang="ko-KR" sz="2400" b="1" i="1" kern="0">
+              <a:t>안드로이드 내부 데이터 제어</a:t>
+            </a:r>
+            <a:endParaRPr lang="ko-KR" altLang="en-US" sz="2400" b="1" i="1" kern="0">
               <a:solidFill>
                 <a:prstClr val="black">
                   <a:lumMod val="75000"/>
@@ -6791,6 +6958,68 @@
           </a:fontRef>
         </p:style>
       </p:cxnSp>
+      <p:pic>
+        <p:nvPicPr>
+          <p:cNvPr id="11" name=""/>
+          <p:cNvPicPr>
+            <a:picLocks noChangeAspect="1"/>
+          </p:cNvPicPr>
+          <p:nvPr/>
+        </p:nvPicPr>
+        <p:blipFill rotWithShape="1">
+          <a:blip r:embed="rId2"/>
+          <a:stretch>
+            <a:fillRect/>
+          </a:stretch>
+        </p:blipFill>
+        <p:spPr>
+          <a:xfrm>
+            <a:off x="840585" y="2866946"/>
+            <a:ext cx="5658639" cy="1124106"/>
+          </a:xfrm>
+          <a:prstGeom prst="rect">
+            <a:avLst/>
+          </a:prstGeom>
+          <a:effectLst>
+            <a:outerShdw blurRad="76200" sx="104000" sy="104000" algn="ctr" rotWithShape="0">
+              <a:srgbClr val="000000">
+                <a:alpha val="50000"/>
+              </a:srgbClr>
+            </a:outerShdw>
+          </a:effectLst>
+        </p:spPr>
+      </p:pic>
+      <p:pic>
+        <p:nvPicPr>
+          <p:cNvPr id="12" name=""/>
+          <p:cNvPicPr>
+            <a:picLocks noChangeAspect="1"/>
+          </p:cNvPicPr>
+          <p:nvPr/>
+        </p:nvPicPr>
+        <p:blipFill rotWithShape="1">
+          <a:blip r:embed="rId3"/>
+          <a:stretch>
+            <a:fillRect/>
+          </a:stretch>
+        </p:blipFill>
+        <p:spPr>
+          <a:xfrm>
+            <a:off x="7194807" y="1355489"/>
+            <a:ext cx="3820067" cy="5340585"/>
+          </a:xfrm>
+          <a:prstGeom prst="rect">
+            <a:avLst/>
+          </a:prstGeom>
+          <a:effectLst>
+            <a:outerShdw blurRad="76200" sx="104000" sy="104000" algn="ctr" rotWithShape="0">
+              <a:srgbClr val="000000">
+                <a:alpha val="50000"/>
+              </a:srgbClr>
+            </a:outerShdw>
+          </a:effectLst>
+        </p:spPr>
+      </p:pic>
     </p:spTree>
   </p:cSld>
   <p:clrMapOvr>
@@ -6872,17 +7101,6 @@
               <a:defRPr/>
             </a:pPr>
             <a:r>
-              <a:rPr lang="en-US" altLang="ko-KR" sz="2400" b="1" i="1" kern="0">
-                <a:solidFill>
-                  <a:prstClr val="black">
-                    <a:lumMod val="75000"/>
-                    <a:lumOff val="25000"/>
-                  </a:prstClr>
-                </a:solidFill>
-              </a:rPr>
-              <a:t>AWS</a:t>
-            </a:r>
-            <a:r>
               <a:rPr lang="ko-KR" altLang="en-US" sz="2400" b="1" i="1" kern="0">
                 <a:solidFill>
                   <a:prstClr val="black">
@@ -6891,9 +7109,9 @@
                   </a:prstClr>
                 </a:solidFill>
               </a:rPr>
-              <a:t> 기능 소개</a:t>
-            </a:r>
-            <a:endParaRPr lang="en-US" altLang="ko-KR" sz="2400" b="1" i="1" kern="0">
+              <a:t>어플리케이션 강제종료 핸들링 </a:t>
+            </a:r>
+            <a:endParaRPr lang="ko-KR" altLang="en-US" sz="2400" b="1" i="1" kern="0">
               <a:solidFill>
                 <a:prstClr val="black">
                   <a:lumMod val="75000"/>
@@ -6940,6 +7158,99 @@
           </a:fontRef>
         </p:style>
       </p:cxnSp>
+      <p:pic>
+        <p:nvPicPr>
+          <p:cNvPr id="11" name=""/>
+          <p:cNvPicPr>
+            <a:picLocks noChangeAspect="1"/>
+          </p:cNvPicPr>
+          <p:nvPr/>
+        </p:nvPicPr>
+        <p:blipFill rotWithShape="1">
+          <a:blip r:embed="rId2"/>
+          <a:stretch>
+            <a:fillRect/>
+          </a:stretch>
+        </p:blipFill>
+        <p:spPr>
+          <a:xfrm>
+            <a:off x="876089" y="1454083"/>
+            <a:ext cx="3029372" cy="933580"/>
+          </a:xfrm>
+          <a:prstGeom prst="rect">
+            <a:avLst/>
+          </a:prstGeom>
+          <a:effectLst>
+            <a:outerShdw blurRad="76200" sx="104000" sy="104000" algn="ctr" rotWithShape="0">
+              <a:srgbClr val="000000">
+                <a:alpha val="50000"/>
+              </a:srgbClr>
+            </a:outerShdw>
+          </a:effectLst>
+        </p:spPr>
+      </p:pic>
+      <p:pic>
+        <p:nvPicPr>
+          <p:cNvPr id="12" name=""/>
+          <p:cNvPicPr>
+            <a:picLocks noChangeAspect="1"/>
+          </p:cNvPicPr>
+          <p:nvPr/>
+        </p:nvPicPr>
+        <p:blipFill rotWithShape="1">
+          <a:blip r:embed="rId3"/>
+          <a:stretch>
+            <a:fillRect/>
+          </a:stretch>
+        </p:blipFill>
+        <p:spPr>
+          <a:xfrm>
+            <a:off x="881252" y="2767831"/>
+            <a:ext cx="4877480" cy="3439005"/>
+          </a:xfrm>
+          <a:prstGeom prst="rect">
+            <a:avLst/>
+          </a:prstGeom>
+          <a:effectLst>
+            <a:outerShdw blurRad="76200" sx="104000" sy="104000" algn="ctr" rotWithShape="0">
+              <a:srgbClr val="000000">
+                <a:alpha val="50000"/>
+              </a:srgbClr>
+            </a:outerShdw>
+          </a:effectLst>
+        </p:spPr>
+      </p:pic>
+      <p:pic>
+        <p:nvPicPr>
+          <p:cNvPr id="13" name=""/>
+          <p:cNvPicPr>
+            <a:picLocks noChangeAspect="1"/>
+          </p:cNvPicPr>
+          <p:nvPr/>
+        </p:nvPicPr>
+        <p:blipFill rotWithShape="1">
+          <a:blip r:embed="rId4"/>
+          <a:stretch>
+            <a:fillRect/>
+          </a:stretch>
+        </p:blipFill>
+        <p:spPr>
+          <a:xfrm>
+            <a:off x="6569797" y="3190841"/>
+            <a:ext cx="4820322" cy="476316"/>
+          </a:xfrm>
+          <a:prstGeom prst="rect">
+            <a:avLst/>
+          </a:prstGeom>
+          <a:effectLst>
+            <a:outerShdw blurRad="76200" sx="104000" sy="104000" algn="ctr" rotWithShape="0">
+              <a:srgbClr val="000000">
+                <a:alpha val="50000"/>
+              </a:srgbClr>
+            </a:outerShdw>
+          </a:effectLst>
+        </p:spPr>
+      </p:pic>
     </p:spTree>
   </p:cSld>
   <p:clrMapOvr>
@@ -6957,7 +7268,7 @@
 </file>
 
 <file path=ppt/slides/slide17.xml><?xml version="1.0" encoding="utf-8"?>
-<p:sld xmlns:a="http://schemas.openxmlformats.org/drawingml/2006/main" xmlns:r="http://schemas.openxmlformats.org/officeDocument/2006/relationships" xmlns:p="http://schemas.openxmlformats.org/presentationml/2006/main">
+<p:sld xmlns:r="http://schemas.openxmlformats.org/officeDocument/2006/relationships" xmlns:c="http://schemas.openxmlformats.org/drawingml/2006/chart" xmlns:a="http://schemas.openxmlformats.org/drawingml/2006/main" xmlns:dgm="http://schemas.openxmlformats.org/drawingml/2006/diagram" xmlns:dsp="http://schemas.microsoft.com/office/drawing/2008/diagram" xmlns:p="http://schemas.openxmlformats.org/presentationml/2006/main">
   <p:cSld>
     <p:spTree>
       <p:nvGrpSpPr>
@@ -6975,13 +7286,7 @@
       </p:grpSpPr>
       <p:sp>
         <p:nvSpPr>
-          <p:cNvPr id="9" name="직사각형 8">
-            <a:extLst>
-              <a:ext uri="{FF2B5EF4-FFF2-40B4-BE49-F238E27FC236}">
-                <a16:creationId xmlns:a16="http://schemas.microsoft.com/office/drawing/2014/main" id="{9A30FD79-8C4F-4B1C-B89F-D3B99C9D6301}"/>
-              </a:ext>
-            </a:extLst>
-          </p:cNvPr>
+          <p:cNvPr id="9" name="직사각형 8"/>
           <p:cNvSpPr/>
           <p:nvPr/>
         </p:nvSpPr>
@@ -7017,7 +7322,7 @@
           </a:fontRef>
         </p:style>
         <p:txBody>
-          <a:bodyPr rtlCol="0" anchor="ctr"/>
+          <a:bodyPr anchor="ctr"/>
           <a:lstStyle/>
           <a:p>
             <a:pPr algn="ctr" latinLnBrk="0">
@@ -7027,7 +7332,7 @@
               <a:defRPr/>
             </a:pPr>
             <a:r>
-              <a:rPr lang="ko-KR" altLang="en-US" sz="2400" b="1" i="1" kern="0" dirty="0">
+              <a:rPr lang="ko-KR" altLang="en-US" sz="2400" b="1" i="1" kern="0">
                 <a:solidFill>
                   <a:prstClr val="black">
                     <a:lumMod val="75000"/>
@@ -7035,9 +7340,53 @@
                   </a:prstClr>
                 </a:solidFill>
               </a:rPr>
-              <a:t>안드로이드 기능 소개</a:t>
-            </a:r>
-            <a:endParaRPr lang="en-US" altLang="ko-KR" sz="2400" b="1" i="1" kern="0" dirty="0">
+              <a:t>카카오 채널 관리자</a:t>
+            </a:r>
+            <a:r>
+              <a:rPr lang="en-US" altLang="ko-KR" sz="2400" b="1" i="1" kern="0">
+                <a:solidFill>
+                  <a:prstClr val="black">
+                    <a:lumMod val="75000"/>
+                    <a:lumOff val="25000"/>
+                  </a:prstClr>
+                </a:solidFill>
+              </a:rPr>
+              <a:t>,</a:t>
+            </a:r>
+            <a:r>
+              <a:rPr lang="ko-KR" altLang="en-US" sz="2400" b="1" i="1" kern="0">
+                <a:solidFill>
+                  <a:prstClr val="black">
+                    <a:lumMod val="75000"/>
+                    <a:lumOff val="25000"/>
+                  </a:prstClr>
+                </a:solidFill>
+              </a:rPr>
+              <a:t> 카카오</a:t>
+            </a:r>
+            <a:r>
+              <a:rPr lang="en-US" altLang="ko-KR" sz="2400" b="1" i="1" kern="0">
+                <a:solidFill>
+                  <a:prstClr val="black">
+                    <a:lumMod val="75000"/>
+                    <a:lumOff val="25000"/>
+                  </a:prstClr>
+                </a:solidFill>
+              </a:rPr>
+              <a:t> i</a:t>
+            </a:r>
+            <a:r>
+              <a:rPr lang="ko-KR" altLang="en-US" sz="2400" b="1" i="1" kern="0">
+                <a:solidFill>
+                  <a:prstClr val="black">
+                    <a:lumMod val="75000"/>
+                    <a:lumOff val="25000"/>
+                  </a:prstClr>
+                </a:solidFill>
+              </a:rPr>
+              <a:t> 오픈빌더 사용</a:t>
+            </a:r>
+            <a:endParaRPr lang="ko-KR" altLang="en-US" sz="2400" b="1" i="1" kern="0">
               <a:solidFill>
                 <a:prstClr val="black">
                   <a:lumMod val="75000"/>
@@ -7050,16 +7399,8 @@
       </p:sp>
       <p:cxnSp>
         <p:nvCxnSpPr>
-          <p:cNvPr id="10" name="직선 연결선 9">
-            <a:extLst>
-              <a:ext uri="{FF2B5EF4-FFF2-40B4-BE49-F238E27FC236}">
-                <a16:creationId xmlns:a16="http://schemas.microsoft.com/office/drawing/2014/main" id="{A79CFBBA-2C61-4EDA-9A68-EC8E2EABE0F5}"/>
-              </a:ext>
-            </a:extLst>
-          </p:cNvPr>
-          <p:cNvCxnSpPr>
-            <a:cxnSpLocks/>
-          </p:cNvCxnSpPr>
+          <p:cNvPr id="10" name="직선 연결선 9"/>
+          <p:cNvCxnSpPr/>
           <p:nvPr/>
         </p:nvCxnSpPr>
         <p:spPr>
@@ -7092,16 +7433,112 @@
           </a:fontRef>
         </p:style>
       </p:cxnSp>
+      <p:pic>
+        <p:nvPicPr>
+          <p:cNvPr id="13" name=""/>
+          <p:cNvPicPr>
+            <a:picLocks noChangeAspect="1"/>
+          </p:cNvPicPr>
+          <p:nvPr/>
+        </p:nvPicPr>
+        <p:blipFill rotWithShape="1">
+          <a:blip r:embed="rId2"/>
+          <a:stretch>
+            <a:fillRect/>
+          </a:stretch>
+        </p:blipFill>
+        <p:spPr>
+          <a:xfrm>
+            <a:off x="8636314" y="1468966"/>
+            <a:ext cx="2177168" cy="4476748"/>
+          </a:xfrm>
+          <a:prstGeom prst="rect">
+            <a:avLst/>
+          </a:prstGeom>
+          <a:effectLst>
+            <a:outerShdw blurRad="76200" sx="104000" sy="104000" algn="ctr" rotWithShape="0">
+              <a:srgbClr val="000000">
+                <a:alpha val="50000"/>
+              </a:srgbClr>
+            </a:outerShdw>
+          </a:effectLst>
+        </p:spPr>
+      </p:pic>
+      <p:pic>
+        <p:nvPicPr>
+          <p:cNvPr id="14" name=""/>
+          <p:cNvPicPr>
+            <a:picLocks noChangeAspect="1"/>
+          </p:cNvPicPr>
+          <p:nvPr/>
+        </p:nvPicPr>
+        <p:blipFill rotWithShape="1">
+          <a:blip r:embed="rId3"/>
+          <a:stretch>
+            <a:fillRect/>
+          </a:stretch>
+        </p:blipFill>
+        <p:spPr>
+          <a:xfrm>
+            <a:off x="506251" y="1504949"/>
+            <a:ext cx="4057746" cy="3429000"/>
+          </a:xfrm>
+          <a:prstGeom prst="rect">
+            <a:avLst/>
+          </a:prstGeom>
+          <a:effectLst>
+            <a:outerShdw blurRad="76200" sx="104000" sy="104000" algn="ctr" rotWithShape="0">
+              <a:srgbClr val="000000">
+                <a:alpha val="50000"/>
+              </a:srgbClr>
+            </a:outerShdw>
+          </a:effectLst>
+        </p:spPr>
+      </p:pic>
+      <p:pic>
+        <p:nvPicPr>
+          <p:cNvPr id="15" name=""/>
+          <p:cNvPicPr>
+            <a:picLocks noChangeAspect="1"/>
+          </p:cNvPicPr>
+          <p:nvPr/>
+        </p:nvPicPr>
+        <p:blipFill rotWithShape="1">
+          <a:blip r:embed="rId4"/>
+          <a:stretch>
+            <a:fillRect/>
+          </a:stretch>
+        </p:blipFill>
+        <p:spPr>
+          <a:xfrm>
+            <a:off x="5155182" y="1493828"/>
+            <a:ext cx="2884936" cy="4800933"/>
+          </a:xfrm>
+          <a:prstGeom prst="rect">
+            <a:avLst/>
+          </a:prstGeom>
+          <a:effectLst>
+            <a:outerShdw blurRad="76200" sx="104000" sy="104000" algn="ctr" rotWithShape="0">
+              <a:srgbClr val="000000">
+                <a:alpha val="50000"/>
+              </a:srgbClr>
+            </a:outerShdw>
+          </a:effectLst>
+        </p:spPr>
+      </p:pic>
     </p:spTree>
-    <p:extLst>
-      <p:ext uri="{BB962C8B-B14F-4D97-AF65-F5344CB8AC3E}">
-        <p14:creationId xmlns:p14="http://schemas.microsoft.com/office/powerpoint/2010/main" val="421007983"/>
-      </p:ext>
-    </p:extLst>
   </p:cSld>
   <p:clrMapOvr>
     <a:masterClrMapping/>
   </p:clrMapOvr>
+  <mc:AlternateContent xmlns:mc="http://schemas.openxmlformats.org/markup-compatibility/2006">
+    <mc:Choice xmlns:p14="http://schemas.microsoft.com/office/powerpoint/2010/main" Requires="p14">
+      <p:transition xmlns:mc="http://schemas.openxmlformats.org/markup-compatibility/2006" xmlns:p14="http://schemas.microsoft.com/office/powerpoint/2010/main" mc:Ignorable="p14" p14:dur="500"/>
+    </mc:Choice>
+    <mc:Fallback>
+      <p:transition/>
+    </mc:Fallback>
+  </mc:AlternateContent>
 </p:sld>
 </file>
 

--- a/smartfarm.pptx
+++ b/smartfarm.pptx
@@ -2,7 +2,7 @@
 <file path=ppt/presentation.xml><?xml version="1.0" encoding="utf-8"?>
 <p:presentation xmlns:r="http://schemas.openxmlformats.org/officeDocument/2006/relationships" xmlns:c="http://schemas.openxmlformats.org/drawingml/2006/chart" xmlns:a="http://schemas.openxmlformats.org/drawingml/2006/main" xmlns:dgm="http://schemas.openxmlformats.org/drawingml/2006/diagram" xmlns:dsp="http://schemas.microsoft.com/office/drawing/2008/diagram" xmlns:p="http://schemas.openxmlformats.org/presentationml/2006/main" saveSubsetFonts="1">
   <p:sldMasterIdLst>
-    <p:sldMasterId id="2147483698" r:id="rId1"/>
+    <p:sldMasterId id="2147483674" r:id="rId1"/>
   </p:sldMasterIdLst>
   <p:sldIdLst>
     <p:sldId id="256" r:id="rId2"/>
@@ -5595,8 +5595,8 @@
         </p:blipFill>
         <p:spPr>
           <a:xfrm>
-            <a:off x="0" y="1066554"/>
-            <a:ext cx="6563640" cy="2581766"/>
+            <a:off x="0" y="1145929"/>
+            <a:ext cx="6563640" cy="2502391"/>
           </a:xfrm>
           <a:prstGeom prst="rect">
             <a:avLst/>

--- a/smartfarm.pptx
+++ b/smartfarm.pptx
@@ -2,7 +2,7 @@
 <file path=ppt/presentation.xml><?xml version="1.0" encoding="utf-8"?>
 <p:presentation xmlns:r="http://schemas.openxmlformats.org/officeDocument/2006/relationships" xmlns:c="http://schemas.openxmlformats.org/drawingml/2006/chart" xmlns:a="http://schemas.openxmlformats.org/drawingml/2006/main" xmlns:dgm="http://schemas.openxmlformats.org/drawingml/2006/diagram" xmlns:dsp="http://schemas.microsoft.com/office/drawing/2008/diagram" xmlns:p="http://schemas.openxmlformats.org/presentationml/2006/main" saveSubsetFonts="1">
   <p:sldMasterIdLst>
-    <p:sldMasterId id="2147483680" r:id="rId1"/>
+    <p:sldMasterId id="2147483673" r:id="rId1"/>
   </p:sldMasterIdLst>
   <p:sldIdLst>
     <p:sldId id="256" r:id="rId2"/>
@@ -6192,6 +6192,33 @@
               </a:rPr>
               <a:t> 기능 소개</a:t>
             </a:r>
+            <a:endParaRPr lang="ko-KR" altLang="en-US" sz="2400" b="1" i="1" kern="0">
+              <a:solidFill>
+                <a:prstClr val="black">
+                  <a:lumMod val="75000"/>
+                  <a:lumOff val="25000"/>
+                </a:prstClr>
+              </a:solidFill>
+            </a:endParaRPr>
+          </a:p>
+          <a:p>
+            <a:pPr algn="ctr" latinLnBrk="0">
+              <a:lnSpc>
+                <a:spcPct val="150000"/>
+              </a:lnSpc>
+              <a:defRPr/>
+            </a:pPr>
+            <a:r>
+              <a:rPr lang="en-US" altLang="ko-KR" sz="2400" b="1" i="1" kern="0">
+                <a:solidFill>
+                  <a:prstClr val="black">
+                    <a:lumMod val="75000"/>
+                    <a:lumOff val="25000"/>
+                  </a:prstClr>
+                </a:solidFill>
+              </a:rPr>
+              <a:t>AWS, Android Data Link, Node.js</a:t>
+            </a:r>
             <a:endParaRPr lang="en-US" altLang="ko-KR" sz="2400" b="1" i="1" kern="0">
               <a:solidFill>
                 <a:prstClr val="black">
